--- a/JMMPaper/Musical Instrument Classification Using a Hybrid Neural Network BuellShortv2.pptx
+++ b/JMMPaper/Musical Instrument Classification Using a Hybrid Neural Network BuellShortv2.pptx
@@ -9,8 +9,8 @@
   </p:notesMasterIdLst>
   <p:sldIdLst>
     <p:sldId id="256" r:id="rId2"/>
-    <p:sldId id="258" r:id="rId3"/>
-    <p:sldId id="289" r:id="rId4"/>
+    <p:sldId id="289" r:id="rId3"/>
+    <p:sldId id="258" r:id="rId4"/>
     <p:sldId id="257" r:id="rId5"/>
     <p:sldId id="259" r:id="rId6"/>
     <p:sldId id="260" r:id="rId7"/>
@@ -5679,7 +5679,23 @@
           </a:pPr>
           <a:r>
             <a:rPr lang="en-US" dirty="0"/>
-            <a:t>This is called Multimodal Deep Learning</a:t>
+            <a:t>This is called </a:t>
+          </a:r>
+          <a:r>
+            <a:rPr lang="en-US" i="1" dirty="0"/>
+            <a:t>Multimodal</a:t>
+          </a:r>
+          <a:r>
+            <a:rPr lang="en-US" i="0" dirty="0"/>
+            <a:t> or M</a:t>
+          </a:r>
+          <a:r>
+            <a:rPr lang="en-US" i="1" dirty="0"/>
+            <a:t>ultiview</a:t>
+          </a:r>
+          <a:r>
+            <a:rPr lang="en-US" dirty="0"/>
+            <a:t> Deep Learning</a:t>
           </a:r>
         </a:p>
       </dgm:t>
@@ -8037,7 +8053,23 @@
           </a:pPr>
           <a:r>
             <a:rPr lang="en-US" sz="2400" kern="1200" dirty="0"/>
-            <a:t>This is called Multimodal Deep Learning</a:t>
+            <a:t>This is called </a:t>
+          </a:r>
+          <a:r>
+            <a:rPr lang="en-US" sz="2400" i="1" kern="1200" dirty="0"/>
+            <a:t>Multimodal</a:t>
+          </a:r>
+          <a:r>
+            <a:rPr lang="en-US" sz="2400" i="0" kern="1200" dirty="0"/>
+            <a:t> or M</a:t>
+          </a:r>
+          <a:r>
+            <a:rPr lang="en-US" sz="2400" i="1" kern="1200" dirty="0"/>
+            <a:t>ultiview</a:t>
+          </a:r>
+          <a:r>
+            <a:rPr lang="en-US" sz="2400" kern="1200" dirty="0"/>
+            <a:t> Deep Learning</a:t>
           </a:r>
         </a:p>
       </dsp:txBody>
@@ -16020,7 +16052,7 @@
           <a:p>
             <a:fld id="{FBD822EA-6EB6-41E3-9582-0C976F415B9F}" type="datetimeFigureOut">
               <a:rPr lang="en-US" smtClean="0"/>
-              <a:t>1/6/2021</a:t>
+              <a:t>1/7/2021</a:t>
             </a:fld>
             <a:endParaRPr lang="en-US"/>
           </a:p>
@@ -16455,7 +16487,7 @@
           <a:p>
             <a:fld id="{9E016143-E03C-4CFD-AFDC-14E5BDEA754C}" type="datetimeFigureOut">
               <a:rPr lang="en-US" smtClean="0"/>
-              <a:t>1/6/2021</a:t>
+              <a:t>1/7/2021</a:t>
             </a:fld>
             <a:endParaRPr lang="en-US" dirty="0"/>
           </a:p>
@@ -16684,7 +16716,7 @@
           <a:p>
             <a:fld id="{C033E54A-A8CA-48C1-9504-691B58049D29}" type="datetimeFigureOut">
               <a:rPr lang="en-US" smtClean="0"/>
-              <a:t>1/6/2021</a:t>
+              <a:t>1/7/2021</a:t>
             </a:fld>
             <a:endParaRPr lang="en-US" dirty="0"/>
           </a:p>
@@ -16864,7 +16896,7 @@
           <a:p>
             <a:fld id="{B5F6C806-BBF7-471C-9527-881CE2266695}" type="datetimeFigureOut">
               <a:rPr lang="en-US" smtClean="0"/>
-              <a:t>1/6/2021</a:t>
+              <a:t>1/7/2021</a:t>
             </a:fld>
             <a:endParaRPr lang="en-US" dirty="0"/>
           </a:p>
@@ -17034,7 +17066,7 @@
           <a:p>
             <a:fld id="{78C94063-DF36-4330-A365-08DA1FA5B7D6}" type="datetimeFigureOut">
               <a:rPr lang="en-US" smtClean="0"/>
-              <a:t>1/6/2021</a:t>
+              <a:t>1/7/2021</a:t>
             </a:fld>
             <a:endParaRPr lang="en-US" dirty="0"/>
           </a:p>
@@ -17288,7 +17320,7 @@
           <a:p>
             <a:fld id="{908A7C6C-0F39-4D70-8E8D-FE5B9C95FA73}" type="datetimeFigureOut">
               <a:rPr lang="en-US" smtClean="0"/>
-              <a:t>1/6/2021</a:t>
+              <a:t>1/7/2021</a:t>
             </a:fld>
             <a:endParaRPr lang="en-US" dirty="0"/>
           </a:p>
@@ -17614,7 +17646,7 @@
           <a:p>
             <a:fld id="{DFCFA4AC-08CC-42CE-BD01-C191750A04EC}" type="datetimeFigureOut">
               <a:rPr lang="en-US" smtClean="0"/>
-              <a:t>1/6/2021</a:t>
+              <a:t>1/7/2021</a:t>
             </a:fld>
             <a:endParaRPr lang="en-US" dirty="0"/>
           </a:p>
@@ -18065,7 +18097,7 @@
           <a:p>
             <a:fld id="{1BA7A723-92A7-435B-B681-F25B092FEFEB}" type="datetimeFigureOut">
               <a:rPr lang="en-US" smtClean="0"/>
-              <a:t>1/6/2021</a:t>
+              <a:t>1/7/2021</a:t>
             </a:fld>
             <a:endParaRPr lang="en-US" dirty="0"/>
           </a:p>
@@ -18183,7 +18215,7 @@
           <a:p>
             <a:fld id="{4F170639-886C-4FCF-9EAB-ABB5DA3F3F4A}" type="datetimeFigureOut">
               <a:rPr lang="en-US" smtClean="0"/>
-              <a:t>1/6/2021</a:t>
+              <a:t>1/7/2021</a:t>
             </a:fld>
             <a:endParaRPr lang="en-US" dirty="0"/>
           </a:p>
@@ -18278,7 +18310,7 @@
           <a:p>
             <a:fld id="{22230651-31F4-45D2-98AE-A2108F41BC07}" type="datetimeFigureOut">
               <a:rPr lang="en-US" smtClean="0"/>
-              <a:t>1/6/2021</a:t>
+              <a:t>1/7/2021</a:t>
             </a:fld>
             <a:endParaRPr lang="en-US" dirty="0"/>
           </a:p>
@@ -18565,7 +18597,7 @@
           <a:p>
             <a:fld id="{6F53789A-C914-4DB1-8815-80B5EC7335C5}" type="datetimeFigureOut">
               <a:rPr lang="en-US" smtClean="0"/>
-              <a:t>1/6/2021</a:t>
+              <a:t>1/7/2021</a:t>
             </a:fld>
             <a:endParaRPr lang="en-US" dirty="0"/>
           </a:p>
@@ -18887,7 +18919,7 @@
           <a:p>
             <a:fld id="{5E6440AA-91A0-436F-8FDB-C0F939DCAE21}" type="datetimeFigureOut">
               <a:rPr lang="en-US" smtClean="0"/>
-              <a:t>1/6/2021</a:t>
+              <a:t>1/7/2021</a:t>
             </a:fld>
             <a:endParaRPr lang="en-US" dirty="0"/>
           </a:p>
@@ -19141,7 +19173,7 @@
           <a:p>
             <a:fld id="{0E59FD0C-5451-4CA0-86AF-E70AE3279989}" type="datetimeFigureOut">
               <a:rPr lang="en-US" smtClean="0"/>
-              <a:t>1/6/2021</a:t>
+              <a:t>1/7/2021</a:t>
             </a:fld>
             <a:endParaRPr lang="en-US" dirty="0"/>
           </a:p>
@@ -19702,26 +19734,26 @@
           <a:lstStyle/>
           <a:p>
             <a:r>
-              <a:rPr lang="en-US" sz="1400" dirty="0"/>
+              <a:rPr lang="en-US" sz="1400" b="1" dirty="0"/>
               <a:t>Landon Buell</a:t>
             </a:r>
           </a:p>
           <a:p>
             <a:r>
               <a:rPr lang="en-US" sz="1400" dirty="0"/>
-              <a:t>Senior, Physics B.S. Major</a:t>
+              <a:t>B.S. Physics, Dec 2020</a:t>
+            </a:r>
+          </a:p>
+          <a:p>
+            <a:r>
+              <a:rPr lang="en-US" sz="1400" dirty="0"/>
+              <a:t>M.S. Computer Science, Exp. 2024</a:t>
             </a:r>
           </a:p>
           <a:p>
             <a:r>
               <a:rPr lang="en-US" sz="1400" dirty="0"/>
               <a:t>University of New Hampshire</a:t>
-            </a:r>
-          </a:p>
-          <a:p>
-            <a:r>
-              <a:rPr lang="en-US" sz="1400" dirty="0"/>
-              <a:t>8 Jan 2020</a:t>
             </a:r>
           </a:p>
         </p:txBody>
@@ -20000,7 +20032,7 @@
           </a:lstStyle>
           <a:p>
             <a:r>
-              <a:rPr lang="en-US" sz="1400" dirty="0"/>
+              <a:rPr lang="en-US" sz="1400" b="1" dirty="0"/>
               <a:t>Kevin Short</a:t>
             </a:r>
           </a:p>
@@ -20024,6 +20056,41 @@
           </a:p>
           <a:p>
             <a:endParaRPr lang="en-US" dirty="0"/>
+          </a:p>
+        </p:txBody>
+      </p:sp>
+      <p:sp>
+        <p:nvSpPr>
+          <p:cNvPr id="8" name="TextBox 7">
+            <a:extLst>
+              <a:ext uri="{FF2B5EF4-FFF2-40B4-BE49-F238E27FC236}">
+                <a16:creationId xmlns:a16="http://schemas.microsoft.com/office/drawing/2014/main" id="{F36B5EBE-72FC-4F26-8F54-7DC8AA756313}"/>
+              </a:ext>
+            </a:extLst>
+          </p:cNvPr>
+          <p:cNvSpPr txBox="1"/>
+          <p:nvPr/>
+        </p:nvSpPr>
+        <p:spPr>
+          <a:xfrm>
+            <a:off x="10794962" y="6417934"/>
+            <a:ext cx="1607158" cy="369332"/>
+          </a:xfrm>
+          <a:prstGeom prst="rect">
+            <a:avLst/>
+          </a:prstGeom>
+          <a:noFill/>
+        </p:spPr>
+        <p:txBody>
+          <a:bodyPr wrap="square">
+            <a:spAutoFit/>
+          </a:bodyPr>
+          <a:lstStyle/>
+          <a:p>
+            <a:r>
+              <a:rPr lang="en-US" sz="1800" dirty="0"/>
+              <a:t>8 Jan 2021</a:t>
+            </a:r>
           </a:p>
         </p:txBody>
       </p:sp>
@@ -20085,8 +20152,8 @@
           </a:p>
         </p:txBody>
       </p:sp>
-      <mc:AlternateContent xmlns:mc="http://schemas.openxmlformats.org/markup-compatibility/2006">
-        <mc:Choice xmlns:a14="http://schemas.microsoft.com/office/drawing/2010/main" Requires="a14">
+      <mc:AlternateContent xmlns:mc="http://schemas.openxmlformats.org/markup-compatibility/2006" xmlns:a14="http://schemas.microsoft.com/office/drawing/2010/main">
+        <mc:Choice Requires="a14">
           <p:sp>
             <p:nvSpPr>
               <p:cNvPr id="3" name="Content Placeholder 2">
@@ -20408,7 +20475,7 @@
             </p:txBody>
           </p:sp>
         </mc:Choice>
-        <mc:Fallback>
+        <mc:Fallback xmlns="">
           <p:sp>
             <p:nvSpPr>
               <p:cNvPr id="3" name="Content Placeholder 2">
@@ -23422,8 +23489,8 @@
           </a:p>
         </p:txBody>
       </p:sp>
-      <mc:AlternateContent xmlns:mc="http://schemas.openxmlformats.org/markup-compatibility/2006">
-        <mc:Choice xmlns:a14="http://schemas.microsoft.com/office/drawing/2010/main" Requires="a14">
+      <mc:AlternateContent xmlns:mc="http://schemas.openxmlformats.org/markup-compatibility/2006" xmlns:a14="http://schemas.microsoft.com/office/drawing/2010/main">
+        <mc:Choice Requires="a14">
           <p:sp>
             <p:nvSpPr>
               <p:cNvPr id="3" name="Content Placeholder 2">
@@ -23870,7 +23937,7 @@
             </p:txBody>
           </p:sp>
         </mc:Choice>
-        <mc:Fallback>
+        <mc:Fallback xmlns="">
           <p:sp>
             <p:nvSpPr>
               <p:cNvPr id="3" name="Content Placeholder 2">
@@ -29672,6 +29739,13 @@
             </a:r>
           </a:p>
           <a:p>
+            <a:pPr lvl="1"/>
+            <a:r>
+              <a:rPr lang="en-US" dirty="0"/>
+              <a:t>1D vs. 2D Inputs</a:t>
+            </a:r>
+          </a:p>
+          <a:p>
             <a:endParaRPr lang="en-US" i="1" dirty="0"/>
           </a:p>
           <a:p>
@@ -32225,9 +32299,7 @@
     <p:bg>
       <p:bgPr>
         <a:solidFill>
-          <a:schemeClr val="bg2">
-            <a:lumMod val="75000"/>
-          </a:schemeClr>
+          <a:schemeClr val="bg1"/>
         </a:solidFill>
         <a:effectLst/>
       </p:bgPr>
@@ -32246,12 +32318,12 @@
           <a:chExt cx="0" cy="0"/>
         </a:xfrm>
       </p:grpSpPr>
-      <p:sp>
+      <p:sp useBgFill="1">
         <p:nvSpPr>
-          <p:cNvPr id="8" name="Rectangle 7">
+          <p:cNvPr id="9" name="Rectangle 8">
             <a:extLst>
               <a:ext uri="{FF2B5EF4-FFF2-40B4-BE49-F238E27FC236}">
-                <a16:creationId xmlns:a16="http://schemas.microsoft.com/office/drawing/2014/main" id="{A6F05DDE-5F2C-44F5-BACC-DED4737B11B8}"/>
+                <a16:creationId xmlns:a16="http://schemas.microsoft.com/office/drawing/2014/main" id="{876248C8-0720-48AB-91BA-5F530BB41E5E}"/>
               </a:ext>
               <a:ext uri="{C183D7F6-B498-43B3-948B-1728B52AA6E4}">
                 <adec:decorative xmlns:adec="http://schemas.microsoft.com/office/drawing/2017/decorative" val="1"/>
@@ -32271,143 +32343,12 @@
         </p:nvSpPr>
         <p:spPr>
           <a:xfrm>
-            <a:off x="0" y="0"/>
-            <a:ext cx="457200" cy="6858000"/>
+            <a:off x="-1" y="0"/>
+            <a:ext cx="12220924" cy="6858000"/>
           </a:xfrm>
           <a:prstGeom prst="rect">
             <a:avLst/>
           </a:prstGeom>
-          <a:solidFill>
-            <a:schemeClr val="accent1"/>
-          </a:solidFill>
-          <a:ln>
-            <a:noFill/>
-          </a:ln>
-        </p:spPr>
-        <p:style>
-          <a:lnRef idx="2">
-            <a:schemeClr val="accent1">
-              <a:shade val="50000"/>
-            </a:schemeClr>
-          </a:lnRef>
-          <a:fillRef idx="1">
-            <a:schemeClr val="accent1"/>
-          </a:fillRef>
-          <a:effectRef idx="0">
-            <a:schemeClr val="accent1"/>
-          </a:effectRef>
-          <a:fontRef idx="minor">
-            <a:schemeClr val="lt1"/>
-          </a:fontRef>
-        </p:style>
-      </p:sp>
-      <p:sp>
-        <p:nvSpPr>
-          <p:cNvPr id="2" name="Title 1">
-            <a:extLst>
-              <a:ext uri="{FF2B5EF4-FFF2-40B4-BE49-F238E27FC236}">
-                <a16:creationId xmlns:a16="http://schemas.microsoft.com/office/drawing/2014/main" id="{51009190-5AE6-46E1-A58A-A5FB5522D7AF}"/>
-              </a:ext>
-            </a:extLst>
-          </p:cNvPr>
-          <p:cNvSpPr>
-            <a:spLocks noGrp="1"/>
-          </p:cNvSpPr>
-          <p:nvPr>
-            <p:ph type="title"/>
-          </p:nvPr>
-        </p:nvSpPr>
-        <p:spPr>
-          <a:xfrm>
-            <a:off x="4651947" y="758952"/>
-            <a:ext cx="6323519" cy="4041648"/>
-          </a:xfrm>
-        </p:spPr>
-        <p:txBody>
-          <a:bodyPr vert="horz" lIns="91440" tIns="45720" rIns="91440" bIns="45720" rtlCol="0" anchor="b">
-            <a:normAutofit/>
-          </a:bodyPr>
-          <a:lstStyle/>
-          <a:p>
-            <a:r>
-              <a:rPr lang="en-US" dirty="0"/>
-              <a:t>Introduction</a:t>
-            </a:r>
-          </a:p>
-        </p:txBody>
-      </p:sp>
-      <p:sp>
-        <p:nvSpPr>
-          <p:cNvPr id="3" name="Text Placeholder 2">
-            <a:extLst>
-              <a:ext uri="{FF2B5EF4-FFF2-40B4-BE49-F238E27FC236}">
-                <a16:creationId xmlns:a16="http://schemas.microsoft.com/office/drawing/2014/main" id="{F7F39D0B-53F5-408C-8C70-27D8C52ECE6A}"/>
-              </a:ext>
-            </a:extLst>
-          </p:cNvPr>
-          <p:cNvSpPr>
-            <a:spLocks noGrp="1"/>
-          </p:cNvSpPr>
-          <p:nvPr>
-            <p:ph type="body" idx="1"/>
-          </p:nvPr>
-        </p:nvSpPr>
-        <p:spPr>
-          <a:xfrm>
-            <a:off x="4651947" y="4800600"/>
-            <a:ext cx="6323520" cy="1691640"/>
-          </a:xfrm>
-        </p:spPr>
-        <p:txBody>
-          <a:bodyPr vert="horz" lIns="91440" tIns="45720" rIns="91440" bIns="45720" rtlCol="0">
-            <a:normAutofit/>
-          </a:bodyPr>
-          <a:lstStyle/>
-          <a:p>
-            <a:endParaRPr lang="en-US">
-              <a:solidFill>
-                <a:schemeClr val="tx1">
-                  <a:lumMod val="75000"/>
-                </a:schemeClr>
-              </a:solidFill>
-            </a:endParaRPr>
-          </a:p>
-        </p:txBody>
-      </p:sp>
-      <p:sp>
-        <p:nvSpPr>
-          <p:cNvPr id="10" name="Rectangle 9">
-            <a:extLst>
-              <a:ext uri="{FF2B5EF4-FFF2-40B4-BE49-F238E27FC236}">
-                <a16:creationId xmlns:a16="http://schemas.microsoft.com/office/drawing/2014/main" id="{A0F80B31-D942-4321-A7CC-3FF24C30A9FC}"/>
-              </a:ext>
-              <a:ext uri="{C183D7F6-B498-43B3-948B-1728B52AA6E4}">
-                <adec:decorative xmlns:adec="http://schemas.microsoft.com/office/drawing/2017/decorative" val="1"/>
-              </a:ext>
-            </a:extLst>
-          </p:cNvPr>
-          <p:cNvSpPr>
-            <a:spLocks noGrp="1" noRot="1" noChangeAspect="1" noMove="1" noResize="1" noEditPoints="1" noAdjustHandles="1" noChangeArrowheads="1" noChangeShapeType="1" noTextEdit="1"/>
-          </p:cNvSpPr>
-          <p:nvPr>
-            <p:extLst>
-              <p:ext uri="{386F3935-93C4-4BCD-93E2-E3B085C9AB24}">
-                <p16:designElem xmlns:p16="http://schemas.microsoft.com/office/powerpoint/2015/main" val="1"/>
-              </p:ext>
-            </p:extLst>
-          </p:nvPr>
-        </p:nvSpPr>
-        <p:spPr>
-          <a:xfrm>
-            <a:off x="0" y="0"/>
-            <a:ext cx="3568372" cy="6858000"/>
-          </a:xfrm>
-          <a:prstGeom prst="rect">
-            <a:avLst/>
-          </a:prstGeom>
-          <a:solidFill>
-            <a:schemeClr val="accent1"/>
-          </a:solidFill>
           <a:ln>
             <a:noFill/>
           </a:ln>
@@ -32439,10 +32380,45 @@
       </p:sp>
       <p:sp>
         <p:nvSpPr>
-          <p:cNvPr id="12" name="Rectangle 11">
+          <p:cNvPr id="2" name="Title 1">
             <a:extLst>
               <a:ext uri="{FF2B5EF4-FFF2-40B4-BE49-F238E27FC236}">
-                <a16:creationId xmlns:a16="http://schemas.microsoft.com/office/drawing/2014/main" id="{27DE213B-0A4F-4E9E-9153-8B0C2D0469BE}"/>
+                <a16:creationId xmlns:a16="http://schemas.microsoft.com/office/drawing/2014/main" id="{F986E15E-7F81-466C-9AE9-AEA62DF97E8F}"/>
+              </a:ext>
+            </a:extLst>
+          </p:cNvPr>
+          <p:cNvSpPr>
+            <a:spLocks noGrp="1"/>
+          </p:cNvSpPr>
+          <p:nvPr>
+            <p:ph type="title"/>
+          </p:nvPr>
+        </p:nvSpPr>
+        <p:spPr>
+          <a:xfrm>
+            <a:off x="1261871" y="365760"/>
+            <a:ext cx="9858383" cy="1325562"/>
+          </a:xfrm>
+        </p:spPr>
+        <p:txBody>
+          <a:bodyPr>
+            <a:normAutofit/>
+          </a:bodyPr>
+          <a:lstStyle/>
+          <a:p>
+            <a:r>
+              <a:rPr lang="en-US" dirty="0"/>
+              <a:t>Presentation Outline</a:t>
+            </a:r>
+          </a:p>
+        </p:txBody>
+      </p:sp>
+      <p:sp>
+        <p:nvSpPr>
+          <p:cNvPr id="11" name="Rectangle 10">
+            <a:extLst>
+              <a:ext uri="{FF2B5EF4-FFF2-40B4-BE49-F238E27FC236}">
+                <a16:creationId xmlns:a16="http://schemas.microsoft.com/office/drawing/2014/main" id="{523BEDA7-D0B8-4802-8168-92452653BC9F}"/>
               </a:ext>
               <a:ext uri="{C183D7F6-B498-43B3-948B-1728B52AA6E4}">
                 <adec:decorative xmlns:adec="http://schemas.microsoft.com/office/drawing/2017/decorative" val="1"/>
@@ -32462,16 +32438,15 @@
         </p:nvSpPr>
         <p:spPr>
           <a:xfrm>
-            <a:off x="3569969" y="0"/>
-            <a:ext cx="457200" cy="6858000"/>
+            <a:off x="0" y="0"/>
+            <a:ext cx="914400" cy="6858000"/>
           </a:xfrm>
           <a:prstGeom prst="rect">
             <a:avLst/>
           </a:prstGeom>
           <a:solidFill>
-            <a:schemeClr val="accent1">
+            <a:schemeClr val="tx2">
               <a:lumMod val="75000"/>
-              <a:alpha val="60000"/>
             </a:schemeClr>
           </a:solidFill>
           <a:ln>
@@ -32495,10 +32470,96 @@
           </a:fontRef>
         </p:style>
       </p:sp>
+      <p:sp>
+        <p:nvSpPr>
+          <p:cNvPr id="13" name="Rectangle 12">
+            <a:extLst>
+              <a:ext uri="{FF2B5EF4-FFF2-40B4-BE49-F238E27FC236}">
+                <a16:creationId xmlns:a16="http://schemas.microsoft.com/office/drawing/2014/main" id="{D2EFF34B-7B1A-4F9D-8CEE-A40962BC7C21}"/>
+              </a:ext>
+              <a:ext uri="{C183D7F6-B498-43B3-948B-1728B52AA6E4}">
+                <adec:decorative xmlns:adec="http://schemas.microsoft.com/office/drawing/2017/decorative" val="1"/>
+              </a:ext>
+            </a:extLst>
+          </p:cNvPr>
+          <p:cNvSpPr>
+            <a:spLocks noGrp="1" noRot="1" noChangeAspect="1" noMove="1" noResize="1" noEditPoints="1" noAdjustHandles="1" noChangeArrowheads="1" noChangeShapeType="1" noTextEdit="1"/>
+          </p:cNvSpPr>
+          <p:nvPr>
+            <p:extLst>
+              <p:ext uri="{386F3935-93C4-4BCD-93E2-E3B085C9AB24}">
+                <p16:designElem xmlns:p16="http://schemas.microsoft.com/office/powerpoint/2015/main" val="1"/>
+              </p:ext>
+            </p:extLst>
+          </p:nvPr>
+        </p:nvSpPr>
+        <p:spPr>
+          <a:xfrm>
+            <a:off x="11763724" y="0"/>
+            <a:ext cx="457200" cy="6858000"/>
+          </a:xfrm>
+          <a:prstGeom prst="rect">
+            <a:avLst/>
+          </a:prstGeom>
+          <a:solidFill>
+            <a:schemeClr val="accent1"/>
+          </a:solidFill>
+          <a:ln>
+            <a:noFill/>
+          </a:ln>
+        </p:spPr>
+        <p:style>
+          <a:lnRef idx="2">
+            <a:schemeClr val="accent1">
+              <a:shade val="50000"/>
+            </a:schemeClr>
+          </a:lnRef>
+          <a:fillRef idx="1">
+            <a:schemeClr val="accent1"/>
+          </a:fillRef>
+          <a:effectRef idx="0">
+            <a:schemeClr val="accent1"/>
+          </a:effectRef>
+          <a:fontRef idx="minor">
+            <a:schemeClr val="lt1"/>
+          </a:fontRef>
+        </p:style>
+      </p:sp>
+      <p:graphicFrame>
+        <p:nvGraphicFramePr>
+          <p:cNvPr id="5" name="Content Placeholder 2">
+            <a:extLst>
+              <a:ext uri="{FF2B5EF4-FFF2-40B4-BE49-F238E27FC236}">
+                <a16:creationId xmlns:a16="http://schemas.microsoft.com/office/drawing/2014/main" id="{309BE5D2-E9CA-4476-BC68-713F1871E7C0}"/>
+              </a:ext>
+            </a:extLst>
+          </p:cNvPr>
+          <p:cNvGraphicFramePr>
+            <a:graphicFrameLocks noGrp="1"/>
+          </p:cNvGraphicFramePr>
+          <p:nvPr>
+            <p:ph idx="1"/>
+            <p:extLst>
+              <p:ext uri="{D42A27DB-BD31-4B8C-83A1-F6EECF244321}">
+                <p14:modId xmlns:p14="http://schemas.microsoft.com/office/powerpoint/2010/main" val="4184016602"/>
+              </p:ext>
+            </p:extLst>
+          </p:nvPr>
+        </p:nvGraphicFramePr>
+        <p:xfrm>
+          <a:off x="1262063" y="2013055"/>
+          <a:ext cx="9858191" cy="4201478"/>
+        </p:xfrm>
+        <a:graphic>
+          <a:graphicData uri="http://schemas.openxmlformats.org/drawingml/2006/diagram">
+            <dgm:relIds xmlns:dgm="http://schemas.openxmlformats.org/drawingml/2006/diagram" xmlns:r="http://schemas.openxmlformats.org/officeDocument/2006/relationships" r:dm="rId2" r:lo="rId3" r:qs="rId4" r:cs="rId5"/>
+          </a:graphicData>
+        </a:graphic>
+      </p:graphicFrame>
     </p:spTree>
     <p:extLst>
       <p:ext uri="{BB962C8B-B14F-4D97-AF65-F5344CB8AC3E}">
-        <p14:creationId xmlns:p14="http://schemas.microsoft.com/office/powerpoint/2010/main" val="1015811613"/>
+        <p14:creationId xmlns:p14="http://schemas.microsoft.com/office/powerpoint/2010/main" val="4130503848"/>
       </p:ext>
     </p:extLst>
   </p:cSld>
@@ -32648,7 +32709,7 @@
             <p:ph idx="1"/>
             <p:extLst>
               <p:ext uri="{D42A27DB-BD31-4B8C-83A1-F6EECF244321}">
-                <p14:modId xmlns:p14="http://schemas.microsoft.com/office/powerpoint/2010/main" val="3573610829"/>
+                <p14:modId xmlns:p14="http://schemas.microsoft.com/office/powerpoint/2010/main" val="2680458675"/>
               </p:ext>
             </p:extLst>
           </p:nvPr>
@@ -33728,7 +33789,7 @@
           <a:p>
             <a:r>
               <a:rPr lang="en-US" dirty="0"/>
-              <a:t>Unimodal Confusion Matrices</a:t>
+              <a:t>Single NN Confusion Matrices</a:t>
             </a:r>
           </a:p>
         </p:txBody>
@@ -35764,7 +35825,7 @@
           <a:p>
             <a:r>
               <a:rPr lang="en-US" dirty="0"/>
-              <a:t>Multimodal Confusion Matrix</a:t>
+              <a:t>Hybrid NN Confusion Matrix</a:t>
             </a:r>
           </a:p>
         </p:txBody>
@@ -35850,7 +35911,7 @@
           <a:p>
             <a:r>
               <a:rPr lang="en-US" dirty="0"/>
-              <a:t>Multimodal models shows a stronger main diagonal</a:t>
+              <a:t>Hybrid model shows a stronger main diagonal</a:t>
             </a:r>
           </a:p>
           <a:p>
@@ -37324,9 +37385,10 @@
           <a:lstStyle/>
           <a:p>
             <a:r>
-              <a:rPr lang="en-US" dirty="0"/>
-              <a:t>Citations</a:t>
+              <a:rPr lang="en-US" dirty="0" err="1"/>
+              <a:t>Refrences</a:t>
             </a:r>
+            <a:endParaRPr lang="en-US" dirty="0"/>
           </a:p>
         </p:txBody>
       </p:sp>
@@ -38259,7 +38321,9 @@
     <p:bg>
       <p:bgPr>
         <a:solidFill>
-          <a:schemeClr val="bg1"/>
+          <a:schemeClr val="bg2">
+            <a:lumMod val="75000"/>
+          </a:schemeClr>
         </a:solidFill>
         <a:effectLst/>
       </p:bgPr>
@@ -38278,12 +38342,12 @@
           <a:chExt cx="0" cy="0"/>
         </a:xfrm>
       </p:grpSpPr>
-      <p:sp useBgFill="1">
+      <p:sp>
         <p:nvSpPr>
-          <p:cNvPr id="9" name="Rectangle 8">
+          <p:cNvPr id="8" name="Rectangle 7">
             <a:extLst>
               <a:ext uri="{FF2B5EF4-FFF2-40B4-BE49-F238E27FC236}">
-                <a16:creationId xmlns:a16="http://schemas.microsoft.com/office/drawing/2014/main" id="{876248C8-0720-48AB-91BA-5F530BB41E5E}"/>
+                <a16:creationId xmlns:a16="http://schemas.microsoft.com/office/drawing/2014/main" id="{A6F05DDE-5F2C-44F5-BACC-DED4737B11B8}"/>
               </a:ext>
               <a:ext uri="{C183D7F6-B498-43B3-948B-1728B52AA6E4}">
                 <adec:decorative xmlns:adec="http://schemas.microsoft.com/office/drawing/2017/decorative" val="1"/>
@@ -38303,12 +38367,143 @@
         </p:nvSpPr>
         <p:spPr>
           <a:xfrm>
-            <a:off x="-1" y="0"/>
-            <a:ext cx="12220924" cy="6858000"/>
+            <a:off x="0" y="0"/>
+            <a:ext cx="457200" cy="6858000"/>
           </a:xfrm>
           <a:prstGeom prst="rect">
             <a:avLst/>
           </a:prstGeom>
+          <a:solidFill>
+            <a:schemeClr val="accent1"/>
+          </a:solidFill>
+          <a:ln>
+            <a:noFill/>
+          </a:ln>
+        </p:spPr>
+        <p:style>
+          <a:lnRef idx="2">
+            <a:schemeClr val="accent1">
+              <a:shade val="50000"/>
+            </a:schemeClr>
+          </a:lnRef>
+          <a:fillRef idx="1">
+            <a:schemeClr val="accent1"/>
+          </a:fillRef>
+          <a:effectRef idx="0">
+            <a:schemeClr val="accent1"/>
+          </a:effectRef>
+          <a:fontRef idx="minor">
+            <a:schemeClr val="lt1"/>
+          </a:fontRef>
+        </p:style>
+      </p:sp>
+      <p:sp>
+        <p:nvSpPr>
+          <p:cNvPr id="2" name="Title 1">
+            <a:extLst>
+              <a:ext uri="{FF2B5EF4-FFF2-40B4-BE49-F238E27FC236}">
+                <a16:creationId xmlns:a16="http://schemas.microsoft.com/office/drawing/2014/main" id="{51009190-5AE6-46E1-A58A-A5FB5522D7AF}"/>
+              </a:ext>
+            </a:extLst>
+          </p:cNvPr>
+          <p:cNvSpPr>
+            <a:spLocks noGrp="1"/>
+          </p:cNvSpPr>
+          <p:nvPr>
+            <p:ph type="title"/>
+          </p:nvPr>
+        </p:nvSpPr>
+        <p:spPr>
+          <a:xfrm>
+            <a:off x="4651947" y="758952"/>
+            <a:ext cx="6323519" cy="4041648"/>
+          </a:xfrm>
+        </p:spPr>
+        <p:txBody>
+          <a:bodyPr vert="horz" lIns="91440" tIns="45720" rIns="91440" bIns="45720" rtlCol="0" anchor="b">
+            <a:normAutofit/>
+          </a:bodyPr>
+          <a:lstStyle/>
+          <a:p>
+            <a:r>
+              <a:rPr lang="en-US" dirty="0"/>
+              <a:t>Introduction</a:t>
+            </a:r>
+          </a:p>
+        </p:txBody>
+      </p:sp>
+      <p:sp>
+        <p:nvSpPr>
+          <p:cNvPr id="3" name="Text Placeholder 2">
+            <a:extLst>
+              <a:ext uri="{FF2B5EF4-FFF2-40B4-BE49-F238E27FC236}">
+                <a16:creationId xmlns:a16="http://schemas.microsoft.com/office/drawing/2014/main" id="{F7F39D0B-53F5-408C-8C70-27D8C52ECE6A}"/>
+              </a:ext>
+            </a:extLst>
+          </p:cNvPr>
+          <p:cNvSpPr>
+            <a:spLocks noGrp="1"/>
+          </p:cNvSpPr>
+          <p:nvPr>
+            <p:ph type="body" idx="1"/>
+          </p:nvPr>
+        </p:nvSpPr>
+        <p:spPr>
+          <a:xfrm>
+            <a:off x="4651947" y="4800600"/>
+            <a:ext cx="6323520" cy="1691640"/>
+          </a:xfrm>
+        </p:spPr>
+        <p:txBody>
+          <a:bodyPr vert="horz" lIns="91440" tIns="45720" rIns="91440" bIns="45720" rtlCol="0">
+            <a:normAutofit/>
+          </a:bodyPr>
+          <a:lstStyle/>
+          <a:p>
+            <a:endParaRPr lang="en-US">
+              <a:solidFill>
+                <a:schemeClr val="tx1">
+                  <a:lumMod val="75000"/>
+                </a:schemeClr>
+              </a:solidFill>
+            </a:endParaRPr>
+          </a:p>
+        </p:txBody>
+      </p:sp>
+      <p:sp>
+        <p:nvSpPr>
+          <p:cNvPr id="10" name="Rectangle 9">
+            <a:extLst>
+              <a:ext uri="{FF2B5EF4-FFF2-40B4-BE49-F238E27FC236}">
+                <a16:creationId xmlns:a16="http://schemas.microsoft.com/office/drawing/2014/main" id="{A0F80B31-D942-4321-A7CC-3FF24C30A9FC}"/>
+              </a:ext>
+              <a:ext uri="{C183D7F6-B498-43B3-948B-1728B52AA6E4}">
+                <adec:decorative xmlns:adec="http://schemas.microsoft.com/office/drawing/2017/decorative" val="1"/>
+              </a:ext>
+            </a:extLst>
+          </p:cNvPr>
+          <p:cNvSpPr>
+            <a:spLocks noGrp="1" noRot="1" noChangeAspect="1" noMove="1" noResize="1" noEditPoints="1" noAdjustHandles="1" noChangeArrowheads="1" noChangeShapeType="1" noTextEdit="1"/>
+          </p:cNvSpPr>
+          <p:nvPr>
+            <p:extLst>
+              <p:ext uri="{386F3935-93C4-4BCD-93E2-E3B085C9AB24}">
+                <p16:designElem xmlns:p16="http://schemas.microsoft.com/office/powerpoint/2015/main" val="1"/>
+              </p:ext>
+            </p:extLst>
+          </p:nvPr>
+        </p:nvSpPr>
+        <p:spPr>
+          <a:xfrm>
+            <a:off x="0" y="0"/>
+            <a:ext cx="3568372" cy="6858000"/>
+          </a:xfrm>
+          <a:prstGeom prst="rect">
+            <a:avLst/>
+          </a:prstGeom>
+          <a:solidFill>
+            <a:schemeClr val="accent1"/>
+          </a:solidFill>
           <a:ln>
             <a:noFill/>
           </a:ln>
@@ -38340,45 +38535,10 @@
       </p:sp>
       <p:sp>
         <p:nvSpPr>
-          <p:cNvPr id="2" name="Title 1">
+          <p:cNvPr id="12" name="Rectangle 11">
             <a:extLst>
               <a:ext uri="{FF2B5EF4-FFF2-40B4-BE49-F238E27FC236}">
-                <a16:creationId xmlns:a16="http://schemas.microsoft.com/office/drawing/2014/main" id="{F986E15E-7F81-466C-9AE9-AEA62DF97E8F}"/>
-              </a:ext>
-            </a:extLst>
-          </p:cNvPr>
-          <p:cNvSpPr>
-            <a:spLocks noGrp="1"/>
-          </p:cNvSpPr>
-          <p:nvPr>
-            <p:ph type="title"/>
-          </p:nvPr>
-        </p:nvSpPr>
-        <p:spPr>
-          <a:xfrm>
-            <a:off x="1261871" y="365760"/>
-            <a:ext cx="9858383" cy="1325562"/>
-          </a:xfrm>
-        </p:spPr>
-        <p:txBody>
-          <a:bodyPr>
-            <a:normAutofit/>
-          </a:bodyPr>
-          <a:lstStyle/>
-          <a:p>
-            <a:r>
-              <a:rPr lang="en-US" dirty="0"/>
-              <a:t>Presentation Outline</a:t>
-            </a:r>
-          </a:p>
-        </p:txBody>
-      </p:sp>
-      <p:sp>
-        <p:nvSpPr>
-          <p:cNvPr id="11" name="Rectangle 10">
-            <a:extLst>
-              <a:ext uri="{FF2B5EF4-FFF2-40B4-BE49-F238E27FC236}">
-                <a16:creationId xmlns:a16="http://schemas.microsoft.com/office/drawing/2014/main" id="{523BEDA7-D0B8-4802-8168-92452653BC9F}"/>
+                <a16:creationId xmlns:a16="http://schemas.microsoft.com/office/drawing/2014/main" id="{27DE213B-0A4F-4E9E-9153-8B0C2D0469BE}"/>
               </a:ext>
               <a:ext uri="{C183D7F6-B498-43B3-948B-1728B52AA6E4}">
                 <adec:decorative xmlns:adec="http://schemas.microsoft.com/office/drawing/2017/decorative" val="1"/>
@@ -38398,15 +38558,16 @@
         </p:nvSpPr>
         <p:spPr>
           <a:xfrm>
-            <a:off x="0" y="0"/>
-            <a:ext cx="914400" cy="6858000"/>
+            <a:off x="3569969" y="0"/>
+            <a:ext cx="457200" cy="6858000"/>
           </a:xfrm>
           <a:prstGeom prst="rect">
             <a:avLst/>
           </a:prstGeom>
           <a:solidFill>
-            <a:schemeClr val="tx2">
+            <a:schemeClr val="accent1">
               <a:lumMod val="75000"/>
+              <a:alpha val="60000"/>
             </a:schemeClr>
           </a:solidFill>
           <a:ln>
@@ -38430,96 +38591,10 @@
           </a:fontRef>
         </p:style>
       </p:sp>
-      <p:sp>
-        <p:nvSpPr>
-          <p:cNvPr id="13" name="Rectangle 12">
-            <a:extLst>
-              <a:ext uri="{FF2B5EF4-FFF2-40B4-BE49-F238E27FC236}">
-                <a16:creationId xmlns:a16="http://schemas.microsoft.com/office/drawing/2014/main" id="{D2EFF34B-7B1A-4F9D-8CEE-A40962BC7C21}"/>
-              </a:ext>
-              <a:ext uri="{C183D7F6-B498-43B3-948B-1728B52AA6E4}">
-                <adec:decorative xmlns:adec="http://schemas.microsoft.com/office/drawing/2017/decorative" val="1"/>
-              </a:ext>
-            </a:extLst>
-          </p:cNvPr>
-          <p:cNvSpPr>
-            <a:spLocks noGrp="1" noRot="1" noChangeAspect="1" noMove="1" noResize="1" noEditPoints="1" noAdjustHandles="1" noChangeArrowheads="1" noChangeShapeType="1" noTextEdit="1"/>
-          </p:cNvSpPr>
-          <p:nvPr>
-            <p:extLst>
-              <p:ext uri="{386F3935-93C4-4BCD-93E2-E3B085C9AB24}">
-                <p16:designElem xmlns:p16="http://schemas.microsoft.com/office/powerpoint/2015/main" val="1"/>
-              </p:ext>
-            </p:extLst>
-          </p:nvPr>
-        </p:nvSpPr>
-        <p:spPr>
-          <a:xfrm>
-            <a:off x="11763724" y="0"/>
-            <a:ext cx="457200" cy="6858000"/>
-          </a:xfrm>
-          <a:prstGeom prst="rect">
-            <a:avLst/>
-          </a:prstGeom>
-          <a:solidFill>
-            <a:schemeClr val="accent1"/>
-          </a:solidFill>
-          <a:ln>
-            <a:noFill/>
-          </a:ln>
-        </p:spPr>
-        <p:style>
-          <a:lnRef idx="2">
-            <a:schemeClr val="accent1">
-              <a:shade val="50000"/>
-            </a:schemeClr>
-          </a:lnRef>
-          <a:fillRef idx="1">
-            <a:schemeClr val="accent1"/>
-          </a:fillRef>
-          <a:effectRef idx="0">
-            <a:schemeClr val="accent1"/>
-          </a:effectRef>
-          <a:fontRef idx="minor">
-            <a:schemeClr val="lt1"/>
-          </a:fontRef>
-        </p:style>
-      </p:sp>
-      <p:graphicFrame>
-        <p:nvGraphicFramePr>
-          <p:cNvPr id="5" name="Content Placeholder 2">
-            <a:extLst>
-              <a:ext uri="{FF2B5EF4-FFF2-40B4-BE49-F238E27FC236}">
-                <a16:creationId xmlns:a16="http://schemas.microsoft.com/office/drawing/2014/main" id="{309BE5D2-E9CA-4476-BC68-713F1871E7C0}"/>
-              </a:ext>
-            </a:extLst>
-          </p:cNvPr>
-          <p:cNvGraphicFramePr>
-            <a:graphicFrameLocks noGrp="1"/>
-          </p:cNvGraphicFramePr>
-          <p:nvPr>
-            <p:ph idx="1"/>
-            <p:extLst>
-              <p:ext uri="{D42A27DB-BD31-4B8C-83A1-F6EECF244321}">
-                <p14:modId xmlns:p14="http://schemas.microsoft.com/office/powerpoint/2010/main" val="4184016602"/>
-              </p:ext>
-            </p:extLst>
-          </p:nvPr>
-        </p:nvGraphicFramePr>
-        <p:xfrm>
-          <a:off x="1262063" y="2013055"/>
-          <a:ext cx="9858191" cy="4201478"/>
-        </p:xfrm>
-        <a:graphic>
-          <a:graphicData uri="http://schemas.openxmlformats.org/drawingml/2006/diagram">
-            <dgm:relIds xmlns:dgm="http://schemas.openxmlformats.org/drawingml/2006/diagram" xmlns:r="http://schemas.openxmlformats.org/officeDocument/2006/relationships" r:dm="rId2" r:lo="rId3" r:qs="rId4" r:cs="rId5"/>
-          </a:graphicData>
-        </a:graphic>
-      </p:graphicFrame>
     </p:spTree>
     <p:extLst>
       <p:ext uri="{BB962C8B-B14F-4D97-AF65-F5344CB8AC3E}">
-        <p14:creationId xmlns:p14="http://schemas.microsoft.com/office/powerpoint/2010/main" val="4130503848"/>
+        <p14:creationId xmlns:p14="http://schemas.microsoft.com/office/powerpoint/2010/main" val="1015811613"/>
       </p:ext>
     </p:extLst>
   </p:cSld>
@@ -38602,8 +38677,8 @@
           </a:p>
         </p:txBody>
       </p:sp>
-      <mc:AlternateContent xmlns:mc="http://schemas.openxmlformats.org/markup-compatibility/2006">
-        <mc:Choice xmlns:a14="http://schemas.microsoft.com/office/drawing/2010/main" Requires="a14">
+      <mc:AlternateContent xmlns:mc="http://schemas.openxmlformats.org/markup-compatibility/2006" xmlns:a14="http://schemas.microsoft.com/office/drawing/2010/main">
+        <mc:Choice Requires="a14">
           <p:sp>
             <p:nvSpPr>
               <p:cNvPr id="4" name="Content Placeholder 3">
@@ -38717,7 +38792,7 @@
             </p:txBody>
           </p:sp>
         </mc:Choice>
-        <mc:Fallback>
+        <mc:Fallback xmlns="">
           <p:sp>
             <p:nvSpPr>
               <p:cNvPr id="4" name="Content Placeholder 3">
@@ -38785,8 +38860,8 @@
           </a:p>
         </p:txBody>
       </p:sp>
-      <mc:AlternateContent xmlns:mc="http://schemas.openxmlformats.org/markup-compatibility/2006">
-        <mc:Choice xmlns:a14="http://schemas.microsoft.com/office/drawing/2010/main" Requires="a14">
+      <mc:AlternateContent xmlns:mc="http://schemas.openxmlformats.org/markup-compatibility/2006" xmlns:a14="http://schemas.microsoft.com/office/drawing/2010/main">
+        <mc:Choice Requires="a14">
           <p:sp>
             <p:nvSpPr>
               <p:cNvPr id="6" name="Content Placeholder 5">
@@ -38912,7 +38987,7 @@
             </p:txBody>
           </p:sp>
         </mc:Choice>
-        <mc:Fallback>
+        <mc:Fallback xmlns="">
           <p:sp>
             <p:nvSpPr>
               <p:cNvPr id="6" name="Content Placeholder 5">
@@ -39038,8 +39113,8 @@
           </a:p>
         </p:txBody>
       </p:sp>
-      <mc:AlternateContent xmlns:mc="http://schemas.openxmlformats.org/markup-compatibility/2006">
-        <mc:Choice xmlns:a14="http://schemas.microsoft.com/office/drawing/2010/main" Requires="a14">
+      <mc:AlternateContent xmlns:mc="http://schemas.openxmlformats.org/markup-compatibility/2006" xmlns:a14="http://schemas.microsoft.com/office/drawing/2010/main">
+        <mc:Choice Requires="a14">
           <p:sp>
             <p:nvSpPr>
               <p:cNvPr id="4" name="Content Placeholder 3">
@@ -39184,7 +39259,7 @@
             </p:txBody>
           </p:sp>
         </mc:Choice>
-        <mc:Fallback>
+        <mc:Fallback xmlns="">
           <p:sp>
             <p:nvSpPr>
               <p:cNvPr id="4" name="Content Placeholder 3">
@@ -39252,8 +39327,8 @@
           </a:p>
         </p:txBody>
       </p:sp>
-      <mc:AlternateContent xmlns:mc="http://schemas.openxmlformats.org/markup-compatibility/2006">
-        <mc:Choice xmlns:a14="http://schemas.microsoft.com/office/drawing/2010/main" Requires="a14">
+      <mc:AlternateContent xmlns:mc="http://schemas.openxmlformats.org/markup-compatibility/2006" xmlns:a14="http://schemas.microsoft.com/office/drawing/2010/main">
+        <mc:Choice Requires="a14">
           <p:sp>
             <p:nvSpPr>
               <p:cNvPr id="6" name="Content Placeholder 5">
@@ -39321,19 +39396,7 @@
                             <a:rPr lang="en-US" b="0" i="1" smtClean="0">
                               <a:latin typeface="Cambria Math" panose="02040503050406030204" pitchFamily="18" charset="0"/>
                             </a:rPr>
-                            <m:t>𝑃𝑟𝑒𝑐</m:t>
-                          </m:r>
-                          <m:r>
-                            <a:rPr lang="en-US" b="0" i="1" smtClean="0">
-                              <a:latin typeface="Cambria Math" panose="02040503050406030204" pitchFamily="18" charset="0"/>
-                            </a:rPr>
-                            <m:t>𝑖𝑠</m:t>
-                          </m:r>
-                          <m:r>
-                            <a:rPr lang="en-US" b="0" i="1" smtClean="0">
-                              <a:latin typeface="Cambria Math" panose="02040503050406030204" pitchFamily="18" charset="0"/>
-                            </a:rPr>
-                            <m:t>𝑖𝑜𝑛</m:t>
+                            <m:t>𝑃𝑟𝑒𝑐𝑖𝑠𝑖𝑜𝑛</m:t>
                           </m:r>
                           <m:r>
                             <a:rPr lang="en-US" b="0" i="1" smtClean="0">
@@ -39397,7 +39460,7 @@
             </p:txBody>
           </p:sp>
         </mc:Choice>
-        <mc:Fallback>
+        <mc:Fallback xmlns="">
           <p:sp>
             <p:nvSpPr>
               <p:cNvPr id="6" name="Content Placeholder 5">

--- a/JMMPaper/Musical Instrument Classification Using a Hybrid Neural Network BuellShortv2.pptx
+++ b/JMMPaper/Musical Instrument Classification Using a Hybrid Neural Network BuellShortv2.pptx
@@ -5,7 +5,7 @@
     <p:sldMasterId id="2147483930" r:id="rId1"/>
   </p:sldMasterIdLst>
   <p:notesMasterIdLst>
-    <p:notesMasterId r:id="rId36"/>
+    <p:notesMasterId r:id="rId37"/>
   </p:notesMasterIdLst>
   <p:sldIdLst>
     <p:sldId id="256" r:id="rId2"/>
@@ -29,19 +29,20 @@
     <p:sldId id="281" r:id="rId20"/>
     <p:sldId id="304" r:id="rId21"/>
     <p:sldId id="274" r:id="rId22"/>
-    <p:sldId id="277" r:id="rId23"/>
-    <p:sldId id="275" r:id="rId24"/>
-    <p:sldId id="276" r:id="rId25"/>
-    <p:sldId id="278" r:id="rId26"/>
-    <p:sldId id="297" r:id="rId27"/>
-    <p:sldId id="280" r:id="rId28"/>
-    <p:sldId id="279" r:id="rId29"/>
-    <p:sldId id="287" r:id="rId30"/>
-    <p:sldId id="285" r:id="rId31"/>
-    <p:sldId id="286" r:id="rId32"/>
-    <p:sldId id="307" r:id="rId33"/>
-    <p:sldId id="296" r:id="rId34"/>
-    <p:sldId id="303" r:id="rId35"/>
+    <p:sldId id="310" r:id="rId23"/>
+    <p:sldId id="277" r:id="rId24"/>
+    <p:sldId id="275" r:id="rId25"/>
+    <p:sldId id="276" r:id="rId26"/>
+    <p:sldId id="278" r:id="rId27"/>
+    <p:sldId id="297" r:id="rId28"/>
+    <p:sldId id="280" r:id="rId29"/>
+    <p:sldId id="279" r:id="rId30"/>
+    <p:sldId id="287" r:id="rId31"/>
+    <p:sldId id="285" r:id="rId32"/>
+    <p:sldId id="286" r:id="rId33"/>
+    <p:sldId id="307" r:id="rId34"/>
+    <p:sldId id="296" r:id="rId35"/>
+    <p:sldId id="303" r:id="rId36"/>
   </p:sldIdLst>
   <p:sldSz cx="12192000" cy="6858000"/>
   <p:notesSz cx="6858000" cy="9144000"/>
@@ -4194,6 +4195,927 @@
     <dgm:txFillClrLst meth="repeat">
       <a:schemeClr val="dk1"/>
     </dgm:txFillClrLst>
+    <dgm:txEffectClrLst/>
+  </dgm:styleLbl>
+  <dgm:styleLbl name="dkBgShp">
+    <dgm:fillClrLst meth="repeat">
+      <a:schemeClr val="accent2">
+        <a:shade val="90000"/>
+      </a:schemeClr>
+    </dgm:fillClrLst>
+    <dgm:linClrLst meth="repeat">
+      <a:schemeClr val="dk1"/>
+    </dgm:linClrLst>
+    <dgm:effectClrLst/>
+    <dgm:txLinClrLst/>
+    <dgm:txFillClrLst meth="repeat">
+      <a:schemeClr val="lt1"/>
+    </dgm:txFillClrLst>
+    <dgm:txEffectClrLst/>
+  </dgm:styleLbl>
+  <dgm:styleLbl name="trBgShp">
+    <dgm:fillClrLst meth="repeat">
+      <a:schemeClr val="accent1">
+        <a:tint val="50000"/>
+        <a:alpha val="40000"/>
+      </a:schemeClr>
+    </dgm:fillClrLst>
+    <dgm:linClrLst meth="repeat">
+      <a:schemeClr val="accent2"/>
+    </dgm:linClrLst>
+    <dgm:effectClrLst/>
+    <dgm:txLinClrLst/>
+    <dgm:txFillClrLst meth="repeat">
+      <a:schemeClr val="lt1"/>
+    </dgm:txFillClrLst>
+    <dgm:txEffectClrLst/>
+  </dgm:styleLbl>
+  <dgm:styleLbl name="fgShp">
+    <dgm:fillClrLst meth="repeat">
+      <a:schemeClr val="accent2">
+        <a:tint val="40000"/>
+      </a:schemeClr>
+    </dgm:fillClrLst>
+    <dgm:linClrLst meth="repeat">
+      <a:schemeClr val="lt1"/>
+    </dgm:linClrLst>
+    <dgm:effectClrLst/>
+    <dgm:txLinClrLst/>
+    <dgm:txFillClrLst meth="repeat">
+      <a:schemeClr val="dk1"/>
+    </dgm:txFillClrLst>
+    <dgm:txEffectClrLst/>
+  </dgm:styleLbl>
+  <dgm:styleLbl name="revTx">
+    <dgm:fillClrLst meth="repeat">
+      <a:schemeClr val="lt1">
+        <a:alpha val="0"/>
+      </a:schemeClr>
+    </dgm:fillClrLst>
+    <dgm:linClrLst meth="repeat">
+      <a:schemeClr val="dk1">
+        <a:alpha val="0"/>
+      </a:schemeClr>
+    </dgm:linClrLst>
+    <dgm:effectClrLst/>
+    <dgm:txLinClrLst/>
+    <dgm:txFillClrLst meth="repeat">
+      <a:schemeClr val="tx1"/>
+    </dgm:txFillClrLst>
+    <dgm:txEffectClrLst/>
+  </dgm:styleLbl>
+</dgm:colorsDef>
+</file>
+
+<file path=ppt/diagrams/colors6.xml><?xml version="1.0" encoding="utf-8"?>
+<dgm:colorsDef xmlns:dgm="http://schemas.openxmlformats.org/drawingml/2006/diagram" xmlns:a="http://schemas.openxmlformats.org/drawingml/2006/main" uniqueId="urn:microsoft.com/office/officeart/2018/5/colors/Iconchunking_neutralicon_colorful1">
+  <dgm:title val=""/>
+  <dgm:desc val=""/>
+  <dgm:catLst>
+    <dgm:cat type="colorful" pri="10100"/>
+  </dgm:catLst>
+  <dgm:styleLbl name="node0">
+    <dgm:fillClrLst meth="repeat">
+      <a:schemeClr val="accent1"/>
+    </dgm:fillClrLst>
+    <dgm:linClrLst meth="repeat">
+      <a:schemeClr val="lt1"/>
+    </dgm:linClrLst>
+    <dgm:effectClrLst/>
+    <dgm:txLinClrLst/>
+    <dgm:txFillClrLst/>
+    <dgm:txEffectClrLst/>
+  </dgm:styleLbl>
+  <dgm:styleLbl name="node1">
+    <dgm:fillClrLst meth="repeat">
+      <a:schemeClr val="bg1"/>
+    </dgm:fillClrLst>
+    <dgm:linClrLst meth="repeat">
+      <a:schemeClr val="lt1">
+        <a:alpha val="0"/>
+      </a:schemeClr>
+    </dgm:linClrLst>
+    <dgm:effectClrLst/>
+    <dgm:txLinClrLst/>
+    <dgm:txFillClrLst meth="repeat">
+      <a:schemeClr val="dk1"/>
+    </dgm:txFillClrLst>
+    <dgm:txEffectClrLst/>
+  </dgm:styleLbl>
+  <dgm:styleLbl name="alignNode1">
+    <dgm:fillClrLst meth="repeat">
+      <a:schemeClr val="accent2"/>
+      <a:schemeClr val="accent3"/>
+      <a:schemeClr val="accent4"/>
+      <a:schemeClr val="accent5"/>
+      <a:schemeClr val="accent6"/>
+    </dgm:fillClrLst>
+    <dgm:linClrLst meth="repeat">
+      <a:schemeClr val="accent2"/>
+      <a:schemeClr val="accent3"/>
+      <a:schemeClr val="accent4"/>
+      <a:schemeClr val="accent5"/>
+      <a:schemeClr val="accent6"/>
+    </dgm:linClrLst>
+    <dgm:effectClrLst/>
+    <dgm:txLinClrLst/>
+    <dgm:txFillClrLst/>
+    <dgm:txEffectClrLst/>
+  </dgm:styleLbl>
+  <dgm:styleLbl name="lnNode1">
+    <dgm:fillClrLst meth="repeat">
+      <a:schemeClr val="accent2"/>
+      <a:schemeClr val="accent3"/>
+      <a:schemeClr val="accent4"/>
+      <a:schemeClr val="accent5"/>
+      <a:schemeClr val="accent6"/>
+    </dgm:fillClrLst>
+    <dgm:linClrLst meth="repeat">
+      <a:schemeClr val="lt1"/>
+    </dgm:linClrLst>
+    <dgm:effectClrLst/>
+    <dgm:txLinClrLst/>
+    <dgm:txFillClrLst/>
+    <dgm:txEffectClrLst/>
+  </dgm:styleLbl>
+  <dgm:styleLbl name="vennNode1">
+    <dgm:fillClrLst meth="repeat">
+      <a:schemeClr val="accent2">
+        <a:alpha val="50000"/>
+      </a:schemeClr>
+      <a:schemeClr val="accent3">
+        <a:alpha val="50000"/>
+      </a:schemeClr>
+      <a:schemeClr val="accent4">
+        <a:alpha val="50000"/>
+      </a:schemeClr>
+      <a:schemeClr val="accent5">
+        <a:alpha val="50000"/>
+      </a:schemeClr>
+      <a:schemeClr val="accent6">
+        <a:alpha val="50000"/>
+      </a:schemeClr>
+    </dgm:fillClrLst>
+    <dgm:linClrLst meth="repeat">
+      <a:schemeClr val="lt1"/>
+    </dgm:linClrLst>
+    <dgm:effectClrLst/>
+    <dgm:txLinClrLst/>
+    <dgm:txFillClrLst/>
+    <dgm:txEffectClrLst/>
+  </dgm:styleLbl>
+  <dgm:styleLbl name="node2">
+    <dgm:fillClrLst>
+      <a:schemeClr val="accent2"/>
+    </dgm:fillClrLst>
+    <dgm:linClrLst meth="repeat">
+      <a:schemeClr val="lt1"/>
+    </dgm:linClrLst>
+    <dgm:effectClrLst/>
+    <dgm:txLinClrLst/>
+    <dgm:txFillClrLst/>
+    <dgm:txEffectClrLst/>
+  </dgm:styleLbl>
+  <dgm:styleLbl name="node3">
+    <dgm:fillClrLst>
+      <a:schemeClr val="accent3"/>
+    </dgm:fillClrLst>
+    <dgm:linClrLst meth="repeat">
+      <a:schemeClr val="lt1"/>
+    </dgm:linClrLst>
+    <dgm:effectClrLst/>
+    <dgm:txLinClrLst/>
+    <dgm:txFillClrLst/>
+    <dgm:txEffectClrLst/>
+  </dgm:styleLbl>
+  <dgm:styleLbl name="node4">
+    <dgm:fillClrLst>
+      <a:schemeClr val="accent4"/>
+    </dgm:fillClrLst>
+    <dgm:linClrLst meth="repeat">
+      <a:schemeClr val="lt1"/>
+    </dgm:linClrLst>
+    <dgm:effectClrLst/>
+    <dgm:txLinClrLst/>
+    <dgm:txFillClrLst/>
+    <dgm:txEffectClrLst/>
+  </dgm:styleLbl>
+  <dgm:styleLbl name="fgImgPlace1">
+    <dgm:fillClrLst meth="repeat">
+      <a:schemeClr val="accent2">
+        <a:tint val="50000"/>
+      </a:schemeClr>
+      <a:schemeClr val="accent3">
+        <a:tint val="50000"/>
+      </a:schemeClr>
+      <a:schemeClr val="accent4">
+        <a:tint val="50000"/>
+      </a:schemeClr>
+      <a:schemeClr val="accent5">
+        <a:tint val="50000"/>
+      </a:schemeClr>
+      <a:schemeClr val="accent6">
+        <a:tint val="50000"/>
+      </a:schemeClr>
+    </dgm:fillClrLst>
+    <dgm:linClrLst meth="repeat">
+      <a:schemeClr val="lt1"/>
+    </dgm:linClrLst>
+    <dgm:effectClrLst/>
+    <dgm:txLinClrLst/>
+    <dgm:txFillClrLst meth="repeat">
+      <a:schemeClr val="lt1"/>
+    </dgm:txFillClrLst>
+    <dgm:txEffectClrLst/>
+  </dgm:styleLbl>
+  <dgm:styleLbl name="alignImgPlace1">
+    <dgm:fillClrLst>
+      <a:schemeClr val="accent1">
+        <a:tint val="50000"/>
+      </a:schemeClr>
+      <a:schemeClr val="accent2">
+        <a:tint val="20000"/>
+      </a:schemeClr>
+    </dgm:fillClrLst>
+    <dgm:linClrLst meth="repeat">
+      <a:schemeClr val="lt1"/>
+    </dgm:linClrLst>
+    <dgm:effectClrLst/>
+    <dgm:txLinClrLst/>
+    <dgm:txFillClrLst meth="repeat">
+      <a:schemeClr val="lt1"/>
+    </dgm:txFillClrLst>
+    <dgm:txEffectClrLst/>
+  </dgm:styleLbl>
+  <dgm:styleLbl name="bgImgPlace1">
+    <dgm:fillClrLst>
+      <a:schemeClr val="accent1">
+        <a:tint val="50000"/>
+      </a:schemeClr>
+      <a:schemeClr val="accent2">
+        <a:tint val="20000"/>
+      </a:schemeClr>
+    </dgm:fillClrLst>
+    <dgm:linClrLst meth="repeat">
+      <a:schemeClr val="lt1"/>
+    </dgm:linClrLst>
+    <dgm:effectClrLst/>
+    <dgm:txLinClrLst/>
+    <dgm:txFillClrLst meth="repeat">
+      <a:schemeClr val="lt1"/>
+    </dgm:txFillClrLst>
+    <dgm:txEffectClrLst/>
+  </dgm:styleLbl>
+  <dgm:styleLbl name="sibTrans2D1">
+    <dgm:fillClrLst meth="repeat">
+      <a:schemeClr val="accent2"/>
+      <a:schemeClr val="accent3"/>
+      <a:schemeClr val="accent4"/>
+      <a:schemeClr val="accent5"/>
+      <a:schemeClr val="accent6"/>
+    </dgm:fillClrLst>
+    <dgm:linClrLst meth="cycle">
+      <a:schemeClr val="lt1"/>
+    </dgm:linClrLst>
+    <dgm:effectClrLst/>
+    <dgm:txLinClrLst/>
+    <dgm:txFillClrLst/>
+    <dgm:txEffectClrLst/>
+  </dgm:styleLbl>
+  <dgm:styleLbl name="fgSibTrans2D1">
+    <dgm:fillClrLst meth="repeat">
+      <a:schemeClr val="accent2"/>
+      <a:schemeClr val="accent3"/>
+      <a:schemeClr val="accent4"/>
+      <a:schemeClr val="accent5"/>
+      <a:schemeClr val="accent6"/>
+    </dgm:fillClrLst>
+    <dgm:linClrLst meth="cycle">
+      <a:schemeClr val="lt1"/>
+    </dgm:linClrLst>
+    <dgm:effectClrLst/>
+    <dgm:txLinClrLst/>
+    <dgm:txFillClrLst meth="repeat">
+      <a:schemeClr val="lt1"/>
+    </dgm:txFillClrLst>
+    <dgm:txEffectClrLst/>
+  </dgm:styleLbl>
+  <dgm:styleLbl name="bgSibTrans2D1">
+    <dgm:fillClrLst meth="repeat">
+      <a:schemeClr val="accent2"/>
+      <a:schemeClr val="accent3"/>
+      <a:schemeClr val="accent4"/>
+      <a:schemeClr val="accent5"/>
+      <a:schemeClr val="accent6"/>
+    </dgm:fillClrLst>
+    <dgm:linClrLst meth="cycle">
+      <a:schemeClr val="lt1"/>
+    </dgm:linClrLst>
+    <dgm:effectClrLst/>
+    <dgm:txLinClrLst/>
+    <dgm:txFillClrLst meth="repeat">
+      <a:schemeClr val="lt1"/>
+    </dgm:txFillClrLst>
+    <dgm:txEffectClrLst/>
+  </dgm:styleLbl>
+  <dgm:styleLbl name="sibTrans1D1">
+    <dgm:fillClrLst meth="repeat">
+      <a:schemeClr val="accent2"/>
+      <a:schemeClr val="accent3"/>
+      <a:schemeClr val="accent4"/>
+      <a:schemeClr val="accent5"/>
+      <a:schemeClr val="accent6"/>
+    </dgm:fillClrLst>
+    <dgm:linClrLst meth="repeat">
+      <a:schemeClr val="accent2"/>
+      <a:schemeClr val="accent3"/>
+      <a:schemeClr val="accent4"/>
+      <a:schemeClr val="accent5"/>
+      <a:schemeClr val="accent6"/>
+    </dgm:linClrLst>
+    <dgm:effectClrLst/>
+    <dgm:txLinClrLst/>
+    <dgm:txFillClrLst meth="repeat">
+      <a:schemeClr val="tx1"/>
+    </dgm:txFillClrLst>
+    <dgm:txEffectClrLst/>
+  </dgm:styleLbl>
+  <dgm:styleLbl name="callout">
+    <dgm:fillClrLst meth="repeat">
+      <a:schemeClr val="accent2"/>
+    </dgm:fillClrLst>
+    <dgm:linClrLst meth="repeat">
+      <a:schemeClr val="accent2">
+        <a:tint val="50000"/>
+      </a:schemeClr>
+    </dgm:linClrLst>
+    <dgm:effectClrLst/>
+    <dgm:txLinClrLst/>
+    <dgm:txFillClrLst meth="repeat">
+      <a:schemeClr val="tx1"/>
+    </dgm:txFillClrLst>
+    <dgm:txEffectClrLst/>
+  </dgm:styleLbl>
+  <dgm:styleLbl name="asst0">
+    <dgm:fillClrLst meth="repeat">
+      <a:schemeClr val="accent1"/>
+    </dgm:fillClrLst>
+    <dgm:linClrLst meth="repeat">
+      <a:schemeClr val="lt1"/>
+    </dgm:linClrLst>
+    <dgm:effectClrLst/>
+    <dgm:txLinClrLst/>
+    <dgm:txFillClrLst/>
+    <dgm:txEffectClrLst/>
+  </dgm:styleLbl>
+  <dgm:styleLbl name="asst1">
+    <dgm:fillClrLst meth="repeat">
+      <a:schemeClr val="accent2"/>
+    </dgm:fillClrLst>
+    <dgm:linClrLst meth="repeat">
+      <a:schemeClr val="lt1"/>
+    </dgm:linClrLst>
+    <dgm:effectClrLst/>
+    <dgm:txLinClrLst/>
+    <dgm:txFillClrLst/>
+    <dgm:txEffectClrLst/>
+  </dgm:styleLbl>
+  <dgm:styleLbl name="asst2">
+    <dgm:fillClrLst>
+      <a:schemeClr val="accent3"/>
+    </dgm:fillClrLst>
+    <dgm:linClrLst meth="repeat">
+      <a:schemeClr val="lt1"/>
+    </dgm:linClrLst>
+    <dgm:effectClrLst/>
+    <dgm:txLinClrLst/>
+    <dgm:txFillClrLst/>
+    <dgm:txEffectClrLst/>
+  </dgm:styleLbl>
+  <dgm:styleLbl name="asst3">
+    <dgm:fillClrLst>
+      <a:schemeClr val="accent4"/>
+    </dgm:fillClrLst>
+    <dgm:linClrLst meth="repeat">
+      <a:schemeClr val="lt1"/>
+    </dgm:linClrLst>
+    <dgm:effectClrLst/>
+    <dgm:txLinClrLst/>
+    <dgm:txFillClrLst/>
+    <dgm:txEffectClrLst/>
+  </dgm:styleLbl>
+  <dgm:styleLbl name="asst4">
+    <dgm:fillClrLst>
+      <a:schemeClr val="accent5"/>
+    </dgm:fillClrLst>
+    <dgm:linClrLst meth="repeat">
+      <a:schemeClr val="lt1"/>
+    </dgm:linClrLst>
+    <dgm:effectClrLst/>
+    <dgm:txLinClrLst/>
+    <dgm:txFillClrLst/>
+    <dgm:txEffectClrLst/>
+  </dgm:styleLbl>
+  <dgm:styleLbl name="parChTrans2D1">
+    <dgm:fillClrLst meth="repeat">
+      <a:schemeClr val="accent2"/>
+    </dgm:fillClrLst>
+    <dgm:linClrLst meth="repeat">
+      <a:schemeClr val="lt1"/>
+    </dgm:linClrLst>
+    <dgm:effectClrLst/>
+    <dgm:txLinClrLst/>
+    <dgm:txFillClrLst meth="repeat">
+      <a:schemeClr val="lt1"/>
+    </dgm:txFillClrLst>
+    <dgm:txEffectClrLst/>
+  </dgm:styleLbl>
+  <dgm:styleLbl name="parChTrans2D2">
+    <dgm:fillClrLst meth="repeat">
+      <a:schemeClr val="accent3"/>
+    </dgm:fillClrLst>
+    <dgm:linClrLst meth="repeat">
+      <a:schemeClr val="lt1"/>
+    </dgm:linClrLst>
+    <dgm:effectClrLst/>
+    <dgm:txLinClrLst/>
+    <dgm:txFillClrLst/>
+    <dgm:txEffectClrLst/>
+  </dgm:styleLbl>
+  <dgm:styleLbl name="parChTrans2D3">
+    <dgm:fillClrLst meth="repeat">
+      <a:schemeClr val="accent4"/>
+    </dgm:fillClrLst>
+    <dgm:linClrLst meth="repeat">
+      <a:schemeClr val="lt1"/>
+    </dgm:linClrLst>
+    <dgm:effectClrLst/>
+    <dgm:txLinClrLst/>
+    <dgm:txFillClrLst/>
+    <dgm:txEffectClrLst/>
+  </dgm:styleLbl>
+  <dgm:styleLbl name="parChTrans2D4">
+    <dgm:fillClrLst meth="repeat">
+      <a:schemeClr val="accent5"/>
+    </dgm:fillClrLst>
+    <dgm:linClrLst meth="repeat">
+      <a:schemeClr val="lt1"/>
+    </dgm:linClrLst>
+    <dgm:effectClrLst/>
+    <dgm:txLinClrLst/>
+    <dgm:txFillClrLst meth="repeat">
+      <a:schemeClr val="lt1"/>
+    </dgm:txFillClrLst>
+    <dgm:txEffectClrLst/>
+  </dgm:styleLbl>
+  <dgm:styleLbl name="parChTrans1D1">
+    <dgm:fillClrLst meth="repeat">
+      <a:schemeClr val="accent2"/>
+    </dgm:fillClrLst>
+    <dgm:linClrLst meth="repeat">
+      <a:schemeClr val="accent1"/>
+    </dgm:linClrLst>
+    <dgm:effectClrLst/>
+    <dgm:txLinClrLst/>
+    <dgm:txFillClrLst meth="repeat">
+      <a:schemeClr val="tx1"/>
+    </dgm:txFillClrLst>
+    <dgm:txEffectClrLst/>
+  </dgm:styleLbl>
+  <dgm:styleLbl name="parChTrans1D2">
+    <dgm:fillClrLst meth="repeat">
+      <a:schemeClr val="accent3">
+        <a:tint val="90000"/>
+      </a:schemeClr>
+    </dgm:fillClrLst>
+    <dgm:linClrLst meth="repeat">
+      <a:schemeClr val="accent2"/>
+    </dgm:linClrLst>
+    <dgm:effectClrLst/>
+    <dgm:txLinClrLst/>
+    <dgm:txFillClrLst meth="repeat">
+      <a:schemeClr val="tx1"/>
+    </dgm:txFillClrLst>
+    <dgm:txEffectClrLst/>
+  </dgm:styleLbl>
+  <dgm:styleLbl name="parChTrans1D3">
+    <dgm:fillClrLst meth="repeat">
+      <a:schemeClr val="accent4">
+        <a:tint val="70000"/>
+      </a:schemeClr>
+    </dgm:fillClrLst>
+    <dgm:linClrLst meth="repeat">
+      <a:schemeClr val="accent3"/>
+    </dgm:linClrLst>
+    <dgm:effectClrLst/>
+    <dgm:txLinClrLst/>
+    <dgm:txFillClrLst meth="repeat">
+      <a:schemeClr val="tx1"/>
+    </dgm:txFillClrLst>
+    <dgm:txEffectClrLst/>
+  </dgm:styleLbl>
+  <dgm:styleLbl name="parChTrans1D4">
+    <dgm:fillClrLst meth="repeat">
+      <a:schemeClr val="accent5">
+        <a:tint val="50000"/>
+      </a:schemeClr>
+    </dgm:fillClrLst>
+    <dgm:linClrLst meth="repeat">
+      <a:schemeClr val="accent4"/>
+    </dgm:linClrLst>
+    <dgm:effectClrLst/>
+    <dgm:txLinClrLst/>
+    <dgm:txFillClrLst meth="repeat">
+      <a:schemeClr val="tx1"/>
+    </dgm:txFillClrLst>
+    <dgm:txEffectClrLst/>
+  </dgm:styleLbl>
+  <dgm:styleLbl name="fgAcc1">
+    <dgm:fillClrLst meth="repeat">
+      <a:schemeClr val="lt1">
+        <a:alpha val="90000"/>
+      </a:schemeClr>
+    </dgm:fillClrLst>
+    <dgm:linClrLst meth="repeat">
+      <a:schemeClr val="accent2"/>
+      <a:schemeClr val="accent3"/>
+      <a:schemeClr val="accent4"/>
+      <a:schemeClr val="accent5"/>
+      <a:schemeClr val="accent6"/>
+    </dgm:linClrLst>
+    <dgm:effectClrLst/>
+    <dgm:txLinClrLst/>
+    <dgm:txFillClrLst meth="repeat">
+      <a:schemeClr val="dk1"/>
+    </dgm:txFillClrLst>
+    <dgm:txEffectClrLst/>
+  </dgm:styleLbl>
+  <dgm:styleLbl name="conFgAcc1">
+    <dgm:fillClrLst meth="repeat">
+      <a:schemeClr val="lt1">
+        <a:alpha val="90000"/>
+      </a:schemeClr>
+    </dgm:fillClrLst>
+    <dgm:linClrLst meth="repeat">
+      <a:schemeClr val="accent2"/>
+      <a:schemeClr val="accent3"/>
+      <a:schemeClr val="accent4"/>
+      <a:schemeClr val="accent5"/>
+      <a:schemeClr val="accent6"/>
+    </dgm:linClrLst>
+    <dgm:effectClrLst/>
+    <dgm:txLinClrLst/>
+    <dgm:txFillClrLst meth="repeat">
+      <a:schemeClr val="dk1"/>
+    </dgm:txFillClrLst>
+    <dgm:txEffectClrLst/>
+  </dgm:styleLbl>
+  <dgm:styleLbl name="alignAcc1">
+    <dgm:fillClrLst meth="repeat">
+      <a:schemeClr val="lt1">
+        <a:alpha val="90000"/>
+      </a:schemeClr>
+    </dgm:fillClrLst>
+    <dgm:linClrLst meth="repeat">
+      <a:schemeClr val="accent2"/>
+      <a:schemeClr val="accent3"/>
+      <a:schemeClr val="accent4"/>
+      <a:schemeClr val="accent5"/>
+      <a:schemeClr val="accent6"/>
+    </dgm:linClrLst>
+    <dgm:effectClrLst/>
+    <dgm:txLinClrLst/>
+    <dgm:txFillClrLst meth="repeat">
+      <a:schemeClr val="dk1"/>
+    </dgm:txFillClrLst>
+    <dgm:txEffectClrLst/>
+  </dgm:styleLbl>
+  <dgm:styleLbl name="trAlignAcc1">
+    <dgm:fillClrLst meth="repeat">
+      <a:schemeClr val="lt1">
+        <a:alpha val="40000"/>
+      </a:schemeClr>
+    </dgm:fillClrLst>
+    <dgm:linClrLst meth="repeat">
+      <a:schemeClr val="accent1"/>
+    </dgm:linClrLst>
+    <dgm:effectClrLst/>
+    <dgm:txLinClrLst/>
+    <dgm:txFillClrLst meth="repeat">
+      <a:schemeClr val="dk1"/>
+    </dgm:txFillClrLst>
+    <dgm:txEffectClrLst/>
+  </dgm:styleLbl>
+  <dgm:styleLbl name="bgAcc1">
+    <dgm:fillClrLst meth="repeat">
+      <a:schemeClr val="lt1">
+        <a:alpha val="90000"/>
+      </a:schemeClr>
+    </dgm:fillClrLst>
+    <dgm:linClrLst meth="repeat">
+      <a:schemeClr val="accent2"/>
+      <a:schemeClr val="accent3"/>
+      <a:schemeClr val="accent4"/>
+      <a:schemeClr val="accent5"/>
+      <a:schemeClr val="accent6"/>
+    </dgm:linClrLst>
+    <dgm:effectClrLst/>
+    <dgm:txLinClrLst/>
+    <dgm:txFillClrLst meth="repeat">
+      <a:schemeClr val="dk1"/>
+    </dgm:txFillClrLst>
+    <dgm:txEffectClrLst/>
+  </dgm:styleLbl>
+  <dgm:styleLbl name="solidFgAcc1">
+    <dgm:fillClrLst meth="repeat">
+      <a:schemeClr val="lt1"/>
+    </dgm:fillClrLst>
+    <dgm:linClrLst meth="repeat">
+      <a:schemeClr val="accent2"/>
+      <a:schemeClr val="accent3"/>
+      <a:schemeClr val="accent4"/>
+      <a:schemeClr val="accent5"/>
+      <a:schemeClr val="accent6"/>
+    </dgm:linClrLst>
+    <dgm:effectClrLst/>
+    <dgm:txLinClrLst/>
+    <dgm:txFillClrLst meth="repeat">
+      <a:schemeClr val="dk1"/>
+    </dgm:txFillClrLst>
+    <dgm:txEffectClrLst/>
+  </dgm:styleLbl>
+  <dgm:styleLbl name="solidAlignAcc1">
+    <dgm:fillClrLst meth="repeat">
+      <a:schemeClr val="lt1"/>
+    </dgm:fillClrLst>
+    <dgm:linClrLst meth="repeat">
+      <a:schemeClr val="accent2"/>
+      <a:schemeClr val="accent3"/>
+      <a:schemeClr val="accent4"/>
+      <a:schemeClr val="accent5"/>
+      <a:schemeClr val="accent6"/>
+    </dgm:linClrLst>
+    <dgm:effectClrLst/>
+    <dgm:txLinClrLst/>
+    <dgm:txFillClrLst meth="repeat">
+      <a:schemeClr val="dk1"/>
+    </dgm:txFillClrLst>
+    <dgm:txEffectClrLst/>
+  </dgm:styleLbl>
+  <dgm:styleLbl name="solidBgAcc1">
+    <dgm:fillClrLst meth="repeat">
+      <a:schemeClr val="lt1"/>
+    </dgm:fillClrLst>
+    <dgm:linClrLst meth="repeat">
+      <a:schemeClr val="accent2"/>
+      <a:schemeClr val="accent3"/>
+      <a:schemeClr val="accent4"/>
+      <a:schemeClr val="accent5"/>
+      <a:schemeClr val="accent6"/>
+    </dgm:linClrLst>
+    <dgm:effectClrLst/>
+    <dgm:txLinClrLst/>
+    <dgm:txFillClrLst meth="repeat">
+      <a:schemeClr val="dk1"/>
+    </dgm:txFillClrLst>
+    <dgm:txEffectClrLst/>
+  </dgm:styleLbl>
+  <dgm:styleLbl name="fgAccFollowNode1">
+    <dgm:fillClrLst meth="repeat">
+      <a:schemeClr val="accent2">
+        <a:tint val="40000"/>
+        <a:alpha val="90000"/>
+      </a:schemeClr>
+      <a:schemeClr val="accent3">
+        <a:tint val="40000"/>
+        <a:alpha val="90000"/>
+      </a:schemeClr>
+      <a:schemeClr val="accent4">
+        <a:tint val="40000"/>
+        <a:alpha val="90000"/>
+      </a:schemeClr>
+      <a:schemeClr val="accent5">
+        <a:tint val="40000"/>
+        <a:alpha val="90000"/>
+      </a:schemeClr>
+      <a:schemeClr val="accent6">
+        <a:tint val="40000"/>
+        <a:alpha val="90000"/>
+      </a:schemeClr>
+    </dgm:fillClrLst>
+    <dgm:linClrLst meth="repeat">
+      <a:schemeClr val="accent2">
+        <a:tint val="40000"/>
+        <a:alpha val="90000"/>
+      </a:schemeClr>
+      <a:schemeClr val="accent3">
+        <a:tint val="40000"/>
+        <a:alpha val="90000"/>
+      </a:schemeClr>
+      <a:schemeClr val="accent4">
+        <a:tint val="40000"/>
+        <a:alpha val="90000"/>
+      </a:schemeClr>
+      <a:schemeClr val="accent5">
+        <a:tint val="40000"/>
+        <a:alpha val="90000"/>
+      </a:schemeClr>
+      <a:schemeClr val="accent6">
+        <a:tint val="40000"/>
+        <a:alpha val="90000"/>
+      </a:schemeClr>
+    </dgm:linClrLst>
+    <dgm:effectClrLst/>
+    <dgm:txLinClrLst/>
+    <dgm:txFillClrLst meth="repeat">
+      <a:schemeClr val="dk1"/>
+    </dgm:txFillClrLst>
+    <dgm:txEffectClrLst/>
+  </dgm:styleLbl>
+  <dgm:styleLbl name="alignAccFollowNode1">
+    <dgm:fillClrLst meth="repeat">
+      <a:schemeClr val="accent2">
+        <a:tint val="40000"/>
+        <a:alpha val="90000"/>
+      </a:schemeClr>
+      <a:schemeClr val="accent3">
+        <a:tint val="40000"/>
+        <a:alpha val="90000"/>
+      </a:schemeClr>
+      <a:schemeClr val="accent4">
+        <a:tint val="40000"/>
+        <a:alpha val="90000"/>
+      </a:schemeClr>
+      <a:schemeClr val="accent5">
+        <a:tint val="40000"/>
+        <a:alpha val="90000"/>
+      </a:schemeClr>
+      <a:schemeClr val="accent6">
+        <a:tint val="40000"/>
+        <a:alpha val="90000"/>
+      </a:schemeClr>
+    </dgm:fillClrLst>
+    <dgm:linClrLst meth="repeat">
+      <a:schemeClr val="accent2">
+        <a:tint val="40000"/>
+        <a:alpha val="90000"/>
+      </a:schemeClr>
+      <a:schemeClr val="accent3">
+        <a:tint val="40000"/>
+        <a:alpha val="90000"/>
+      </a:schemeClr>
+      <a:schemeClr val="accent4">
+        <a:tint val="40000"/>
+        <a:alpha val="90000"/>
+      </a:schemeClr>
+      <a:schemeClr val="accent5">
+        <a:tint val="40000"/>
+        <a:alpha val="90000"/>
+      </a:schemeClr>
+      <a:schemeClr val="accent6">
+        <a:tint val="40000"/>
+        <a:alpha val="90000"/>
+      </a:schemeClr>
+    </dgm:linClrLst>
+    <dgm:effectClrLst/>
+    <dgm:txLinClrLst/>
+    <dgm:txFillClrLst meth="repeat">
+      <a:schemeClr val="dk1"/>
+    </dgm:txFillClrLst>
+    <dgm:txEffectClrLst/>
+  </dgm:styleLbl>
+  <dgm:styleLbl name="bgAccFollowNode1">
+    <dgm:fillClrLst meth="repeat">
+      <a:schemeClr val="accent2">
+        <a:tint val="40000"/>
+        <a:alpha val="90000"/>
+      </a:schemeClr>
+      <a:schemeClr val="accent3">
+        <a:tint val="40000"/>
+        <a:alpha val="90000"/>
+      </a:schemeClr>
+      <a:schemeClr val="accent4">
+        <a:tint val="40000"/>
+        <a:alpha val="90000"/>
+      </a:schemeClr>
+      <a:schemeClr val="accent5">
+        <a:tint val="40000"/>
+        <a:alpha val="90000"/>
+      </a:schemeClr>
+      <a:schemeClr val="accent6">
+        <a:tint val="40000"/>
+        <a:alpha val="90000"/>
+      </a:schemeClr>
+    </dgm:fillClrLst>
+    <dgm:linClrLst meth="repeat">
+      <a:schemeClr val="accent2">
+        <a:tint val="40000"/>
+        <a:alpha val="90000"/>
+      </a:schemeClr>
+      <a:schemeClr val="accent3">
+        <a:tint val="40000"/>
+        <a:alpha val="90000"/>
+      </a:schemeClr>
+      <a:schemeClr val="accent4">
+        <a:tint val="40000"/>
+        <a:alpha val="90000"/>
+      </a:schemeClr>
+      <a:schemeClr val="accent5">
+        <a:tint val="40000"/>
+        <a:alpha val="90000"/>
+      </a:schemeClr>
+      <a:schemeClr val="accent6">
+        <a:tint val="40000"/>
+        <a:alpha val="90000"/>
+      </a:schemeClr>
+    </dgm:linClrLst>
+    <dgm:effectClrLst/>
+    <dgm:txLinClrLst/>
+    <dgm:txFillClrLst meth="repeat">
+      <a:schemeClr val="dk1"/>
+    </dgm:txFillClrLst>
+    <dgm:txEffectClrLst/>
+  </dgm:styleLbl>
+  <dgm:styleLbl name="fgAcc0">
+    <dgm:fillClrLst meth="repeat">
+      <a:schemeClr val="lt1">
+        <a:alpha val="90000"/>
+      </a:schemeClr>
+    </dgm:fillClrLst>
+    <dgm:linClrLst>
+      <a:schemeClr val="accent1"/>
+    </dgm:linClrLst>
+    <dgm:effectClrLst/>
+    <dgm:txLinClrLst/>
+    <dgm:txFillClrLst meth="repeat">
+      <a:schemeClr val="dk1"/>
+    </dgm:txFillClrLst>
+    <dgm:txEffectClrLst/>
+  </dgm:styleLbl>
+  <dgm:styleLbl name="fgAcc2">
+    <dgm:fillClrLst meth="repeat">
+      <a:schemeClr val="lt1">
+        <a:alpha val="90000"/>
+      </a:schemeClr>
+    </dgm:fillClrLst>
+    <dgm:linClrLst>
+      <a:schemeClr val="accent2"/>
+    </dgm:linClrLst>
+    <dgm:effectClrLst/>
+    <dgm:txLinClrLst/>
+    <dgm:txFillClrLst meth="repeat">
+      <a:schemeClr val="dk1"/>
+    </dgm:txFillClrLst>
+    <dgm:txEffectClrLst/>
+  </dgm:styleLbl>
+  <dgm:styleLbl name="fgAcc3">
+    <dgm:fillClrLst meth="repeat">
+      <a:schemeClr val="lt1">
+        <a:alpha val="90000"/>
+      </a:schemeClr>
+    </dgm:fillClrLst>
+    <dgm:linClrLst>
+      <a:schemeClr val="accent3"/>
+    </dgm:linClrLst>
+    <dgm:effectClrLst/>
+    <dgm:txLinClrLst/>
+    <dgm:txFillClrLst meth="repeat">
+      <a:schemeClr val="dk1"/>
+    </dgm:txFillClrLst>
+    <dgm:txEffectClrLst/>
+  </dgm:styleLbl>
+  <dgm:styleLbl name="fgAcc4">
+    <dgm:fillClrLst meth="repeat">
+      <a:schemeClr val="lt1">
+        <a:alpha val="90000"/>
+      </a:schemeClr>
+    </dgm:fillClrLst>
+    <dgm:linClrLst>
+      <a:schemeClr val="accent4"/>
+    </dgm:linClrLst>
+    <dgm:effectClrLst/>
+    <dgm:txLinClrLst/>
+    <dgm:txFillClrLst meth="repeat">
+      <a:schemeClr val="dk1"/>
+    </dgm:txFillClrLst>
+    <dgm:txEffectClrLst/>
+  </dgm:styleLbl>
+  <dgm:styleLbl name="bgShp">
+    <dgm:fillClrLst meth="repeat">
+      <a:schemeClr val="accent2"/>
+      <a:schemeClr val="accent3"/>
+      <a:schemeClr val="accent4"/>
+      <a:schemeClr val="accent5"/>
+      <a:schemeClr val="accent6"/>
+    </dgm:fillClrLst>
+    <dgm:linClrLst meth="repeat">
+      <a:schemeClr val="lt1">
+        <a:alpha val="0"/>
+      </a:schemeClr>
+    </dgm:linClrLst>
+    <dgm:effectClrLst/>
+    <dgm:txLinClrLst/>
+    <dgm:txFillClrLst/>
     <dgm:txEffectClrLst/>
   </dgm:styleLbl>
   <dgm:styleLbl name="dkBgShp">
@@ -5892,6 +6814,391 @@
     <dgm:cxn modelId="{7B048C9B-2A5C-4150-AFD6-C3DC63FD5D26}" type="presParOf" srcId="{E5EAD023-45BA-4EAF-A4F4-D2D3E3EBF298}" destId="{B71DFD07-9B5C-45D2-9FDA-67F17AA2B9CA}" srcOrd="1" destOrd="0" presId="urn:microsoft.com/office/officeart/2018/2/layout/IconVerticalSolidList"/>
     <dgm:cxn modelId="{6BF29C5F-A2C4-4554-96FE-E611CF8EED0C}" type="presParOf" srcId="{E5EAD023-45BA-4EAF-A4F4-D2D3E3EBF298}" destId="{990CE6CD-B849-4946-8BD9-1A76B3489A0A}" srcOrd="2" destOrd="0" presId="urn:microsoft.com/office/officeart/2018/2/layout/IconVerticalSolidList"/>
     <dgm:cxn modelId="{F519C23D-2CD8-4B21-A377-6917C8924258}" type="presParOf" srcId="{E5EAD023-45BA-4EAF-A4F4-D2D3E3EBF298}" destId="{63F30C60-1DA2-46E3-9681-FF301989F8FF}" srcOrd="3" destOrd="0" presId="urn:microsoft.com/office/officeart/2018/2/layout/IconVerticalSolidList"/>
+  </dgm:cxnLst>
+  <dgm:bg/>
+  <dgm:whole/>
+  <dgm:extLst>
+    <a:ext uri="http://schemas.microsoft.com/office/drawing/2008/diagram">
+      <dsp:dataModelExt xmlns:dsp="http://schemas.microsoft.com/office/drawing/2008/diagram" relId="rId6" minVer="http://schemas.openxmlformats.org/drawingml/2006/diagram"/>
+    </a:ext>
+  </dgm:extLst>
+</dgm:dataModel>
+</file>
+
+<file path=ppt/diagrams/data6.xml><?xml version="1.0" encoding="utf-8"?>
+<dgm:dataModel xmlns:dgm="http://schemas.openxmlformats.org/drawingml/2006/diagram" xmlns:a="http://schemas.openxmlformats.org/drawingml/2006/main">
+  <dgm:ptLst>
+    <dgm:pt modelId="{2C91150D-7F36-4601-830C-50FF2D89FA47}" type="doc">
+      <dgm:prSet loTypeId="urn:microsoft.com/office/officeart/2018/5/layout/IconCircleLabelList" loCatId="icon" qsTypeId="urn:microsoft.com/office/officeart/2005/8/quickstyle/simple1" qsCatId="simple" csTypeId="urn:microsoft.com/office/officeart/2018/5/colors/Iconchunking_neutralicon_colorful1" csCatId="colorful" phldr="1"/>
+      <dgm:spPr/>
+      <dgm:t>
+        <a:bodyPr/>
+        <a:lstStyle/>
+        <a:p>
+          <a:endParaRPr lang="en-US"/>
+        </a:p>
+      </dgm:t>
+    </dgm:pt>
+    <dgm:pt modelId="{5F86595B-5B7B-4669-AB47-26AE4A9C2728}">
+      <dgm:prSet/>
+      <dgm:spPr/>
+      <dgm:t>
+        <a:bodyPr/>
+        <a:lstStyle/>
+        <a:p>
+          <a:pPr>
+            <a:defRPr cap="all"/>
+          </a:pPr>
+          <a:r>
+            <a:rPr lang="en-US"/>
+            <a:t>We </a:t>
+          </a:r>
+          <a:r>
+            <a:rPr lang="en-US" i="1"/>
+            <a:t>train</a:t>
+          </a:r>
+          <a:r>
+            <a:rPr lang="en-US"/>
+            <a:t> a model on a </a:t>
+          </a:r>
+          <a:r>
+            <a:rPr lang="en-US" i="1"/>
+            <a:t>subset</a:t>
+          </a:r>
+          <a:r>
+            <a:rPr lang="en-US"/>
+            <a:t> of all samples</a:t>
+          </a:r>
+        </a:p>
+      </dgm:t>
+    </dgm:pt>
+    <dgm:pt modelId="{D598F13D-7FC8-4FC7-A6A2-CBBE28EFC3F7}" type="parTrans" cxnId="{8981CE0F-7A0B-46F4-8689-E8E443D05833}">
+      <dgm:prSet/>
+      <dgm:spPr/>
+      <dgm:t>
+        <a:bodyPr/>
+        <a:lstStyle/>
+        <a:p>
+          <a:endParaRPr lang="en-US"/>
+        </a:p>
+      </dgm:t>
+    </dgm:pt>
+    <dgm:pt modelId="{D2ED3153-D304-4389-9986-61FE68CD6F22}" type="sibTrans" cxnId="{8981CE0F-7A0B-46F4-8689-E8E443D05833}">
+      <dgm:prSet/>
+      <dgm:spPr/>
+      <dgm:t>
+        <a:bodyPr/>
+        <a:lstStyle/>
+        <a:p>
+          <a:endParaRPr lang="en-US"/>
+        </a:p>
+      </dgm:t>
+    </dgm:pt>
+    <dgm:pt modelId="{3DE7B99F-BBB0-426D-85D1-741185C1740B}">
+      <dgm:prSet/>
+      <dgm:spPr/>
+      <dgm:t>
+        <a:bodyPr/>
+        <a:lstStyle/>
+        <a:p>
+          <a:pPr>
+            <a:defRPr cap="all"/>
+          </a:pPr>
+          <a:r>
+            <a:rPr lang="en-US"/>
+            <a:t>The model </a:t>
+          </a:r>
+          <a:r>
+            <a:rPr lang="en-US" i="1"/>
+            <a:t>learns</a:t>
+          </a:r>
+          <a:r>
+            <a:rPr lang="en-US"/>
+            <a:t> a set of parameters in each layer that allows the mapping of </a:t>
+          </a:r>
+          <a:r>
+            <a:rPr lang="en-US" i="1"/>
+            <a:t>features</a:t>
+          </a:r>
+          <a:r>
+            <a:rPr lang="en-US"/>
+            <a:t> to </a:t>
+          </a:r>
+          <a:r>
+            <a:rPr lang="en-US" i="1"/>
+            <a:t>predictions</a:t>
+          </a:r>
+          <a:endParaRPr lang="en-US"/>
+        </a:p>
+      </dgm:t>
+    </dgm:pt>
+    <dgm:pt modelId="{90E20216-B844-4903-85A1-7610866FA3A1}" type="parTrans" cxnId="{7CEA76F8-E5A4-4F2B-A881-D84E970B134E}">
+      <dgm:prSet/>
+      <dgm:spPr/>
+      <dgm:t>
+        <a:bodyPr/>
+        <a:lstStyle/>
+        <a:p>
+          <a:endParaRPr lang="en-US"/>
+        </a:p>
+      </dgm:t>
+    </dgm:pt>
+    <dgm:pt modelId="{6FB7C7DB-CAF8-4D6E-B4F0-8FD6E5025CA4}" type="sibTrans" cxnId="{7CEA76F8-E5A4-4F2B-A881-D84E970B134E}">
+      <dgm:prSet/>
+      <dgm:spPr/>
+      <dgm:t>
+        <a:bodyPr/>
+        <a:lstStyle/>
+        <a:p>
+          <a:endParaRPr lang="en-US"/>
+        </a:p>
+      </dgm:t>
+    </dgm:pt>
+    <dgm:pt modelId="{2370CB7F-E13C-4DCB-9C7E-12598486F46A}">
+      <dgm:prSet/>
+      <dgm:spPr/>
+      <dgm:t>
+        <a:bodyPr/>
+        <a:lstStyle/>
+        <a:p>
+          <a:pPr>
+            <a:defRPr cap="all"/>
+          </a:pPr>
+          <a:r>
+            <a:rPr lang="en-US"/>
+            <a:t>We </a:t>
+          </a:r>
+          <a:r>
+            <a:rPr lang="en-US" i="1"/>
+            <a:t>test</a:t>
+          </a:r>
+          <a:r>
+            <a:rPr lang="en-US"/>
+            <a:t> the model on the remaining samples that the model has </a:t>
+          </a:r>
+          <a:r>
+            <a:rPr lang="en-US" i="1"/>
+            <a:t>never interacted</a:t>
+          </a:r>
+          <a:r>
+            <a:rPr lang="en-US"/>
+            <a:t> with</a:t>
+          </a:r>
+        </a:p>
+      </dgm:t>
+    </dgm:pt>
+    <dgm:pt modelId="{654AE991-7485-4D3A-B90D-D49090DC66AE}" type="parTrans" cxnId="{A98F24D3-9E93-48EF-BEB7-BA7D10298905}">
+      <dgm:prSet/>
+      <dgm:spPr/>
+      <dgm:t>
+        <a:bodyPr/>
+        <a:lstStyle/>
+        <a:p>
+          <a:endParaRPr lang="en-US"/>
+        </a:p>
+      </dgm:t>
+    </dgm:pt>
+    <dgm:pt modelId="{FEBE3D3B-9A54-4944-80B5-633406E53692}" type="sibTrans" cxnId="{A98F24D3-9E93-48EF-BEB7-BA7D10298905}">
+      <dgm:prSet/>
+      <dgm:spPr/>
+      <dgm:t>
+        <a:bodyPr/>
+        <a:lstStyle/>
+        <a:p>
+          <a:endParaRPr lang="en-US"/>
+        </a:p>
+      </dgm:t>
+    </dgm:pt>
+    <dgm:pt modelId="{632828A6-E91C-4CE7-9BE6-CC1C9D9E9C7D}" type="pres">
+      <dgm:prSet presAssocID="{2C91150D-7F36-4601-830C-50FF2D89FA47}" presName="root" presStyleCnt="0">
+        <dgm:presLayoutVars>
+          <dgm:dir/>
+          <dgm:resizeHandles val="exact"/>
+        </dgm:presLayoutVars>
+      </dgm:prSet>
+      <dgm:spPr/>
+    </dgm:pt>
+    <dgm:pt modelId="{AE81C0AD-D71B-469E-B9EF-0DC3ACCD76A3}" type="pres">
+      <dgm:prSet presAssocID="{5F86595B-5B7B-4669-AB47-26AE4A9C2728}" presName="compNode" presStyleCnt="0"/>
+      <dgm:spPr/>
+    </dgm:pt>
+    <dgm:pt modelId="{6DFFDE03-4E94-4030-AD69-07DA4E79DE28}" type="pres">
+      <dgm:prSet presAssocID="{5F86595B-5B7B-4669-AB47-26AE4A9C2728}" presName="iconBgRect" presStyleLbl="bgShp" presStyleIdx="0" presStyleCnt="3"/>
+      <dgm:spPr/>
+    </dgm:pt>
+    <dgm:pt modelId="{241967EA-7816-4D56-9C35-162EB8315A55}" type="pres">
+      <dgm:prSet presAssocID="{5F86595B-5B7B-4669-AB47-26AE4A9C2728}" presName="iconRect" presStyleLbl="node1" presStyleIdx="0" presStyleCnt="3"/>
+      <dgm:spPr>
+        <a:blipFill>
+          <a:blip xmlns:r="http://schemas.openxmlformats.org/officeDocument/2006/relationships" r:embed="rId1">
+            <a:extLst>
+              <a:ext uri="{28A0092B-C50C-407E-A947-70E740481C1C}">
+                <a14:useLocalDpi xmlns:a14="http://schemas.microsoft.com/office/drawing/2010/main" val="0"/>
+              </a:ext>
+              <a:ext uri="{96DAC541-7B7A-43D3-8B79-37D633B846F1}">
+                <asvg:svgBlip xmlns:asvg="http://schemas.microsoft.com/office/drawing/2016/SVG/main" r:embed="rId2"/>
+              </a:ext>
+            </a:extLst>
+          </a:blip>
+          <a:stretch>
+            <a:fillRect/>
+          </a:stretch>
+        </a:blipFill>
+        <a:ln>
+          <a:noFill/>
+        </a:ln>
+      </dgm:spPr>
+      <dgm:extLst>
+        <a:ext uri="{E40237B7-FDA0-4F09-8148-C483321AD2D9}">
+          <dgm14:cNvPr xmlns:dgm14="http://schemas.microsoft.com/office/drawing/2010/diagram" id="0" name="" descr="Checkmark"/>
+        </a:ext>
+      </dgm:extLst>
+    </dgm:pt>
+    <dgm:pt modelId="{E8C11A99-A434-4488-BE0D-B70289B3CE8F}" type="pres">
+      <dgm:prSet presAssocID="{5F86595B-5B7B-4669-AB47-26AE4A9C2728}" presName="spaceRect" presStyleCnt="0"/>
+      <dgm:spPr/>
+    </dgm:pt>
+    <dgm:pt modelId="{1C66C622-CD04-4F58-92E0-ED9D8B81C795}" type="pres">
+      <dgm:prSet presAssocID="{5F86595B-5B7B-4669-AB47-26AE4A9C2728}" presName="textRect" presStyleLbl="revTx" presStyleIdx="0" presStyleCnt="3">
+        <dgm:presLayoutVars>
+          <dgm:chMax val="1"/>
+          <dgm:chPref val="1"/>
+        </dgm:presLayoutVars>
+      </dgm:prSet>
+      <dgm:spPr/>
+    </dgm:pt>
+    <dgm:pt modelId="{AC6D9E6F-B739-403D-BF42-D6D02F00261E}" type="pres">
+      <dgm:prSet presAssocID="{D2ED3153-D304-4389-9986-61FE68CD6F22}" presName="sibTrans" presStyleCnt="0"/>
+      <dgm:spPr/>
+    </dgm:pt>
+    <dgm:pt modelId="{B60EE812-ED87-462E-9386-D6B0EAB1A9E2}" type="pres">
+      <dgm:prSet presAssocID="{3DE7B99F-BBB0-426D-85D1-741185C1740B}" presName="compNode" presStyleCnt="0"/>
+      <dgm:spPr/>
+    </dgm:pt>
+    <dgm:pt modelId="{59CB1B8F-14BC-47B8-85E5-8E8C2DD83999}" type="pres">
+      <dgm:prSet presAssocID="{3DE7B99F-BBB0-426D-85D1-741185C1740B}" presName="iconBgRect" presStyleLbl="bgShp" presStyleIdx="1" presStyleCnt="3"/>
+      <dgm:spPr/>
+    </dgm:pt>
+    <dgm:pt modelId="{779FDF1D-59FE-47E7-9103-F1B614251B69}" type="pres">
+      <dgm:prSet presAssocID="{3DE7B99F-BBB0-426D-85D1-741185C1740B}" presName="iconRect" presStyleLbl="node1" presStyleIdx="1" presStyleCnt="3"/>
+      <dgm:spPr>
+        <a:blipFill>
+          <a:blip xmlns:r="http://schemas.openxmlformats.org/officeDocument/2006/relationships" r:embed="rId3">
+            <a:extLst>
+              <a:ext uri="{28A0092B-C50C-407E-A947-70E740481C1C}">
+                <a14:useLocalDpi xmlns:a14="http://schemas.microsoft.com/office/drawing/2010/main" val="0"/>
+              </a:ext>
+              <a:ext uri="{96DAC541-7B7A-43D3-8B79-37D633B846F1}">
+                <asvg:svgBlip xmlns:asvg="http://schemas.microsoft.com/office/drawing/2016/SVG/main" r:embed="rId4"/>
+              </a:ext>
+            </a:extLst>
+          </a:blip>
+          <a:stretch>
+            <a:fillRect/>
+          </a:stretch>
+        </a:blipFill>
+        <a:ln>
+          <a:noFill/>
+        </a:ln>
+      </dgm:spPr>
+      <dgm:extLst>
+        <a:ext uri="{E40237B7-FDA0-4F09-8148-C483321AD2D9}">
+          <dgm14:cNvPr xmlns:dgm14="http://schemas.microsoft.com/office/drawing/2010/diagram" id="0" name="" descr="Database"/>
+        </a:ext>
+      </dgm:extLst>
+    </dgm:pt>
+    <dgm:pt modelId="{6420229D-00B0-4BF8-A88A-8664F2DD794A}" type="pres">
+      <dgm:prSet presAssocID="{3DE7B99F-BBB0-426D-85D1-741185C1740B}" presName="spaceRect" presStyleCnt="0"/>
+      <dgm:spPr/>
+    </dgm:pt>
+    <dgm:pt modelId="{E9223D97-7A37-4420-83A0-EBBCE0978A70}" type="pres">
+      <dgm:prSet presAssocID="{3DE7B99F-BBB0-426D-85D1-741185C1740B}" presName="textRect" presStyleLbl="revTx" presStyleIdx="1" presStyleCnt="3">
+        <dgm:presLayoutVars>
+          <dgm:chMax val="1"/>
+          <dgm:chPref val="1"/>
+        </dgm:presLayoutVars>
+      </dgm:prSet>
+      <dgm:spPr/>
+    </dgm:pt>
+    <dgm:pt modelId="{260463A1-890E-47D4-BB14-6CE8A525476F}" type="pres">
+      <dgm:prSet presAssocID="{6FB7C7DB-CAF8-4D6E-B4F0-8FD6E5025CA4}" presName="sibTrans" presStyleCnt="0"/>
+      <dgm:spPr/>
+    </dgm:pt>
+    <dgm:pt modelId="{2D701709-2898-422E-A1BB-DD03FA2B87C7}" type="pres">
+      <dgm:prSet presAssocID="{2370CB7F-E13C-4DCB-9C7E-12598486F46A}" presName="compNode" presStyleCnt="0"/>
+      <dgm:spPr/>
+    </dgm:pt>
+    <dgm:pt modelId="{4BEE33A9-43BC-48A4-8E33-77E3E870CEB6}" type="pres">
+      <dgm:prSet presAssocID="{2370CB7F-E13C-4DCB-9C7E-12598486F46A}" presName="iconBgRect" presStyleLbl="bgShp" presStyleIdx="2" presStyleCnt="3"/>
+      <dgm:spPr/>
+    </dgm:pt>
+    <dgm:pt modelId="{A9104479-23E4-4933-B711-4BF6C9B9DE3D}" type="pres">
+      <dgm:prSet presAssocID="{2370CB7F-E13C-4DCB-9C7E-12598486F46A}" presName="iconRect" presStyleLbl="node1" presStyleIdx="2" presStyleCnt="3"/>
+      <dgm:spPr>
+        <a:blipFill>
+          <a:blip xmlns:r="http://schemas.openxmlformats.org/officeDocument/2006/relationships" r:embed="rId5">
+            <a:extLst>
+              <a:ext uri="{28A0092B-C50C-407E-A947-70E740481C1C}">
+                <a14:useLocalDpi xmlns:a14="http://schemas.microsoft.com/office/drawing/2010/main" val="0"/>
+              </a:ext>
+              <a:ext uri="{96DAC541-7B7A-43D3-8B79-37D633B846F1}">
+                <asvg:svgBlip xmlns:asvg="http://schemas.microsoft.com/office/drawing/2016/SVG/main" r:embed="rId6"/>
+              </a:ext>
+            </a:extLst>
+          </a:blip>
+          <a:stretch>
+            <a:fillRect/>
+          </a:stretch>
+        </a:blipFill>
+        <a:ln>
+          <a:noFill/>
+        </a:ln>
+      </dgm:spPr>
+      <dgm:extLst>
+        <a:ext uri="{E40237B7-FDA0-4F09-8148-C483321AD2D9}">
+          <dgm14:cNvPr xmlns:dgm14="http://schemas.microsoft.com/office/drawing/2010/diagram" id="0" name="" descr="Close"/>
+        </a:ext>
+      </dgm:extLst>
+    </dgm:pt>
+    <dgm:pt modelId="{09FE7B6C-AE7C-46CE-A93D-C9BA0F0BE6C5}" type="pres">
+      <dgm:prSet presAssocID="{2370CB7F-E13C-4DCB-9C7E-12598486F46A}" presName="spaceRect" presStyleCnt="0"/>
+      <dgm:spPr/>
+    </dgm:pt>
+    <dgm:pt modelId="{37F27C34-0FA1-4760-83AB-4112CEFCA764}" type="pres">
+      <dgm:prSet presAssocID="{2370CB7F-E13C-4DCB-9C7E-12598486F46A}" presName="textRect" presStyleLbl="revTx" presStyleIdx="2" presStyleCnt="3">
+        <dgm:presLayoutVars>
+          <dgm:chMax val="1"/>
+          <dgm:chPref val="1"/>
+        </dgm:presLayoutVars>
+      </dgm:prSet>
+      <dgm:spPr/>
+    </dgm:pt>
+  </dgm:ptLst>
+  <dgm:cxnLst>
+    <dgm:cxn modelId="{8981CE0F-7A0B-46F4-8689-E8E443D05833}" srcId="{2C91150D-7F36-4601-830C-50FF2D89FA47}" destId="{5F86595B-5B7B-4669-AB47-26AE4A9C2728}" srcOrd="0" destOrd="0" parTransId="{D598F13D-7FC8-4FC7-A6A2-CBBE28EFC3F7}" sibTransId="{D2ED3153-D304-4389-9986-61FE68CD6F22}"/>
+    <dgm:cxn modelId="{833C9C43-8A9E-4D1E-B376-2FB8780CF62B}" type="presOf" srcId="{3DE7B99F-BBB0-426D-85D1-741185C1740B}" destId="{E9223D97-7A37-4420-83A0-EBBCE0978A70}" srcOrd="0" destOrd="0" presId="urn:microsoft.com/office/officeart/2018/5/layout/IconCircleLabelList"/>
+    <dgm:cxn modelId="{803A7654-2C6F-4A0A-8E25-66BB790000F3}" type="presOf" srcId="{5F86595B-5B7B-4669-AB47-26AE4A9C2728}" destId="{1C66C622-CD04-4F58-92E0-ED9D8B81C795}" srcOrd="0" destOrd="0" presId="urn:microsoft.com/office/officeart/2018/5/layout/IconCircleLabelList"/>
+    <dgm:cxn modelId="{8FE51059-1EDC-4F77-AE34-CF1CD5DADD80}" type="presOf" srcId="{2370CB7F-E13C-4DCB-9C7E-12598486F46A}" destId="{37F27C34-0FA1-4760-83AB-4112CEFCA764}" srcOrd="0" destOrd="0" presId="urn:microsoft.com/office/officeart/2018/5/layout/IconCircleLabelList"/>
+    <dgm:cxn modelId="{9642F0B7-644D-424F-B98F-53D975214CAB}" type="presOf" srcId="{2C91150D-7F36-4601-830C-50FF2D89FA47}" destId="{632828A6-E91C-4CE7-9BE6-CC1C9D9E9C7D}" srcOrd="0" destOrd="0" presId="urn:microsoft.com/office/officeart/2018/5/layout/IconCircleLabelList"/>
+    <dgm:cxn modelId="{A98F24D3-9E93-48EF-BEB7-BA7D10298905}" srcId="{2C91150D-7F36-4601-830C-50FF2D89FA47}" destId="{2370CB7F-E13C-4DCB-9C7E-12598486F46A}" srcOrd="2" destOrd="0" parTransId="{654AE991-7485-4D3A-B90D-D49090DC66AE}" sibTransId="{FEBE3D3B-9A54-4944-80B5-633406E53692}"/>
+    <dgm:cxn modelId="{7CEA76F8-E5A4-4F2B-A881-D84E970B134E}" srcId="{2C91150D-7F36-4601-830C-50FF2D89FA47}" destId="{3DE7B99F-BBB0-426D-85D1-741185C1740B}" srcOrd="1" destOrd="0" parTransId="{90E20216-B844-4903-85A1-7610866FA3A1}" sibTransId="{6FB7C7DB-CAF8-4D6E-B4F0-8FD6E5025CA4}"/>
+    <dgm:cxn modelId="{E5517574-D960-468F-83D7-DE165BBE5147}" type="presParOf" srcId="{632828A6-E91C-4CE7-9BE6-CC1C9D9E9C7D}" destId="{AE81C0AD-D71B-469E-B9EF-0DC3ACCD76A3}" srcOrd="0" destOrd="0" presId="urn:microsoft.com/office/officeart/2018/5/layout/IconCircleLabelList"/>
+    <dgm:cxn modelId="{1CB2E499-F53A-4F52-8286-B4B23656FBD7}" type="presParOf" srcId="{AE81C0AD-D71B-469E-B9EF-0DC3ACCD76A3}" destId="{6DFFDE03-4E94-4030-AD69-07DA4E79DE28}" srcOrd="0" destOrd="0" presId="urn:microsoft.com/office/officeart/2018/5/layout/IconCircleLabelList"/>
+    <dgm:cxn modelId="{629E14FB-9FDB-4125-A90D-795F668DF572}" type="presParOf" srcId="{AE81C0AD-D71B-469E-B9EF-0DC3ACCD76A3}" destId="{241967EA-7816-4D56-9C35-162EB8315A55}" srcOrd="1" destOrd="0" presId="urn:microsoft.com/office/officeart/2018/5/layout/IconCircleLabelList"/>
+    <dgm:cxn modelId="{AD85E84F-FB31-486B-98D9-85F9AC42314D}" type="presParOf" srcId="{AE81C0AD-D71B-469E-B9EF-0DC3ACCD76A3}" destId="{E8C11A99-A434-4488-BE0D-B70289B3CE8F}" srcOrd="2" destOrd="0" presId="urn:microsoft.com/office/officeart/2018/5/layout/IconCircleLabelList"/>
+    <dgm:cxn modelId="{79E0C2DA-A7E2-4600-BD1D-360CD8BFB40F}" type="presParOf" srcId="{AE81C0AD-D71B-469E-B9EF-0DC3ACCD76A3}" destId="{1C66C622-CD04-4F58-92E0-ED9D8B81C795}" srcOrd="3" destOrd="0" presId="urn:microsoft.com/office/officeart/2018/5/layout/IconCircleLabelList"/>
+    <dgm:cxn modelId="{FB5E10EF-E52E-4CDD-91DB-287BFBBB7422}" type="presParOf" srcId="{632828A6-E91C-4CE7-9BE6-CC1C9D9E9C7D}" destId="{AC6D9E6F-B739-403D-BF42-D6D02F00261E}" srcOrd="1" destOrd="0" presId="urn:microsoft.com/office/officeart/2018/5/layout/IconCircleLabelList"/>
+    <dgm:cxn modelId="{D7CC53D5-88E6-426C-B5E0-F0B5C6B5F322}" type="presParOf" srcId="{632828A6-E91C-4CE7-9BE6-CC1C9D9E9C7D}" destId="{B60EE812-ED87-462E-9386-D6B0EAB1A9E2}" srcOrd="2" destOrd="0" presId="urn:microsoft.com/office/officeart/2018/5/layout/IconCircleLabelList"/>
+    <dgm:cxn modelId="{D1072803-E984-425B-9564-B4B3A986F36D}" type="presParOf" srcId="{B60EE812-ED87-462E-9386-D6B0EAB1A9E2}" destId="{59CB1B8F-14BC-47B8-85E5-8E8C2DD83999}" srcOrd="0" destOrd="0" presId="urn:microsoft.com/office/officeart/2018/5/layout/IconCircleLabelList"/>
+    <dgm:cxn modelId="{94768186-6BCF-4096-ABC7-A6355F7BE324}" type="presParOf" srcId="{B60EE812-ED87-462E-9386-D6B0EAB1A9E2}" destId="{779FDF1D-59FE-47E7-9103-F1B614251B69}" srcOrd="1" destOrd="0" presId="urn:microsoft.com/office/officeart/2018/5/layout/IconCircleLabelList"/>
+    <dgm:cxn modelId="{7E13FF10-D733-4D90-9ACA-72DE5A965B9C}" type="presParOf" srcId="{B60EE812-ED87-462E-9386-D6B0EAB1A9E2}" destId="{6420229D-00B0-4BF8-A88A-8664F2DD794A}" srcOrd="2" destOrd="0" presId="urn:microsoft.com/office/officeart/2018/5/layout/IconCircleLabelList"/>
+    <dgm:cxn modelId="{B5FDE960-2424-4E15-BDDC-5E49C774BB80}" type="presParOf" srcId="{B60EE812-ED87-462E-9386-D6B0EAB1A9E2}" destId="{E9223D97-7A37-4420-83A0-EBBCE0978A70}" srcOrd="3" destOrd="0" presId="urn:microsoft.com/office/officeart/2018/5/layout/IconCircleLabelList"/>
+    <dgm:cxn modelId="{C389ED5C-680B-4C94-A6CC-6F321EE84BDE}" type="presParOf" srcId="{632828A6-E91C-4CE7-9BE6-CC1C9D9E9C7D}" destId="{260463A1-890E-47D4-BB14-6CE8A525476F}" srcOrd="3" destOrd="0" presId="urn:microsoft.com/office/officeart/2018/5/layout/IconCircleLabelList"/>
+    <dgm:cxn modelId="{4405C864-0241-4B96-B227-70612622189A}" type="presParOf" srcId="{632828A6-E91C-4CE7-9BE6-CC1C9D9E9C7D}" destId="{2D701709-2898-422E-A1BB-DD03FA2B87C7}" srcOrd="4" destOrd="0" presId="urn:microsoft.com/office/officeart/2018/5/layout/IconCircleLabelList"/>
+    <dgm:cxn modelId="{C1729847-D790-4BA7-89E1-9A3F053996C5}" type="presParOf" srcId="{2D701709-2898-422E-A1BB-DD03FA2B87C7}" destId="{4BEE33A9-43BC-48A4-8E33-77E3E870CEB6}" srcOrd="0" destOrd="0" presId="urn:microsoft.com/office/officeart/2018/5/layout/IconCircleLabelList"/>
+    <dgm:cxn modelId="{6A0962A5-68DF-4ABE-8FBD-063B64C3DFAC}" type="presParOf" srcId="{2D701709-2898-422E-A1BB-DD03FA2B87C7}" destId="{A9104479-23E4-4933-B711-4BF6C9B9DE3D}" srcOrd="1" destOrd="0" presId="urn:microsoft.com/office/officeart/2018/5/layout/IconCircleLabelList"/>
+    <dgm:cxn modelId="{79AABA1D-1806-4E19-B02B-3B971F0BFADF}" type="presParOf" srcId="{2D701709-2898-422E-A1BB-DD03FA2B87C7}" destId="{09FE7B6C-AE7C-46CE-A93D-C9BA0F0BE6C5}" srcOrd="2" destOrd="0" presId="urn:microsoft.com/office/officeart/2018/5/layout/IconCircleLabelList"/>
+    <dgm:cxn modelId="{86AB4C5F-0AE3-4E6E-925D-B9D0CA5B9C1A}" type="presParOf" srcId="{2D701709-2898-422E-A1BB-DD03FA2B87C7}" destId="{37F27C34-0FA1-4760-83AB-4112CEFCA764}" srcOrd="3" destOrd="0" presId="urn:microsoft.com/office/officeart/2018/5/layout/IconCircleLabelList"/>
   </dgm:cxnLst>
   <dgm:bg/>
   <dgm:whole/>
@@ -8227,6 +9534,518 @@
       <dsp:txXfrm>
         <a:off x="1820860" y="2824567"/>
         <a:ext cx="4124588" cy="1576502"/>
+      </dsp:txXfrm>
+    </dsp:sp>
+  </dsp:spTree>
+</dsp:drawing>
+</file>
+
+<file path=ppt/diagrams/drawing6.xml><?xml version="1.0" encoding="utf-8"?>
+<dsp:drawing xmlns:dgm="http://schemas.openxmlformats.org/drawingml/2006/diagram" xmlns:dsp="http://schemas.microsoft.com/office/drawing/2008/diagram" xmlns:a="http://schemas.openxmlformats.org/drawingml/2006/main">
+  <dsp:spTree>
+    <dsp:nvGrpSpPr>
+      <dsp:cNvPr id="0" name=""/>
+      <dsp:cNvGrpSpPr/>
+    </dsp:nvGrpSpPr>
+    <dsp:grpSpPr/>
+    <dsp:sp modelId="{6DFFDE03-4E94-4030-AD69-07DA4E79DE28}">
+      <dsp:nvSpPr>
+        <dsp:cNvPr id="0" name=""/>
+        <dsp:cNvSpPr/>
+      </dsp:nvSpPr>
+      <dsp:spPr>
+        <a:xfrm>
+          <a:off x="600095" y="570738"/>
+          <a:ext cx="1784250" cy="1784250"/>
+        </a:xfrm>
+        <a:prstGeom prst="ellipse">
+          <a:avLst/>
+        </a:prstGeom>
+        <a:solidFill>
+          <a:schemeClr val="accent2">
+            <a:hueOff val="0"/>
+            <a:satOff val="0"/>
+            <a:lumOff val="0"/>
+            <a:alphaOff val="0"/>
+          </a:schemeClr>
+        </a:solidFill>
+        <a:ln>
+          <a:noFill/>
+        </a:ln>
+        <a:effectLst/>
+      </dsp:spPr>
+      <dsp:style>
+        <a:lnRef idx="0">
+          <a:scrgbClr r="0" g="0" b="0"/>
+        </a:lnRef>
+        <a:fillRef idx="1">
+          <a:scrgbClr r="0" g="0" b="0"/>
+        </a:fillRef>
+        <a:effectRef idx="0">
+          <a:scrgbClr r="0" g="0" b="0"/>
+        </a:effectRef>
+        <a:fontRef idx="minor"/>
+      </dsp:style>
+    </dsp:sp>
+    <dsp:sp modelId="{241967EA-7816-4D56-9C35-162EB8315A55}">
+      <dsp:nvSpPr>
+        <dsp:cNvPr id="0" name=""/>
+        <dsp:cNvSpPr/>
+      </dsp:nvSpPr>
+      <dsp:spPr>
+        <a:xfrm>
+          <a:off x="980345" y="950988"/>
+          <a:ext cx="1023750" cy="1023750"/>
+        </a:xfrm>
+        <a:prstGeom prst="rect">
+          <a:avLst/>
+        </a:prstGeom>
+        <a:blipFill>
+          <a:blip xmlns:r="http://schemas.openxmlformats.org/officeDocument/2006/relationships" r:embed="rId1">
+            <a:extLst>
+              <a:ext uri="{28A0092B-C50C-407E-A947-70E740481C1C}">
+                <a14:useLocalDpi xmlns:a14="http://schemas.microsoft.com/office/drawing/2010/main" val="0"/>
+              </a:ext>
+              <a:ext uri="{96DAC541-7B7A-43D3-8B79-37D633B846F1}">
+                <asvg:svgBlip xmlns:asvg="http://schemas.microsoft.com/office/drawing/2016/SVG/main" r:embed="rId2"/>
+              </a:ext>
+            </a:extLst>
+          </a:blip>
+          <a:stretch>
+            <a:fillRect/>
+          </a:stretch>
+        </a:blipFill>
+        <a:ln w="13970" cap="flat" cmpd="sng" algn="ctr">
+          <a:noFill/>
+          <a:prstDash val="solid"/>
+        </a:ln>
+        <a:effectLst/>
+      </dsp:spPr>
+      <dsp:style>
+        <a:lnRef idx="2">
+          <a:scrgbClr r="0" g="0" b="0"/>
+        </a:lnRef>
+        <a:fillRef idx="1">
+          <a:scrgbClr r="0" g="0" b="0"/>
+        </a:fillRef>
+        <a:effectRef idx="0">
+          <a:scrgbClr r="0" g="0" b="0"/>
+        </a:effectRef>
+        <a:fontRef idx="minor">
+          <a:schemeClr val="lt1"/>
+        </a:fontRef>
+      </dsp:style>
+    </dsp:sp>
+    <dsp:sp modelId="{1C66C622-CD04-4F58-92E0-ED9D8B81C795}">
+      <dsp:nvSpPr>
+        <dsp:cNvPr id="0" name=""/>
+        <dsp:cNvSpPr/>
+      </dsp:nvSpPr>
+      <dsp:spPr>
+        <a:xfrm>
+          <a:off x="29720" y="2910739"/>
+          <a:ext cx="2925000" cy="720000"/>
+        </a:xfrm>
+        <a:prstGeom prst="rect">
+          <a:avLst/>
+        </a:prstGeom>
+        <a:noFill/>
+        <a:ln>
+          <a:noFill/>
+        </a:ln>
+        <a:effectLst/>
+      </dsp:spPr>
+      <dsp:style>
+        <a:lnRef idx="0">
+          <a:scrgbClr r="0" g="0" b="0"/>
+        </a:lnRef>
+        <a:fillRef idx="0">
+          <a:scrgbClr r="0" g="0" b="0"/>
+        </a:fillRef>
+        <a:effectRef idx="0">
+          <a:scrgbClr r="0" g="0" b="0"/>
+        </a:effectRef>
+        <a:fontRef idx="minor"/>
+      </dsp:style>
+      <dsp:txBody>
+        <a:bodyPr spcFirstLastPara="0" vert="horz" wrap="square" lIns="0" tIns="0" rIns="0" bIns="0" numCol="1" spcCol="1270" anchor="t" anchorCtr="0">
+          <a:noAutofit/>
+        </a:bodyPr>
+        <a:lstStyle/>
+        <a:p>
+          <a:pPr marL="0" lvl="0" indent="0" algn="ctr" defTabSz="577850">
+            <a:lnSpc>
+              <a:spcPct val="90000"/>
+            </a:lnSpc>
+            <a:spcBef>
+              <a:spcPct val="0"/>
+            </a:spcBef>
+            <a:spcAft>
+              <a:spcPct val="35000"/>
+            </a:spcAft>
+            <a:buNone/>
+            <a:defRPr cap="all"/>
+          </a:pPr>
+          <a:r>
+            <a:rPr lang="en-US" sz="1300" kern="1200"/>
+            <a:t>We </a:t>
+          </a:r>
+          <a:r>
+            <a:rPr lang="en-US" sz="1300" i="1" kern="1200"/>
+            <a:t>train</a:t>
+          </a:r>
+          <a:r>
+            <a:rPr lang="en-US" sz="1300" kern="1200"/>
+            <a:t> a model on a </a:t>
+          </a:r>
+          <a:r>
+            <a:rPr lang="en-US" sz="1300" i="1" kern="1200"/>
+            <a:t>subset</a:t>
+          </a:r>
+          <a:r>
+            <a:rPr lang="en-US" sz="1300" kern="1200"/>
+            <a:t> of all samples</a:t>
+          </a:r>
+        </a:p>
+      </dsp:txBody>
+      <dsp:txXfrm>
+        <a:off x="29720" y="2910739"/>
+        <a:ext cx="2925000" cy="720000"/>
+      </dsp:txXfrm>
+    </dsp:sp>
+    <dsp:sp modelId="{59CB1B8F-14BC-47B8-85E5-8E8C2DD83999}">
+      <dsp:nvSpPr>
+        <dsp:cNvPr id="0" name=""/>
+        <dsp:cNvSpPr/>
+      </dsp:nvSpPr>
+      <dsp:spPr>
+        <a:xfrm>
+          <a:off x="4036970" y="570738"/>
+          <a:ext cx="1784250" cy="1784250"/>
+        </a:xfrm>
+        <a:prstGeom prst="ellipse">
+          <a:avLst/>
+        </a:prstGeom>
+        <a:solidFill>
+          <a:schemeClr val="accent3">
+            <a:hueOff val="0"/>
+            <a:satOff val="0"/>
+            <a:lumOff val="0"/>
+            <a:alphaOff val="0"/>
+          </a:schemeClr>
+        </a:solidFill>
+        <a:ln>
+          <a:noFill/>
+        </a:ln>
+        <a:effectLst/>
+      </dsp:spPr>
+      <dsp:style>
+        <a:lnRef idx="0">
+          <a:scrgbClr r="0" g="0" b="0"/>
+        </a:lnRef>
+        <a:fillRef idx="1">
+          <a:scrgbClr r="0" g="0" b="0"/>
+        </a:fillRef>
+        <a:effectRef idx="0">
+          <a:scrgbClr r="0" g="0" b="0"/>
+        </a:effectRef>
+        <a:fontRef idx="minor"/>
+      </dsp:style>
+    </dsp:sp>
+    <dsp:sp modelId="{779FDF1D-59FE-47E7-9103-F1B614251B69}">
+      <dsp:nvSpPr>
+        <dsp:cNvPr id="0" name=""/>
+        <dsp:cNvSpPr/>
+      </dsp:nvSpPr>
+      <dsp:spPr>
+        <a:xfrm>
+          <a:off x="4417220" y="950988"/>
+          <a:ext cx="1023750" cy="1023750"/>
+        </a:xfrm>
+        <a:prstGeom prst="rect">
+          <a:avLst/>
+        </a:prstGeom>
+        <a:blipFill>
+          <a:blip xmlns:r="http://schemas.openxmlformats.org/officeDocument/2006/relationships" r:embed="rId3">
+            <a:extLst>
+              <a:ext uri="{28A0092B-C50C-407E-A947-70E740481C1C}">
+                <a14:useLocalDpi xmlns:a14="http://schemas.microsoft.com/office/drawing/2010/main" val="0"/>
+              </a:ext>
+              <a:ext uri="{96DAC541-7B7A-43D3-8B79-37D633B846F1}">
+                <asvg:svgBlip xmlns:asvg="http://schemas.microsoft.com/office/drawing/2016/SVG/main" r:embed="rId4"/>
+              </a:ext>
+            </a:extLst>
+          </a:blip>
+          <a:stretch>
+            <a:fillRect/>
+          </a:stretch>
+        </a:blipFill>
+        <a:ln w="13970" cap="flat" cmpd="sng" algn="ctr">
+          <a:noFill/>
+          <a:prstDash val="solid"/>
+        </a:ln>
+        <a:effectLst/>
+      </dsp:spPr>
+      <dsp:style>
+        <a:lnRef idx="2">
+          <a:scrgbClr r="0" g="0" b="0"/>
+        </a:lnRef>
+        <a:fillRef idx="1">
+          <a:scrgbClr r="0" g="0" b="0"/>
+        </a:fillRef>
+        <a:effectRef idx="0">
+          <a:scrgbClr r="0" g="0" b="0"/>
+        </a:effectRef>
+        <a:fontRef idx="minor">
+          <a:schemeClr val="lt1"/>
+        </a:fontRef>
+      </dsp:style>
+    </dsp:sp>
+    <dsp:sp modelId="{E9223D97-7A37-4420-83A0-EBBCE0978A70}">
+      <dsp:nvSpPr>
+        <dsp:cNvPr id="0" name=""/>
+        <dsp:cNvSpPr/>
+      </dsp:nvSpPr>
+      <dsp:spPr>
+        <a:xfrm>
+          <a:off x="3466595" y="2910739"/>
+          <a:ext cx="2925000" cy="720000"/>
+        </a:xfrm>
+        <a:prstGeom prst="rect">
+          <a:avLst/>
+        </a:prstGeom>
+        <a:noFill/>
+        <a:ln>
+          <a:noFill/>
+        </a:ln>
+        <a:effectLst/>
+      </dsp:spPr>
+      <dsp:style>
+        <a:lnRef idx="0">
+          <a:scrgbClr r="0" g="0" b="0"/>
+        </a:lnRef>
+        <a:fillRef idx="0">
+          <a:scrgbClr r="0" g="0" b="0"/>
+        </a:fillRef>
+        <a:effectRef idx="0">
+          <a:scrgbClr r="0" g="0" b="0"/>
+        </a:effectRef>
+        <a:fontRef idx="minor"/>
+      </dsp:style>
+      <dsp:txBody>
+        <a:bodyPr spcFirstLastPara="0" vert="horz" wrap="square" lIns="0" tIns="0" rIns="0" bIns="0" numCol="1" spcCol="1270" anchor="t" anchorCtr="0">
+          <a:noAutofit/>
+        </a:bodyPr>
+        <a:lstStyle/>
+        <a:p>
+          <a:pPr marL="0" lvl="0" indent="0" algn="ctr" defTabSz="577850">
+            <a:lnSpc>
+              <a:spcPct val="90000"/>
+            </a:lnSpc>
+            <a:spcBef>
+              <a:spcPct val="0"/>
+            </a:spcBef>
+            <a:spcAft>
+              <a:spcPct val="35000"/>
+            </a:spcAft>
+            <a:buNone/>
+            <a:defRPr cap="all"/>
+          </a:pPr>
+          <a:r>
+            <a:rPr lang="en-US" sz="1300" kern="1200"/>
+            <a:t>The model </a:t>
+          </a:r>
+          <a:r>
+            <a:rPr lang="en-US" sz="1300" i="1" kern="1200"/>
+            <a:t>learns</a:t>
+          </a:r>
+          <a:r>
+            <a:rPr lang="en-US" sz="1300" kern="1200"/>
+            <a:t> a set of parameters in each layer that allows the mapping of </a:t>
+          </a:r>
+          <a:r>
+            <a:rPr lang="en-US" sz="1300" i="1" kern="1200"/>
+            <a:t>features</a:t>
+          </a:r>
+          <a:r>
+            <a:rPr lang="en-US" sz="1300" kern="1200"/>
+            <a:t> to </a:t>
+          </a:r>
+          <a:r>
+            <a:rPr lang="en-US" sz="1300" i="1" kern="1200"/>
+            <a:t>predictions</a:t>
+          </a:r>
+          <a:endParaRPr lang="en-US" sz="1300" kern="1200"/>
+        </a:p>
+      </dsp:txBody>
+      <dsp:txXfrm>
+        <a:off x="3466595" y="2910739"/>
+        <a:ext cx="2925000" cy="720000"/>
+      </dsp:txXfrm>
+    </dsp:sp>
+    <dsp:sp modelId="{4BEE33A9-43BC-48A4-8E33-77E3E870CEB6}">
+      <dsp:nvSpPr>
+        <dsp:cNvPr id="0" name=""/>
+        <dsp:cNvSpPr/>
+      </dsp:nvSpPr>
+      <dsp:spPr>
+        <a:xfrm>
+          <a:off x="7473845" y="570738"/>
+          <a:ext cx="1784250" cy="1784250"/>
+        </a:xfrm>
+        <a:prstGeom prst="ellipse">
+          <a:avLst/>
+        </a:prstGeom>
+        <a:solidFill>
+          <a:schemeClr val="accent4">
+            <a:hueOff val="0"/>
+            <a:satOff val="0"/>
+            <a:lumOff val="0"/>
+            <a:alphaOff val="0"/>
+          </a:schemeClr>
+        </a:solidFill>
+        <a:ln>
+          <a:noFill/>
+        </a:ln>
+        <a:effectLst/>
+      </dsp:spPr>
+      <dsp:style>
+        <a:lnRef idx="0">
+          <a:scrgbClr r="0" g="0" b="0"/>
+        </a:lnRef>
+        <a:fillRef idx="1">
+          <a:scrgbClr r="0" g="0" b="0"/>
+        </a:fillRef>
+        <a:effectRef idx="0">
+          <a:scrgbClr r="0" g="0" b="0"/>
+        </a:effectRef>
+        <a:fontRef idx="minor"/>
+      </dsp:style>
+    </dsp:sp>
+    <dsp:sp modelId="{A9104479-23E4-4933-B711-4BF6C9B9DE3D}">
+      <dsp:nvSpPr>
+        <dsp:cNvPr id="0" name=""/>
+        <dsp:cNvSpPr/>
+      </dsp:nvSpPr>
+      <dsp:spPr>
+        <a:xfrm>
+          <a:off x="7854095" y="950988"/>
+          <a:ext cx="1023750" cy="1023750"/>
+        </a:xfrm>
+        <a:prstGeom prst="rect">
+          <a:avLst/>
+        </a:prstGeom>
+        <a:blipFill>
+          <a:blip xmlns:r="http://schemas.openxmlformats.org/officeDocument/2006/relationships" r:embed="rId5">
+            <a:extLst>
+              <a:ext uri="{28A0092B-C50C-407E-A947-70E740481C1C}">
+                <a14:useLocalDpi xmlns:a14="http://schemas.microsoft.com/office/drawing/2010/main" val="0"/>
+              </a:ext>
+              <a:ext uri="{96DAC541-7B7A-43D3-8B79-37D633B846F1}">
+                <asvg:svgBlip xmlns:asvg="http://schemas.microsoft.com/office/drawing/2016/SVG/main" r:embed="rId6"/>
+              </a:ext>
+            </a:extLst>
+          </a:blip>
+          <a:stretch>
+            <a:fillRect/>
+          </a:stretch>
+        </a:blipFill>
+        <a:ln w="13970" cap="flat" cmpd="sng" algn="ctr">
+          <a:noFill/>
+          <a:prstDash val="solid"/>
+        </a:ln>
+        <a:effectLst/>
+      </dsp:spPr>
+      <dsp:style>
+        <a:lnRef idx="2">
+          <a:scrgbClr r="0" g="0" b="0"/>
+        </a:lnRef>
+        <a:fillRef idx="1">
+          <a:scrgbClr r="0" g="0" b="0"/>
+        </a:fillRef>
+        <a:effectRef idx="0">
+          <a:scrgbClr r="0" g="0" b="0"/>
+        </a:effectRef>
+        <a:fontRef idx="minor">
+          <a:schemeClr val="lt1"/>
+        </a:fontRef>
+      </dsp:style>
+    </dsp:sp>
+    <dsp:sp modelId="{37F27C34-0FA1-4760-83AB-4112CEFCA764}">
+      <dsp:nvSpPr>
+        <dsp:cNvPr id="0" name=""/>
+        <dsp:cNvSpPr/>
+      </dsp:nvSpPr>
+      <dsp:spPr>
+        <a:xfrm>
+          <a:off x="6903470" y="2910739"/>
+          <a:ext cx="2925000" cy="720000"/>
+        </a:xfrm>
+        <a:prstGeom prst="rect">
+          <a:avLst/>
+        </a:prstGeom>
+        <a:noFill/>
+        <a:ln>
+          <a:noFill/>
+        </a:ln>
+        <a:effectLst/>
+      </dsp:spPr>
+      <dsp:style>
+        <a:lnRef idx="0">
+          <a:scrgbClr r="0" g="0" b="0"/>
+        </a:lnRef>
+        <a:fillRef idx="0">
+          <a:scrgbClr r="0" g="0" b="0"/>
+        </a:fillRef>
+        <a:effectRef idx="0">
+          <a:scrgbClr r="0" g="0" b="0"/>
+        </a:effectRef>
+        <a:fontRef idx="minor"/>
+      </dsp:style>
+      <dsp:txBody>
+        <a:bodyPr spcFirstLastPara="0" vert="horz" wrap="square" lIns="0" tIns="0" rIns="0" bIns="0" numCol="1" spcCol="1270" anchor="t" anchorCtr="0">
+          <a:noAutofit/>
+        </a:bodyPr>
+        <a:lstStyle/>
+        <a:p>
+          <a:pPr marL="0" lvl="0" indent="0" algn="ctr" defTabSz="577850">
+            <a:lnSpc>
+              <a:spcPct val="90000"/>
+            </a:lnSpc>
+            <a:spcBef>
+              <a:spcPct val="0"/>
+            </a:spcBef>
+            <a:spcAft>
+              <a:spcPct val="35000"/>
+            </a:spcAft>
+            <a:buNone/>
+            <a:defRPr cap="all"/>
+          </a:pPr>
+          <a:r>
+            <a:rPr lang="en-US" sz="1300" kern="1200"/>
+            <a:t>We </a:t>
+          </a:r>
+          <a:r>
+            <a:rPr lang="en-US" sz="1300" i="1" kern="1200"/>
+            <a:t>test</a:t>
+          </a:r>
+          <a:r>
+            <a:rPr lang="en-US" sz="1300" kern="1200"/>
+            <a:t> the model on the remaining samples that the model has </a:t>
+          </a:r>
+          <a:r>
+            <a:rPr lang="en-US" sz="1300" i="1" kern="1200"/>
+            <a:t>never interacted</a:t>
+          </a:r>
+          <a:r>
+            <a:rPr lang="en-US" sz="1300" kern="1200"/>
+            <a:t> with</a:t>
+          </a:r>
+        </a:p>
+      </dsp:txBody>
+      <dsp:txXfrm>
+        <a:off x="6903470" y="2910739"/>
+        <a:ext cx="2925000" cy="720000"/>
       </dsp:txXfrm>
     </dsp:sp>
   </dsp:spTree>
@@ -10800,6 +12619,221 @@
 </dgm:layoutDef>
 </file>
 
+<file path=ppt/diagrams/layout6.xml><?xml version="1.0" encoding="utf-8"?>
+<dgm:layoutDef xmlns:dgm="http://schemas.openxmlformats.org/drawingml/2006/diagram" xmlns:a="http://schemas.openxmlformats.org/drawingml/2006/main" uniqueId="urn:microsoft.com/office/officeart/2018/5/layout/IconCircleLabelList">
+  <dgm:title val="Icon Circle Label List"/>
+  <dgm:desc val="Use to show non-sequential or grouped chunks of information accompanied by a related visuals. Works best with icons or small pictures with short text captions."/>
+  <dgm:catLst>
+    <dgm:cat type="icon" pri="500"/>
+  </dgm:catLst>
+  <dgm:sampData useDef="1">
+    <dgm:dataModel>
+      <dgm:ptLst/>
+      <dgm:bg/>
+      <dgm:whole/>
+    </dgm:dataModel>
+  </dgm:sampData>
+  <dgm:styleData useDef="1">
+    <dgm:dataModel>
+      <dgm:ptLst/>
+      <dgm:bg/>
+      <dgm:whole/>
+    </dgm:dataModel>
+  </dgm:styleData>
+  <dgm:clrData useDef="1">
+    <dgm:dataModel>
+      <dgm:ptLst/>
+      <dgm:bg/>
+      <dgm:whole/>
+    </dgm:dataModel>
+  </dgm:clrData>
+  <dgm:layoutNode name="root">
+    <dgm:varLst>
+      <dgm:dir/>
+      <dgm:resizeHandles val="exact"/>
+    </dgm:varLst>
+    <dgm:choose name="Name0">
+      <dgm:if name="Name1" axis="self" func="var" arg="dir" op="equ" val="norm">
+        <dgm:alg type="snake">
+          <dgm:param type="grDir" val="tL"/>
+          <dgm:param type="flowDir" val="row"/>
+          <dgm:param type="contDir" val="sameDir"/>
+          <dgm:param type="off" val="ctr"/>
+          <dgm:param type="vertAlign" val="mid"/>
+          <dgm:param type="horzAlign" val="ctr"/>
+        </dgm:alg>
+      </dgm:if>
+      <dgm:else name="Name2">
+        <dgm:alg type="snake">
+          <dgm:param type="grDir" val="tR"/>
+          <dgm:param type="flowDir" val="row"/>
+          <dgm:param type="contDir" val="sameDir"/>
+          <dgm:param type="off" val="ctr"/>
+          <dgm:param type="vertAlign" val="mid"/>
+          <dgm:param type="horzAlign" val="ctr"/>
+        </dgm:alg>
+      </dgm:else>
+    </dgm:choose>
+    <dgm:shape xmlns:r="http://schemas.openxmlformats.org/officeDocument/2006/relationships" r:blip="">
+      <dgm:adjLst/>
+    </dgm:shape>
+    <dgm:presOf/>
+    <dgm:choose name="Name3">
+      <dgm:if name="Name4" axis="ch" ptType="node" func="cnt" op="lte" val="2">
+        <dgm:constrLst>
+          <dgm:constr type="h" for="ch" forName="compNode" refType="h" fact="0.4"/>
+          <dgm:constr type="w" for="ch" forName="compNode" val="100"/>
+          <dgm:constr type="w" for="ch" forName="sibTrans" refType="w" refFor="ch" refForName="compNode" fact="0.175"/>
+          <dgm:constr type="sp" refType="w" refFor="ch" refForName="compNode" op="equ" fact="0.25"/>
+          <dgm:constr type="primFontSz" for="des" ptType="node" op="equ" val="44"/>
+          <dgm:constr type="h" for="des" forName="compNode" op="equ"/>
+          <dgm:constr type="h" for="des" forName="textRect" op="equ"/>
+        </dgm:constrLst>
+      </dgm:if>
+      <dgm:if name="Name5" axis="ch" ptType="node" func="cnt" op="lte" val="3">
+        <dgm:constrLst>
+          <dgm:constr type="h" for="ch" forName="compNode" refType="h" fact="0.4"/>
+          <dgm:constr type="w" for="ch" forName="compNode" val="100"/>
+          <dgm:constr type="w" for="ch" forName="sibTrans" refType="w" refFor="ch" refForName="compNode" fact="0.175"/>
+          <dgm:constr type="sp" refType="w" refFor="ch" refForName="compNode" op="equ" fact="0.25"/>
+          <dgm:constr type="primFontSz" for="des" ptType="node" op="equ" val="40"/>
+          <dgm:constr type="h" for="des" forName="compNode" op="equ"/>
+          <dgm:constr type="h" for="des" forName="textRect" op="equ"/>
+        </dgm:constrLst>
+      </dgm:if>
+      <dgm:if name="Name6" axis="ch" ptType="node" func="cnt" op="lte" val="4">
+        <dgm:constrLst>
+          <dgm:constr type="h" for="ch" forName="compNode" refType="h" fact="0.4"/>
+          <dgm:constr type="w" for="ch" forName="compNode" refType="w"/>
+          <dgm:constr type="w" for="ch" forName="sibTrans" refType="w" refFor="ch" refForName="compNode" fact="0.175"/>
+          <dgm:constr type="sp" refType="w" refFor="ch" refForName="compNode" op="equ" fact="0.25"/>
+          <dgm:constr type="primFontSz" for="des" ptType="node" op="equ" val="32"/>
+          <dgm:constr type="h" for="des" forName="compNode" op="equ"/>
+          <dgm:constr type="h" for="des" forName="textRect" op="equ"/>
+        </dgm:constrLst>
+      </dgm:if>
+      <dgm:else name="Name7">
+        <dgm:constrLst>
+          <dgm:constr type="h" for="ch" forName="compNode" refType="h" fact="0.4"/>
+          <dgm:constr type="w" for="ch" forName="compNode" refType="w"/>
+          <dgm:constr type="w" for="ch" forName="sibTrans" refType="w" refFor="ch" refForName="compNode" fact="0.175"/>
+          <dgm:constr type="sp" refType="w" refFor="ch" refForName="compNode" op="equ" fact="0.25"/>
+          <dgm:constr type="primFontSz" for="des" ptType="node" op="equ" val="24"/>
+          <dgm:constr type="h" for="des" forName="compNode" op="equ"/>
+          <dgm:constr type="h" for="des" forName="textRect" op="equ"/>
+        </dgm:constrLst>
+      </dgm:else>
+    </dgm:choose>
+    <dgm:ruleLst>
+      <dgm:rule type="w" for="ch" forName="compNode" val="50" fact="NaN" max="NaN"/>
+    </dgm:ruleLst>
+    <dgm:forEach name="Name8" axis="ch" ptType="node">
+      <dgm:layoutNode name="compNode">
+        <dgm:alg type="composite"/>
+        <dgm:shape xmlns:r="http://schemas.openxmlformats.org/officeDocument/2006/relationships" r:blip="">
+          <dgm:adjLst/>
+        </dgm:shape>
+        <dgm:presOf axis="self"/>
+        <dgm:constrLst>
+          <dgm:constr type="w" for="ch" forName="iconBgRect" refType="w" fact="0.61"/>
+          <dgm:constr type="h" for="ch" forName="iconBgRect" refType="w" refFor="ch" refForName="iconBgRect"/>
+          <dgm:constr type="t" for="ch" forName="iconBgRect"/>
+          <dgm:constr type="ctrX" for="ch" forName="iconBgRect" refType="w" fact="0.5"/>
+          <dgm:constr type="w" for="ch" forName="iconRect" refType="w" fact="0.35"/>
+          <dgm:constr type="h" for="ch" forName="iconRect" refType="w" refFor="ch" refForName="iconRect"/>
+          <dgm:constr type="ctrX" for="ch" forName="iconRect" refType="ctrX" refFor="ch" refForName="iconBgRect"/>
+          <dgm:constr type="ctrY" for="ch" forName="iconRect" refType="ctrY" refFor="ch" refForName="iconBgRect"/>
+          <dgm:constr type="h" for="ch" forName="spaceRect" refType="w" fact="0.19"/>
+          <dgm:constr type="w" for="ch" forName="spaceRect" refType="w"/>
+          <dgm:constr type="l" for="ch" forName="spaceRect"/>
+          <dgm:constr type="t" for="ch" forName="spaceRect" refType="b" refFor="ch" refForName="iconBgRect"/>
+          <dgm:constr type="h" for="ch" forName="textRect" val="20"/>
+          <dgm:constr type="w" for="ch" forName="textRect" refType="w"/>
+          <dgm:constr type="l" for="ch" forName="textRect"/>
+          <dgm:constr type="t" for="ch" forName="textRect" refType="b" refFor="ch" refForName="spaceRect"/>
+        </dgm:constrLst>
+        <dgm:ruleLst>
+          <dgm:rule type="h" val="INF" fact="NaN" max="NaN"/>
+        </dgm:ruleLst>
+        <dgm:layoutNode name="iconBgRect" styleLbl="bgShp">
+          <dgm:alg type="sp"/>
+          <dgm:shape xmlns:r="http://schemas.openxmlformats.org/officeDocument/2006/relationships" type="ellipse" r:blip="">
+            <dgm:adjLst/>
+          </dgm:shape>
+          <dgm:presOf/>
+          <dgm:constrLst/>
+          <dgm:ruleLst/>
+        </dgm:layoutNode>
+        <dgm:layoutNode name="iconRect" styleLbl="node1">
+          <dgm:alg type="sp"/>
+          <dgm:shape xmlns:r="http://schemas.openxmlformats.org/officeDocument/2006/relationships" type="rect" r:blip="" blipPhldr="1">
+            <dgm:adjLst/>
+          </dgm:shape>
+          <dgm:presOf/>
+          <dgm:constrLst/>
+          <dgm:ruleLst/>
+        </dgm:layoutNode>
+        <dgm:layoutNode name="spaceRect">
+          <dgm:alg type="sp"/>
+          <dgm:shape xmlns:r="http://schemas.openxmlformats.org/officeDocument/2006/relationships" r:blip="">
+            <dgm:adjLst/>
+          </dgm:shape>
+          <dgm:presOf/>
+          <dgm:constrLst/>
+          <dgm:ruleLst/>
+        </dgm:layoutNode>
+        <dgm:layoutNode name="textRect" styleLbl="revTx">
+          <dgm:varLst>
+            <dgm:chMax val="1"/>
+            <dgm:chPref val="1"/>
+          </dgm:varLst>
+          <dgm:alg type="tx">
+            <dgm:param type="txAnchorVert" val="t"/>
+          </dgm:alg>
+          <dgm:shape xmlns:r="http://schemas.openxmlformats.org/officeDocument/2006/relationships" type="rect" r:blip="">
+            <dgm:adjLst/>
+          </dgm:shape>
+          <dgm:presOf axis="self" ptType="node"/>
+          <dgm:constrLst>
+            <dgm:constr type="lMarg"/>
+            <dgm:constr type="rMarg"/>
+            <dgm:constr type="tMarg"/>
+            <dgm:constr type="bMarg"/>
+          </dgm:constrLst>
+          <dgm:ruleLst>
+            <dgm:rule type="primFontSz" val="11" fact="NaN" max="NaN"/>
+            <dgm:rule type="h" val="INF" fact="NaN" max="NaN"/>
+          </dgm:ruleLst>
+        </dgm:layoutNode>
+      </dgm:layoutNode>
+      <dgm:forEach name="Name9" axis="followSib" ptType="sibTrans" cnt="1">
+        <dgm:layoutNode name="sibTrans">
+          <dgm:alg type="sp"/>
+          <dgm:shape xmlns:r="http://schemas.openxmlformats.org/officeDocument/2006/relationships" r:blip="">
+            <dgm:adjLst/>
+          </dgm:shape>
+          <dgm:presOf axis="self"/>
+          <dgm:constrLst/>
+          <dgm:ruleLst/>
+        </dgm:layoutNode>
+      </dgm:forEach>
+    </dgm:forEach>
+  </dgm:layoutNode>
+  <dgm:extLst>
+    <a:ext uri="{68A01E43-0DF5-4B5B-8FA6-DAF915123BFB}">
+      <dgm1612:lstStyle xmlns:dgm1612="http://schemas.microsoft.com/office/drawing/2016/12/diagram">
+        <a:lvl1pPr>
+          <a:lnSpc>
+            <a:spcPct val="100000"/>
+          </a:lnSpc>
+          <a:defRPr cap="all"/>
+        </a:lvl1pPr>
+      </dgm1612:lstStyle>
+    </a:ext>
+  </dgm:extLst>
+</dgm:layoutDef>
+</file>
+
 <file path=ppt/diagrams/quickStyle1.xml><?xml version="1.0" encoding="utf-8"?>
 <dgm:styleDef xmlns:dgm="http://schemas.openxmlformats.org/drawingml/2006/diagram" xmlns:a="http://schemas.openxmlformats.org/drawingml/2006/main" uniqueId="urn:microsoft.com/office/officeart/2005/8/quickstyle/simple2">
   <dgm:title val=""/>
@@ -14937,6 +16971,1040 @@
 </file>
 
 <file path=ppt/diagrams/quickStyle5.xml><?xml version="1.0" encoding="utf-8"?>
+<dgm:styleDef xmlns:dgm="http://schemas.openxmlformats.org/drawingml/2006/diagram" xmlns:a="http://schemas.openxmlformats.org/drawingml/2006/main" uniqueId="urn:microsoft.com/office/officeart/2005/8/quickstyle/simple1">
+  <dgm:title val=""/>
+  <dgm:desc val=""/>
+  <dgm:catLst>
+    <dgm:cat type="simple" pri="10100"/>
+  </dgm:catLst>
+  <dgm:scene3d>
+    <a:camera prst="orthographicFront"/>
+    <a:lightRig rig="threePt" dir="t"/>
+  </dgm:scene3d>
+  <dgm:styleLbl name="node0">
+    <dgm:scene3d>
+      <a:camera prst="orthographicFront"/>
+      <a:lightRig rig="threePt" dir="t"/>
+    </dgm:scene3d>
+    <dgm:sp3d/>
+    <dgm:txPr/>
+    <dgm:style>
+      <a:lnRef idx="2">
+        <a:scrgbClr r="0" g="0" b="0"/>
+      </a:lnRef>
+      <a:fillRef idx="1">
+        <a:scrgbClr r="0" g="0" b="0"/>
+      </a:fillRef>
+      <a:effectRef idx="0">
+        <a:scrgbClr r="0" g="0" b="0"/>
+      </a:effectRef>
+      <a:fontRef idx="minor">
+        <a:schemeClr val="lt1"/>
+      </a:fontRef>
+    </dgm:style>
+  </dgm:styleLbl>
+  <dgm:styleLbl name="lnNode1">
+    <dgm:scene3d>
+      <a:camera prst="orthographicFront"/>
+      <a:lightRig rig="threePt" dir="t"/>
+    </dgm:scene3d>
+    <dgm:sp3d/>
+    <dgm:txPr/>
+    <dgm:style>
+      <a:lnRef idx="2">
+        <a:scrgbClr r="0" g="0" b="0"/>
+      </a:lnRef>
+      <a:fillRef idx="1">
+        <a:scrgbClr r="0" g="0" b="0"/>
+      </a:fillRef>
+      <a:effectRef idx="0">
+        <a:scrgbClr r="0" g="0" b="0"/>
+      </a:effectRef>
+      <a:fontRef idx="minor">
+        <a:schemeClr val="lt1"/>
+      </a:fontRef>
+    </dgm:style>
+  </dgm:styleLbl>
+  <dgm:styleLbl name="vennNode1">
+    <dgm:scene3d>
+      <a:camera prst="orthographicFront"/>
+      <a:lightRig rig="threePt" dir="t"/>
+    </dgm:scene3d>
+    <dgm:sp3d/>
+    <dgm:txPr/>
+    <dgm:style>
+      <a:lnRef idx="2">
+        <a:scrgbClr r="0" g="0" b="0"/>
+      </a:lnRef>
+      <a:fillRef idx="1">
+        <a:scrgbClr r="0" g="0" b="0"/>
+      </a:fillRef>
+      <a:effectRef idx="0">
+        <a:scrgbClr r="0" g="0" b="0"/>
+      </a:effectRef>
+      <a:fontRef idx="minor">
+        <a:schemeClr val="tx1"/>
+      </a:fontRef>
+    </dgm:style>
+  </dgm:styleLbl>
+  <dgm:styleLbl name="alignNode1">
+    <dgm:scene3d>
+      <a:camera prst="orthographicFront"/>
+      <a:lightRig rig="threePt" dir="t"/>
+    </dgm:scene3d>
+    <dgm:sp3d/>
+    <dgm:txPr/>
+    <dgm:style>
+      <a:lnRef idx="2">
+        <a:scrgbClr r="0" g="0" b="0"/>
+      </a:lnRef>
+      <a:fillRef idx="1">
+        <a:scrgbClr r="0" g="0" b="0"/>
+      </a:fillRef>
+      <a:effectRef idx="0">
+        <a:scrgbClr r="0" g="0" b="0"/>
+      </a:effectRef>
+      <a:fontRef idx="minor">
+        <a:schemeClr val="lt1"/>
+      </a:fontRef>
+    </dgm:style>
+  </dgm:styleLbl>
+  <dgm:styleLbl name="node1">
+    <dgm:scene3d>
+      <a:camera prst="orthographicFront"/>
+      <a:lightRig rig="threePt" dir="t"/>
+    </dgm:scene3d>
+    <dgm:sp3d/>
+    <dgm:txPr/>
+    <dgm:style>
+      <a:lnRef idx="2">
+        <a:scrgbClr r="0" g="0" b="0"/>
+      </a:lnRef>
+      <a:fillRef idx="1">
+        <a:scrgbClr r="0" g="0" b="0"/>
+      </a:fillRef>
+      <a:effectRef idx="0">
+        <a:scrgbClr r="0" g="0" b="0"/>
+      </a:effectRef>
+      <a:fontRef idx="minor">
+        <a:schemeClr val="lt1"/>
+      </a:fontRef>
+    </dgm:style>
+  </dgm:styleLbl>
+  <dgm:styleLbl name="node2">
+    <dgm:scene3d>
+      <a:camera prst="orthographicFront"/>
+      <a:lightRig rig="threePt" dir="t"/>
+    </dgm:scene3d>
+    <dgm:sp3d/>
+    <dgm:txPr/>
+    <dgm:style>
+      <a:lnRef idx="2">
+        <a:scrgbClr r="0" g="0" b="0"/>
+      </a:lnRef>
+      <a:fillRef idx="1">
+        <a:scrgbClr r="0" g="0" b="0"/>
+      </a:fillRef>
+      <a:effectRef idx="0">
+        <a:scrgbClr r="0" g="0" b="0"/>
+      </a:effectRef>
+      <a:fontRef idx="minor">
+        <a:schemeClr val="lt1"/>
+      </a:fontRef>
+    </dgm:style>
+  </dgm:styleLbl>
+  <dgm:styleLbl name="node3">
+    <dgm:scene3d>
+      <a:camera prst="orthographicFront"/>
+      <a:lightRig rig="threePt" dir="t"/>
+    </dgm:scene3d>
+    <dgm:sp3d/>
+    <dgm:txPr/>
+    <dgm:style>
+      <a:lnRef idx="2">
+        <a:scrgbClr r="0" g="0" b="0"/>
+      </a:lnRef>
+      <a:fillRef idx="1">
+        <a:scrgbClr r="0" g="0" b="0"/>
+      </a:fillRef>
+      <a:effectRef idx="0">
+        <a:scrgbClr r="0" g="0" b="0"/>
+      </a:effectRef>
+      <a:fontRef idx="minor">
+        <a:schemeClr val="lt1"/>
+      </a:fontRef>
+    </dgm:style>
+  </dgm:styleLbl>
+  <dgm:styleLbl name="node4">
+    <dgm:scene3d>
+      <a:camera prst="orthographicFront"/>
+      <a:lightRig rig="threePt" dir="t"/>
+    </dgm:scene3d>
+    <dgm:sp3d/>
+    <dgm:txPr/>
+    <dgm:style>
+      <a:lnRef idx="2">
+        <a:scrgbClr r="0" g="0" b="0"/>
+      </a:lnRef>
+      <a:fillRef idx="1">
+        <a:scrgbClr r="0" g="0" b="0"/>
+      </a:fillRef>
+      <a:effectRef idx="0">
+        <a:scrgbClr r="0" g="0" b="0"/>
+      </a:effectRef>
+      <a:fontRef idx="minor">
+        <a:schemeClr val="lt1"/>
+      </a:fontRef>
+    </dgm:style>
+  </dgm:styleLbl>
+  <dgm:styleLbl name="fgImgPlace1">
+    <dgm:scene3d>
+      <a:camera prst="orthographicFront"/>
+      <a:lightRig rig="threePt" dir="t"/>
+    </dgm:scene3d>
+    <dgm:sp3d/>
+    <dgm:txPr/>
+    <dgm:style>
+      <a:lnRef idx="2">
+        <a:scrgbClr r="0" g="0" b="0"/>
+      </a:lnRef>
+      <a:fillRef idx="1">
+        <a:scrgbClr r="0" g="0" b="0"/>
+      </a:fillRef>
+      <a:effectRef idx="0">
+        <a:scrgbClr r="0" g="0" b="0"/>
+      </a:effectRef>
+      <a:fontRef idx="minor"/>
+    </dgm:style>
+  </dgm:styleLbl>
+  <dgm:styleLbl name="alignImgPlace1">
+    <dgm:scene3d>
+      <a:camera prst="orthographicFront"/>
+      <a:lightRig rig="threePt" dir="t"/>
+    </dgm:scene3d>
+    <dgm:sp3d/>
+    <dgm:txPr/>
+    <dgm:style>
+      <a:lnRef idx="2">
+        <a:scrgbClr r="0" g="0" b="0"/>
+      </a:lnRef>
+      <a:fillRef idx="1">
+        <a:scrgbClr r="0" g="0" b="0"/>
+      </a:fillRef>
+      <a:effectRef idx="0">
+        <a:scrgbClr r="0" g="0" b="0"/>
+      </a:effectRef>
+      <a:fontRef idx="minor"/>
+    </dgm:style>
+  </dgm:styleLbl>
+  <dgm:styleLbl name="bgImgPlace1">
+    <dgm:scene3d>
+      <a:camera prst="orthographicFront"/>
+      <a:lightRig rig="threePt" dir="t"/>
+    </dgm:scene3d>
+    <dgm:sp3d/>
+    <dgm:txPr/>
+    <dgm:style>
+      <a:lnRef idx="2">
+        <a:scrgbClr r="0" g="0" b="0"/>
+      </a:lnRef>
+      <a:fillRef idx="1">
+        <a:scrgbClr r="0" g="0" b="0"/>
+      </a:fillRef>
+      <a:effectRef idx="0">
+        <a:scrgbClr r="0" g="0" b="0"/>
+      </a:effectRef>
+      <a:fontRef idx="minor"/>
+    </dgm:style>
+  </dgm:styleLbl>
+  <dgm:styleLbl name="sibTrans2D1">
+    <dgm:scene3d>
+      <a:camera prst="orthographicFront"/>
+      <a:lightRig rig="threePt" dir="t"/>
+    </dgm:scene3d>
+    <dgm:sp3d/>
+    <dgm:txPr/>
+    <dgm:style>
+      <a:lnRef idx="0">
+        <a:scrgbClr r="0" g="0" b="0"/>
+      </a:lnRef>
+      <a:fillRef idx="1">
+        <a:scrgbClr r="0" g="0" b="0"/>
+      </a:fillRef>
+      <a:effectRef idx="0">
+        <a:scrgbClr r="0" g="0" b="0"/>
+      </a:effectRef>
+      <a:fontRef idx="minor">
+        <a:schemeClr val="lt1"/>
+      </a:fontRef>
+    </dgm:style>
+  </dgm:styleLbl>
+  <dgm:styleLbl name="fgSibTrans2D1">
+    <dgm:scene3d>
+      <a:camera prst="orthographicFront"/>
+      <a:lightRig rig="threePt" dir="t"/>
+    </dgm:scene3d>
+    <dgm:sp3d/>
+    <dgm:txPr/>
+    <dgm:style>
+      <a:lnRef idx="0">
+        <a:scrgbClr r="0" g="0" b="0"/>
+      </a:lnRef>
+      <a:fillRef idx="1">
+        <a:scrgbClr r="0" g="0" b="0"/>
+      </a:fillRef>
+      <a:effectRef idx="0">
+        <a:scrgbClr r="0" g="0" b="0"/>
+      </a:effectRef>
+      <a:fontRef idx="minor">
+        <a:schemeClr val="lt1"/>
+      </a:fontRef>
+    </dgm:style>
+  </dgm:styleLbl>
+  <dgm:styleLbl name="bgSibTrans2D1">
+    <dgm:scene3d>
+      <a:camera prst="orthographicFront"/>
+      <a:lightRig rig="threePt" dir="t"/>
+    </dgm:scene3d>
+    <dgm:sp3d/>
+    <dgm:txPr/>
+    <dgm:style>
+      <a:lnRef idx="0">
+        <a:scrgbClr r="0" g="0" b="0"/>
+      </a:lnRef>
+      <a:fillRef idx="1">
+        <a:scrgbClr r="0" g="0" b="0"/>
+      </a:fillRef>
+      <a:effectRef idx="0">
+        <a:scrgbClr r="0" g="0" b="0"/>
+      </a:effectRef>
+      <a:fontRef idx="minor">
+        <a:schemeClr val="lt1"/>
+      </a:fontRef>
+    </dgm:style>
+  </dgm:styleLbl>
+  <dgm:styleLbl name="sibTrans1D1">
+    <dgm:scene3d>
+      <a:camera prst="orthographicFront"/>
+      <a:lightRig rig="threePt" dir="t"/>
+    </dgm:scene3d>
+    <dgm:sp3d/>
+    <dgm:txPr/>
+    <dgm:style>
+      <a:lnRef idx="1">
+        <a:scrgbClr r="0" g="0" b="0"/>
+      </a:lnRef>
+      <a:fillRef idx="0">
+        <a:scrgbClr r="0" g="0" b="0"/>
+      </a:fillRef>
+      <a:effectRef idx="0">
+        <a:scrgbClr r="0" g="0" b="0"/>
+      </a:effectRef>
+      <a:fontRef idx="minor"/>
+    </dgm:style>
+  </dgm:styleLbl>
+  <dgm:styleLbl name="callout">
+    <dgm:scene3d>
+      <a:camera prst="orthographicFront"/>
+      <a:lightRig rig="threePt" dir="t"/>
+    </dgm:scene3d>
+    <dgm:sp3d/>
+    <dgm:txPr/>
+    <dgm:style>
+      <a:lnRef idx="2">
+        <a:scrgbClr r="0" g="0" b="0"/>
+      </a:lnRef>
+      <a:fillRef idx="1">
+        <a:scrgbClr r="0" g="0" b="0"/>
+      </a:fillRef>
+      <a:effectRef idx="0">
+        <a:scrgbClr r="0" g="0" b="0"/>
+      </a:effectRef>
+      <a:fontRef idx="minor"/>
+    </dgm:style>
+  </dgm:styleLbl>
+  <dgm:styleLbl name="asst0">
+    <dgm:scene3d>
+      <a:camera prst="orthographicFront"/>
+      <a:lightRig rig="threePt" dir="t"/>
+    </dgm:scene3d>
+    <dgm:sp3d/>
+    <dgm:txPr/>
+    <dgm:style>
+      <a:lnRef idx="2">
+        <a:scrgbClr r="0" g="0" b="0"/>
+      </a:lnRef>
+      <a:fillRef idx="1">
+        <a:scrgbClr r="0" g="0" b="0"/>
+      </a:fillRef>
+      <a:effectRef idx="0">
+        <a:scrgbClr r="0" g="0" b="0"/>
+      </a:effectRef>
+      <a:fontRef idx="minor">
+        <a:schemeClr val="lt1"/>
+      </a:fontRef>
+    </dgm:style>
+  </dgm:styleLbl>
+  <dgm:styleLbl name="asst1">
+    <dgm:scene3d>
+      <a:camera prst="orthographicFront"/>
+      <a:lightRig rig="threePt" dir="t"/>
+    </dgm:scene3d>
+    <dgm:sp3d/>
+    <dgm:txPr/>
+    <dgm:style>
+      <a:lnRef idx="2">
+        <a:scrgbClr r="0" g="0" b="0"/>
+      </a:lnRef>
+      <a:fillRef idx="1">
+        <a:scrgbClr r="0" g="0" b="0"/>
+      </a:fillRef>
+      <a:effectRef idx="0">
+        <a:scrgbClr r="0" g="0" b="0"/>
+      </a:effectRef>
+      <a:fontRef idx="minor">
+        <a:schemeClr val="lt1"/>
+      </a:fontRef>
+    </dgm:style>
+  </dgm:styleLbl>
+  <dgm:styleLbl name="asst2">
+    <dgm:scene3d>
+      <a:camera prst="orthographicFront"/>
+      <a:lightRig rig="threePt" dir="t"/>
+    </dgm:scene3d>
+    <dgm:sp3d/>
+    <dgm:txPr/>
+    <dgm:style>
+      <a:lnRef idx="2">
+        <a:scrgbClr r="0" g="0" b="0"/>
+      </a:lnRef>
+      <a:fillRef idx="1">
+        <a:scrgbClr r="0" g="0" b="0"/>
+      </a:fillRef>
+      <a:effectRef idx="0">
+        <a:scrgbClr r="0" g="0" b="0"/>
+      </a:effectRef>
+      <a:fontRef idx="minor">
+        <a:schemeClr val="lt1"/>
+      </a:fontRef>
+    </dgm:style>
+  </dgm:styleLbl>
+  <dgm:styleLbl name="asst3">
+    <dgm:scene3d>
+      <a:camera prst="orthographicFront"/>
+      <a:lightRig rig="threePt" dir="t"/>
+    </dgm:scene3d>
+    <dgm:sp3d/>
+    <dgm:txPr/>
+    <dgm:style>
+      <a:lnRef idx="2">
+        <a:scrgbClr r="0" g="0" b="0"/>
+      </a:lnRef>
+      <a:fillRef idx="1">
+        <a:scrgbClr r="0" g="0" b="0"/>
+      </a:fillRef>
+      <a:effectRef idx="0">
+        <a:scrgbClr r="0" g="0" b="0"/>
+      </a:effectRef>
+      <a:fontRef idx="minor">
+        <a:schemeClr val="lt1"/>
+      </a:fontRef>
+    </dgm:style>
+  </dgm:styleLbl>
+  <dgm:styleLbl name="asst4">
+    <dgm:scene3d>
+      <a:camera prst="orthographicFront"/>
+      <a:lightRig rig="threePt" dir="t"/>
+    </dgm:scene3d>
+    <dgm:sp3d/>
+    <dgm:txPr/>
+    <dgm:style>
+      <a:lnRef idx="2">
+        <a:scrgbClr r="0" g="0" b="0"/>
+      </a:lnRef>
+      <a:fillRef idx="1">
+        <a:scrgbClr r="0" g="0" b="0"/>
+      </a:fillRef>
+      <a:effectRef idx="0">
+        <a:scrgbClr r="0" g="0" b="0"/>
+      </a:effectRef>
+      <a:fontRef idx="minor">
+        <a:schemeClr val="lt1"/>
+      </a:fontRef>
+    </dgm:style>
+  </dgm:styleLbl>
+  <dgm:styleLbl name="parChTrans2D1">
+    <dgm:scene3d>
+      <a:camera prst="orthographicFront"/>
+      <a:lightRig rig="threePt" dir="t"/>
+    </dgm:scene3d>
+    <dgm:sp3d/>
+    <dgm:txPr/>
+    <dgm:style>
+      <a:lnRef idx="2">
+        <a:scrgbClr r="0" g="0" b="0"/>
+      </a:lnRef>
+      <a:fillRef idx="1">
+        <a:scrgbClr r="0" g="0" b="0"/>
+      </a:fillRef>
+      <a:effectRef idx="0">
+        <a:scrgbClr r="0" g="0" b="0"/>
+      </a:effectRef>
+      <a:fontRef idx="minor">
+        <a:schemeClr val="lt1"/>
+      </a:fontRef>
+    </dgm:style>
+  </dgm:styleLbl>
+  <dgm:styleLbl name="parChTrans2D2">
+    <dgm:scene3d>
+      <a:camera prst="orthographicFront"/>
+      <a:lightRig rig="threePt" dir="t"/>
+    </dgm:scene3d>
+    <dgm:sp3d/>
+    <dgm:txPr/>
+    <dgm:style>
+      <a:lnRef idx="2">
+        <a:scrgbClr r="0" g="0" b="0"/>
+      </a:lnRef>
+      <a:fillRef idx="1">
+        <a:scrgbClr r="0" g="0" b="0"/>
+      </a:fillRef>
+      <a:effectRef idx="0">
+        <a:scrgbClr r="0" g="0" b="0"/>
+      </a:effectRef>
+      <a:fontRef idx="minor">
+        <a:schemeClr val="lt1"/>
+      </a:fontRef>
+    </dgm:style>
+  </dgm:styleLbl>
+  <dgm:styleLbl name="parChTrans2D3">
+    <dgm:scene3d>
+      <a:camera prst="orthographicFront"/>
+      <a:lightRig rig="threePt" dir="t"/>
+    </dgm:scene3d>
+    <dgm:sp3d/>
+    <dgm:txPr/>
+    <dgm:style>
+      <a:lnRef idx="2">
+        <a:scrgbClr r="0" g="0" b="0"/>
+      </a:lnRef>
+      <a:fillRef idx="1">
+        <a:scrgbClr r="0" g="0" b="0"/>
+      </a:fillRef>
+      <a:effectRef idx="0">
+        <a:scrgbClr r="0" g="0" b="0"/>
+      </a:effectRef>
+      <a:fontRef idx="minor">
+        <a:schemeClr val="lt1"/>
+      </a:fontRef>
+    </dgm:style>
+  </dgm:styleLbl>
+  <dgm:styleLbl name="parChTrans2D4">
+    <dgm:scene3d>
+      <a:camera prst="orthographicFront"/>
+      <a:lightRig rig="threePt" dir="t"/>
+    </dgm:scene3d>
+    <dgm:sp3d/>
+    <dgm:txPr/>
+    <dgm:style>
+      <a:lnRef idx="2">
+        <a:scrgbClr r="0" g="0" b="0"/>
+      </a:lnRef>
+      <a:fillRef idx="1">
+        <a:scrgbClr r="0" g="0" b="0"/>
+      </a:fillRef>
+      <a:effectRef idx="0">
+        <a:scrgbClr r="0" g="0" b="0"/>
+      </a:effectRef>
+      <a:fontRef idx="minor">
+        <a:schemeClr val="lt1"/>
+      </a:fontRef>
+    </dgm:style>
+  </dgm:styleLbl>
+  <dgm:styleLbl name="parChTrans1D1">
+    <dgm:scene3d>
+      <a:camera prst="orthographicFront"/>
+      <a:lightRig rig="threePt" dir="t"/>
+    </dgm:scene3d>
+    <dgm:sp3d/>
+    <dgm:txPr/>
+    <dgm:style>
+      <a:lnRef idx="2">
+        <a:scrgbClr r="0" g="0" b="0"/>
+      </a:lnRef>
+      <a:fillRef idx="0">
+        <a:scrgbClr r="0" g="0" b="0"/>
+      </a:fillRef>
+      <a:effectRef idx="0">
+        <a:scrgbClr r="0" g="0" b="0"/>
+      </a:effectRef>
+      <a:fontRef idx="minor"/>
+    </dgm:style>
+  </dgm:styleLbl>
+  <dgm:styleLbl name="parChTrans1D2">
+    <dgm:scene3d>
+      <a:camera prst="orthographicFront"/>
+      <a:lightRig rig="threePt" dir="t"/>
+    </dgm:scene3d>
+    <dgm:sp3d/>
+    <dgm:txPr/>
+    <dgm:style>
+      <a:lnRef idx="2">
+        <a:scrgbClr r="0" g="0" b="0"/>
+      </a:lnRef>
+      <a:fillRef idx="0">
+        <a:scrgbClr r="0" g="0" b="0"/>
+      </a:fillRef>
+      <a:effectRef idx="0">
+        <a:scrgbClr r="0" g="0" b="0"/>
+      </a:effectRef>
+      <a:fontRef idx="minor"/>
+    </dgm:style>
+  </dgm:styleLbl>
+  <dgm:styleLbl name="parChTrans1D3">
+    <dgm:scene3d>
+      <a:camera prst="orthographicFront"/>
+      <a:lightRig rig="threePt" dir="t"/>
+    </dgm:scene3d>
+    <dgm:sp3d/>
+    <dgm:txPr/>
+    <dgm:style>
+      <a:lnRef idx="2">
+        <a:scrgbClr r="0" g="0" b="0"/>
+      </a:lnRef>
+      <a:fillRef idx="0">
+        <a:scrgbClr r="0" g="0" b="0"/>
+      </a:fillRef>
+      <a:effectRef idx="0">
+        <a:scrgbClr r="0" g="0" b="0"/>
+      </a:effectRef>
+      <a:fontRef idx="minor"/>
+    </dgm:style>
+  </dgm:styleLbl>
+  <dgm:styleLbl name="parChTrans1D4">
+    <dgm:scene3d>
+      <a:camera prst="orthographicFront"/>
+      <a:lightRig rig="threePt" dir="t"/>
+    </dgm:scene3d>
+    <dgm:sp3d/>
+    <dgm:txPr/>
+    <dgm:style>
+      <a:lnRef idx="2">
+        <a:scrgbClr r="0" g="0" b="0"/>
+      </a:lnRef>
+      <a:fillRef idx="0">
+        <a:scrgbClr r="0" g="0" b="0"/>
+      </a:fillRef>
+      <a:effectRef idx="0">
+        <a:scrgbClr r="0" g="0" b="0"/>
+      </a:effectRef>
+      <a:fontRef idx="minor"/>
+    </dgm:style>
+  </dgm:styleLbl>
+  <dgm:styleLbl name="fgAcc1">
+    <dgm:scene3d>
+      <a:camera prst="orthographicFront"/>
+      <a:lightRig rig="threePt" dir="t"/>
+    </dgm:scene3d>
+    <dgm:sp3d/>
+    <dgm:txPr/>
+    <dgm:style>
+      <a:lnRef idx="2">
+        <a:scrgbClr r="0" g="0" b="0"/>
+      </a:lnRef>
+      <a:fillRef idx="1">
+        <a:scrgbClr r="0" g="0" b="0"/>
+      </a:fillRef>
+      <a:effectRef idx="0">
+        <a:scrgbClr r="0" g="0" b="0"/>
+      </a:effectRef>
+      <a:fontRef idx="minor"/>
+    </dgm:style>
+  </dgm:styleLbl>
+  <dgm:styleLbl name="conFgAcc1">
+    <dgm:scene3d>
+      <a:camera prst="orthographicFront"/>
+      <a:lightRig rig="threePt" dir="t"/>
+    </dgm:scene3d>
+    <dgm:sp3d/>
+    <dgm:txPr/>
+    <dgm:style>
+      <a:lnRef idx="2">
+        <a:scrgbClr r="0" g="0" b="0"/>
+      </a:lnRef>
+      <a:fillRef idx="1">
+        <a:scrgbClr r="0" g="0" b="0"/>
+      </a:fillRef>
+      <a:effectRef idx="0">
+        <a:scrgbClr r="0" g="0" b="0"/>
+      </a:effectRef>
+      <a:fontRef idx="minor"/>
+    </dgm:style>
+  </dgm:styleLbl>
+  <dgm:styleLbl name="alignAcc1">
+    <dgm:scene3d>
+      <a:camera prst="orthographicFront"/>
+      <a:lightRig rig="threePt" dir="t"/>
+    </dgm:scene3d>
+    <dgm:sp3d/>
+    <dgm:txPr/>
+    <dgm:style>
+      <a:lnRef idx="2">
+        <a:scrgbClr r="0" g="0" b="0"/>
+      </a:lnRef>
+      <a:fillRef idx="1">
+        <a:scrgbClr r="0" g="0" b="0"/>
+      </a:fillRef>
+      <a:effectRef idx="0">
+        <a:scrgbClr r="0" g="0" b="0"/>
+      </a:effectRef>
+      <a:fontRef idx="minor"/>
+    </dgm:style>
+  </dgm:styleLbl>
+  <dgm:styleLbl name="trAlignAcc1">
+    <dgm:scene3d>
+      <a:camera prst="orthographicFront"/>
+      <a:lightRig rig="threePt" dir="t"/>
+    </dgm:scene3d>
+    <dgm:sp3d/>
+    <dgm:txPr/>
+    <dgm:style>
+      <a:lnRef idx="1">
+        <a:scrgbClr r="0" g="0" b="0"/>
+      </a:lnRef>
+      <a:fillRef idx="1">
+        <a:scrgbClr r="0" g="0" b="0"/>
+      </a:fillRef>
+      <a:effectRef idx="0">
+        <a:scrgbClr r="0" g="0" b="0"/>
+      </a:effectRef>
+      <a:fontRef idx="minor"/>
+    </dgm:style>
+  </dgm:styleLbl>
+  <dgm:styleLbl name="bgAcc1">
+    <dgm:scene3d>
+      <a:camera prst="orthographicFront"/>
+      <a:lightRig rig="threePt" dir="t"/>
+    </dgm:scene3d>
+    <dgm:sp3d/>
+    <dgm:txPr/>
+    <dgm:style>
+      <a:lnRef idx="2">
+        <a:scrgbClr r="0" g="0" b="0"/>
+      </a:lnRef>
+      <a:fillRef idx="1">
+        <a:scrgbClr r="0" g="0" b="0"/>
+      </a:fillRef>
+      <a:effectRef idx="0">
+        <a:scrgbClr r="0" g="0" b="0"/>
+      </a:effectRef>
+      <a:fontRef idx="minor"/>
+    </dgm:style>
+  </dgm:styleLbl>
+  <dgm:styleLbl name="solidFgAcc1">
+    <dgm:scene3d>
+      <a:camera prst="orthographicFront"/>
+      <a:lightRig rig="threePt" dir="t"/>
+    </dgm:scene3d>
+    <dgm:sp3d/>
+    <dgm:txPr/>
+    <dgm:style>
+      <a:lnRef idx="2">
+        <a:scrgbClr r="0" g="0" b="0"/>
+      </a:lnRef>
+      <a:fillRef idx="1">
+        <a:scrgbClr r="0" g="0" b="0"/>
+      </a:fillRef>
+      <a:effectRef idx="0">
+        <a:scrgbClr r="0" g="0" b="0"/>
+      </a:effectRef>
+      <a:fontRef idx="minor"/>
+    </dgm:style>
+  </dgm:styleLbl>
+  <dgm:styleLbl name="solidAlignAcc1">
+    <dgm:scene3d>
+      <a:camera prst="orthographicFront"/>
+      <a:lightRig rig="threePt" dir="t"/>
+    </dgm:scene3d>
+    <dgm:sp3d/>
+    <dgm:txPr/>
+    <dgm:style>
+      <a:lnRef idx="2">
+        <a:scrgbClr r="0" g="0" b="0"/>
+      </a:lnRef>
+      <a:fillRef idx="1">
+        <a:scrgbClr r="0" g="0" b="0"/>
+      </a:fillRef>
+      <a:effectRef idx="0">
+        <a:scrgbClr r="0" g="0" b="0"/>
+      </a:effectRef>
+      <a:fontRef idx="minor"/>
+    </dgm:style>
+  </dgm:styleLbl>
+  <dgm:styleLbl name="solidBgAcc1">
+    <dgm:scene3d>
+      <a:camera prst="orthographicFront"/>
+      <a:lightRig rig="threePt" dir="t"/>
+    </dgm:scene3d>
+    <dgm:sp3d/>
+    <dgm:txPr/>
+    <dgm:style>
+      <a:lnRef idx="2">
+        <a:scrgbClr r="0" g="0" b="0"/>
+      </a:lnRef>
+      <a:fillRef idx="1">
+        <a:scrgbClr r="0" g="0" b="0"/>
+      </a:fillRef>
+      <a:effectRef idx="0">
+        <a:scrgbClr r="0" g="0" b="0"/>
+      </a:effectRef>
+      <a:fontRef idx="minor"/>
+    </dgm:style>
+  </dgm:styleLbl>
+  <dgm:styleLbl name="fgAccFollowNode1">
+    <dgm:scene3d>
+      <a:camera prst="orthographicFront"/>
+      <a:lightRig rig="threePt" dir="t"/>
+    </dgm:scene3d>
+    <dgm:sp3d/>
+    <dgm:txPr/>
+    <dgm:style>
+      <a:lnRef idx="2">
+        <a:scrgbClr r="0" g="0" b="0"/>
+      </a:lnRef>
+      <a:fillRef idx="1">
+        <a:scrgbClr r="0" g="0" b="0"/>
+      </a:fillRef>
+      <a:effectRef idx="0">
+        <a:scrgbClr r="0" g="0" b="0"/>
+      </a:effectRef>
+      <a:fontRef idx="minor"/>
+    </dgm:style>
+  </dgm:styleLbl>
+  <dgm:styleLbl name="alignAccFollowNode1">
+    <dgm:scene3d>
+      <a:camera prst="orthographicFront"/>
+      <a:lightRig rig="threePt" dir="t"/>
+    </dgm:scene3d>
+    <dgm:sp3d/>
+    <dgm:txPr/>
+    <dgm:style>
+      <a:lnRef idx="2">
+        <a:scrgbClr r="0" g="0" b="0"/>
+      </a:lnRef>
+      <a:fillRef idx="1">
+        <a:scrgbClr r="0" g="0" b="0"/>
+      </a:fillRef>
+      <a:effectRef idx="0">
+        <a:scrgbClr r="0" g="0" b="0"/>
+      </a:effectRef>
+      <a:fontRef idx="minor"/>
+    </dgm:style>
+  </dgm:styleLbl>
+  <dgm:styleLbl name="bgAccFollowNode1">
+    <dgm:scene3d>
+      <a:camera prst="orthographicFront"/>
+      <a:lightRig rig="threePt" dir="t"/>
+    </dgm:scene3d>
+    <dgm:sp3d/>
+    <dgm:txPr/>
+    <dgm:style>
+      <a:lnRef idx="2">
+        <a:scrgbClr r="0" g="0" b="0"/>
+      </a:lnRef>
+      <a:fillRef idx="1">
+        <a:scrgbClr r="0" g="0" b="0"/>
+      </a:fillRef>
+      <a:effectRef idx="0">
+        <a:scrgbClr r="0" g="0" b="0"/>
+      </a:effectRef>
+      <a:fontRef idx="minor"/>
+    </dgm:style>
+  </dgm:styleLbl>
+  <dgm:styleLbl name="fgAcc0">
+    <dgm:scene3d>
+      <a:camera prst="orthographicFront"/>
+      <a:lightRig rig="threePt" dir="t"/>
+    </dgm:scene3d>
+    <dgm:sp3d/>
+    <dgm:txPr/>
+    <dgm:style>
+      <a:lnRef idx="2">
+        <a:scrgbClr r="0" g="0" b="0"/>
+      </a:lnRef>
+      <a:fillRef idx="1">
+        <a:scrgbClr r="0" g="0" b="0"/>
+      </a:fillRef>
+      <a:effectRef idx="0">
+        <a:scrgbClr r="0" g="0" b="0"/>
+      </a:effectRef>
+      <a:fontRef idx="minor"/>
+    </dgm:style>
+  </dgm:styleLbl>
+  <dgm:styleLbl name="fgAcc2">
+    <dgm:scene3d>
+      <a:camera prst="orthographicFront"/>
+      <a:lightRig rig="threePt" dir="t"/>
+    </dgm:scene3d>
+    <dgm:sp3d/>
+    <dgm:txPr/>
+    <dgm:style>
+      <a:lnRef idx="2">
+        <a:scrgbClr r="0" g="0" b="0"/>
+      </a:lnRef>
+      <a:fillRef idx="1">
+        <a:scrgbClr r="0" g="0" b="0"/>
+      </a:fillRef>
+      <a:effectRef idx="0">
+        <a:scrgbClr r="0" g="0" b="0"/>
+      </a:effectRef>
+      <a:fontRef idx="minor"/>
+    </dgm:style>
+  </dgm:styleLbl>
+  <dgm:styleLbl name="fgAcc3">
+    <dgm:scene3d>
+      <a:camera prst="orthographicFront"/>
+      <a:lightRig rig="threePt" dir="t"/>
+    </dgm:scene3d>
+    <dgm:sp3d/>
+    <dgm:txPr/>
+    <dgm:style>
+      <a:lnRef idx="2">
+        <a:scrgbClr r="0" g="0" b="0"/>
+      </a:lnRef>
+      <a:fillRef idx="1">
+        <a:scrgbClr r="0" g="0" b="0"/>
+      </a:fillRef>
+      <a:effectRef idx="0">
+        <a:scrgbClr r="0" g="0" b="0"/>
+      </a:effectRef>
+      <a:fontRef idx="minor"/>
+    </dgm:style>
+  </dgm:styleLbl>
+  <dgm:styleLbl name="fgAcc4">
+    <dgm:scene3d>
+      <a:camera prst="orthographicFront"/>
+      <a:lightRig rig="threePt" dir="t"/>
+    </dgm:scene3d>
+    <dgm:sp3d/>
+    <dgm:txPr/>
+    <dgm:style>
+      <a:lnRef idx="2">
+        <a:scrgbClr r="0" g="0" b="0"/>
+      </a:lnRef>
+      <a:fillRef idx="1">
+        <a:scrgbClr r="0" g="0" b="0"/>
+      </a:fillRef>
+      <a:effectRef idx="0">
+        <a:scrgbClr r="0" g="0" b="0"/>
+      </a:effectRef>
+      <a:fontRef idx="minor"/>
+    </dgm:style>
+  </dgm:styleLbl>
+  <dgm:styleLbl name="bgShp">
+    <dgm:scene3d>
+      <a:camera prst="orthographicFront"/>
+      <a:lightRig rig="threePt" dir="t"/>
+    </dgm:scene3d>
+    <dgm:sp3d/>
+    <dgm:txPr/>
+    <dgm:style>
+      <a:lnRef idx="0">
+        <a:scrgbClr r="0" g="0" b="0"/>
+      </a:lnRef>
+      <a:fillRef idx="1">
+        <a:scrgbClr r="0" g="0" b="0"/>
+      </a:fillRef>
+      <a:effectRef idx="0">
+        <a:scrgbClr r="0" g="0" b="0"/>
+      </a:effectRef>
+      <a:fontRef idx="minor"/>
+    </dgm:style>
+  </dgm:styleLbl>
+  <dgm:styleLbl name="dkBgShp">
+    <dgm:scene3d>
+      <a:camera prst="orthographicFront"/>
+      <a:lightRig rig="threePt" dir="t"/>
+    </dgm:scene3d>
+    <dgm:sp3d/>
+    <dgm:txPr/>
+    <dgm:style>
+      <a:lnRef idx="0">
+        <a:scrgbClr r="0" g="0" b="0"/>
+      </a:lnRef>
+      <a:fillRef idx="1">
+        <a:scrgbClr r="0" g="0" b="0"/>
+      </a:fillRef>
+      <a:effectRef idx="0">
+        <a:scrgbClr r="0" g="0" b="0"/>
+      </a:effectRef>
+      <a:fontRef idx="minor"/>
+    </dgm:style>
+  </dgm:styleLbl>
+  <dgm:styleLbl name="trBgShp">
+    <dgm:scene3d>
+      <a:camera prst="orthographicFront"/>
+      <a:lightRig rig="threePt" dir="t"/>
+    </dgm:scene3d>
+    <dgm:sp3d/>
+    <dgm:txPr/>
+    <dgm:style>
+      <a:lnRef idx="0">
+        <a:scrgbClr r="0" g="0" b="0"/>
+      </a:lnRef>
+      <a:fillRef idx="1">
+        <a:scrgbClr r="0" g="0" b="0"/>
+      </a:fillRef>
+      <a:effectRef idx="0">
+        <a:scrgbClr r="0" g="0" b="0"/>
+      </a:effectRef>
+      <a:fontRef idx="minor"/>
+    </dgm:style>
+  </dgm:styleLbl>
+  <dgm:styleLbl name="fgShp">
+    <dgm:scene3d>
+      <a:camera prst="orthographicFront"/>
+      <a:lightRig rig="threePt" dir="t"/>
+    </dgm:scene3d>
+    <dgm:sp3d/>
+    <dgm:txPr/>
+    <dgm:style>
+      <a:lnRef idx="2">
+        <a:scrgbClr r="0" g="0" b="0"/>
+      </a:lnRef>
+      <a:fillRef idx="1">
+        <a:scrgbClr r="0" g="0" b="0"/>
+      </a:fillRef>
+      <a:effectRef idx="0">
+        <a:scrgbClr r="0" g="0" b="0"/>
+      </a:effectRef>
+      <a:fontRef idx="minor"/>
+    </dgm:style>
+  </dgm:styleLbl>
+  <dgm:styleLbl name="revTx">
+    <dgm:scene3d>
+      <a:camera prst="orthographicFront"/>
+      <a:lightRig rig="threePt" dir="t"/>
+    </dgm:scene3d>
+    <dgm:sp3d/>
+    <dgm:txPr/>
+    <dgm:style>
+      <a:lnRef idx="0">
+        <a:scrgbClr r="0" g="0" b="0"/>
+      </a:lnRef>
+      <a:fillRef idx="0">
+        <a:scrgbClr r="0" g="0" b="0"/>
+      </a:fillRef>
+      <a:effectRef idx="0">
+        <a:scrgbClr r="0" g="0" b="0"/>
+      </a:effectRef>
+      <a:fontRef idx="minor"/>
+    </dgm:style>
+  </dgm:styleLbl>
+</dgm:styleDef>
+</file>
+
+<file path=ppt/diagrams/quickStyle6.xml><?xml version="1.0" encoding="utf-8"?>
 <dgm:styleDef xmlns:dgm="http://schemas.openxmlformats.org/drawingml/2006/diagram" xmlns:a="http://schemas.openxmlformats.org/drawingml/2006/main" uniqueId="urn:microsoft.com/office/officeart/2005/8/quickstyle/simple1">
   <dgm:title val=""/>
   <dgm:desc val=""/>
@@ -29774,11 +32842,8 @@
             <a:pPr lvl="1"/>
             <a:r>
               <a:rPr lang="en-US" dirty="0"/>
-              <a:t>Connections made at hidden layer where representations are 1D</a:t>
+              <a:t>Connections made at hidden layer</a:t>
             </a:r>
-          </a:p>
-          <a:p>
-            <a:endParaRPr lang="en-US" dirty="0"/>
           </a:p>
           <a:p>
             <a:endParaRPr lang="en-US" dirty="0"/>
@@ -33032,6 +36097,282 @@
     <p:bg>
       <p:bgPr>
         <a:solidFill>
+          <a:schemeClr val="bg1"/>
+        </a:solidFill>
+        <a:effectLst/>
+      </p:bgPr>
+    </p:bg>
+    <p:spTree>
+      <p:nvGrpSpPr>
+        <p:cNvPr id="1" name=""/>
+        <p:cNvGrpSpPr/>
+        <p:nvPr/>
+      </p:nvGrpSpPr>
+      <p:grpSpPr>
+        <a:xfrm>
+          <a:off x="0" y="0"/>
+          <a:ext cx="0" cy="0"/>
+          <a:chOff x="0" y="0"/>
+          <a:chExt cx="0" cy="0"/>
+        </a:xfrm>
+      </p:grpSpPr>
+      <p:sp useBgFill="1">
+        <p:nvSpPr>
+          <p:cNvPr id="12" name="Rectangle 11">
+            <a:extLst>
+              <a:ext uri="{FF2B5EF4-FFF2-40B4-BE49-F238E27FC236}">
+                <a16:creationId xmlns:a16="http://schemas.microsoft.com/office/drawing/2014/main" id="{876248C8-0720-48AB-91BA-5F530BB41E5E}"/>
+              </a:ext>
+              <a:ext uri="{C183D7F6-B498-43B3-948B-1728B52AA6E4}">
+                <adec:decorative xmlns:adec="http://schemas.microsoft.com/office/drawing/2017/decorative" val="1"/>
+              </a:ext>
+            </a:extLst>
+          </p:cNvPr>
+          <p:cNvSpPr>
+            <a:spLocks noGrp="1" noRot="1" noChangeAspect="1" noMove="1" noResize="1" noEditPoints="1" noAdjustHandles="1" noChangeArrowheads="1" noChangeShapeType="1" noTextEdit="1"/>
+          </p:cNvSpPr>
+          <p:nvPr>
+            <p:extLst>
+              <p:ext uri="{386F3935-93C4-4BCD-93E2-E3B085C9AB24}">
+                <p16:designElem xmlns:p16="http://schemas.microsoft.com/office/powerpoint/2015/main" val="1"/>
+              </p:ext>
+            </p:extLst>
+          </p:nvPr>
+        </p:nvSpPr>
+        <p:spPr>
+          <a:xfrm>
+            <a:off x="-1" y="0"/>
+            <a:ext cx="12220924" cy="6858000"/>
+          </a:xfrm>
+          <a:prstGeom prst="rect">
+            <a:avLst/>
+          </a:prstGeom>
+          <a:ln>
+            <a:noFill/>
+          </a:ln>
+        </p:spPr>
+        <p:style>
+          <a:lnRef idx="2">
+            <a:schemeClr val="accent1">
+              <a:shade val="50000"/>
+            </a:schemeClr>
+          </a:lnRef>
+          <a:fillRef idx="1">
+            <a:schemeClr val="accent1"/>
+          </a:fillRef>
+          <a:effectRef idx="0">
+            <a:schemeClr val="accent1"/>
+          </a:effectRef>
+          <a:fontRef idx="minor">
+            <a:schemeClr val="lt1"/>
+          </a:fontRef>
+        </p:style>
+        <p:txBody>
+          <a:bodyPr rtlCol="0" anchor="ctr"/>
+          <a:lstStyle/>
+          <a:p>
+            <a:pPr algn="ctr"/>
+            <a:endParaRPr lang="en-US"/>
+          </a:p>
+        </p:txBody>
+      </p:sp>
+      <p:sp>
+        <p:nvSpPr>
+          <p:cNvPr id="5" name="Title 4">
+            <a:extLst>
+              <a:ext uri="{FF2B5EF4-FFF2-40B4-BE49-F238E27FC236}">
+                <a16:creationId xmlns:a16="http://schemas.microsoft.com/office/drawing/2014/main" id="{09C0C603-5350-4F2B-8273-F3FAE9901A6C}"/>
+              </a:ext>
+            </a:extLst>
+          </p:cNvPr>
+          <p:cNvSpPr>
+            <a:spLocks noGrp="1"/>
+          </p:cNvSpPr>
+          <p:nvPr>
+            <p:ph type="title"/>
+          </p:nvPr>
+        </p:nvSpPr>
+        <p:spPr>
+          <a:xfrm>
+            <a:off x="1261871" y="365760"/>
+            <a:ext cx="9858383" cy="1325562"/>
+          </a:xfrm>
+        </p:spPr>
+        <p:txBody>
+          <a:bodyPr>
+            <a:normAutofit/>
+          </a:bodyPr>
+          <a:lstStyle/>
+          <a:p>
+            <a:r>
+              <a:rPr lang="en-US" dirty="0"/>
+              <a:t>Evaluating a Model</a:t>
+            </a:r>
+          </a:p>
+        </p:txBody>
+      </p:sp>
+      <p:sp>
+        <p:nvSpPr>
+          <p:cNvPr id="14" name="Rectangle 13">
+            <a:extLst>
+              <a:ext uri="{FF2B5EF4-FFF2-40B4-BE49-F238E27FC236}">
+                <a16:creationId xmlns:a16="http://schemas.microsoft.com/office/drawing/2014/main" id="{523BEDA7-D0B8-4802-8168-92452653BC9F}"/>
+              </a:ext>
+              <a:ext uri="{C183D7F6-B498-43B3-948B-1728B52AA6E4}">
+                <adec:decorative xmlns:adec="http://schemas.microsoft.com/office/drawing/2017/decorative" val="1"/>
+              </a:ext>
+            </a:extLst>
+          </p:cNvPr>
+          <p:cNvSpPr>
+            <a:spLocks noGrp="1" noRot="1" noChangeAspect="1" noMove="1" noResize="1" noEditPoints="1" noAdjustHandles="1" noChangeArrowheads="1" noChangeShapeType="1" noTextEdit="1"/>
+          </p:cNvSpPr>
+          <p:nvPr>
+            <p:extLst>
+              <p:ext uri="{386F3935-93C4-4BCD-93E2-E3B085C9AB24}">
+                <p16:designElem xmlns:p16="http://schemas.microsoft.com/office/powerpoint/2015/main" val="1"/>
+              </p:ext>
+            </p:extLst>
+          </p:nvPr>
+        </p:nvSpPr>
+        <p:spPr>
+          <a:xfrm>
+            <a:off x="0" y="0"/>
+            <a:ext cx="914400" cy="6858000"/>
+          </a:xfrm>
+          <a:prstGeom prst="rect">
+            <a:avLst/>
+          </a:prstGeom>
+          <a:solidFill>
+            <a:schemeClr val="tx2">
+              <a:lumMod val="75000"/>
+            </a:schemeClr>
+          </a:solidFill>
+          <a:ln>
+            <a:noFill/>
+          </a:ln>
+        </p:spPr>
+        <p:style>
+          <a:lnRef idx="2">
+            <a:schemeClr val="accent1">
+              <a:shade val="50000"/>
+            </a:schemeClr>
+          </a:lnRef>
+          <a:fillRef idx="1">
+            <a:schemeClr val="accent1"/>
+          </a:fillRef>
+          <a:effectRef idx="0">
+            <a:schemeClr val="accent1"/>
+          </a:effectRef>
+          <a:fontRef idx="minor">
+            <a:schemeClr val="lt1"/>
+          </a:fontRef>
+        </p:style>
+      </p:sp>
+      <p:sp>
+        <p:nvSpPr>
+          <p:cNvPr id="16" name="Rectangle 15">
+            <a:extLst>
+              <a:ext uri="{FF2B5EF4-FFF2-40B4-BE49-F238E27FC236}">
+                <a16:creationId xmlns:a16="http://schemas.microsoft.com/office/drawing/2014/main" id="{D2EFF34B-7B1A-4F9D-8CEE-A40962BC7C21}"/>
+              </a:ext>
+              <a:ext uri="{C183D7F6-B498-43B3-948B-1728B52AA6E4}">
+                <adec:decorative xmlns:adec="http://schemas.microsoft.com/office/drawing/2017/decorative" val="1"/>
+              </a:ext>
+            </a:extLst>
+          </p:cNvPr>
+          <p:cNvSpPr>
+            <a:spLocks noGrp="1" noRot="1" noChangeAspect="1" noMove="1" noResize="1" noEditPoints="1" noAdjustHandles="1" noChangeArrowheads="1" noChangeShapeType="1" noTextEdit="1"/>
+          </p:cNvSpPr>
+          <p:nvPr>
+            <p:extLst>
+              <p:ext uri="{386F3935-93C4-4BCD-93E2-E3B085C9AB24}">
+                <p16:designElem xmlns:p16="http://schemas.microsoft.com/office/powerpoint/2015/main" val="1"/>
+              </p:ext>
+            </p:extLst>
+          </p:nvPr>
+        </p:nvSpPr>
+        <p:spPr>
+          <a:xfrm>
+            <a:off x="11763724" y="0"/>
+            <a:ext cx="457200" cy="6858000"/>
+          </a:xfrm>
+          <a:prstGeom prst="rect">
+            <a:avLst/>
+          </a:prstGeom>
+          <a:solidFill>
+            <a:schemeClr val="accent1"/>
+          </a:solidFill>
+          <a:ln>
+            <a:noFill/>
+          </a:ln>
+        </p:spPr>
+        <p:style>
+          <a:lnRef idx="2">
+            <a:schemeClr val="accent1">
+              <a:shade val="50000"/>
+            </a:schemeClr>
+          </a:lnRef>
+          <a:fillRef idx="1">
+            <a:schemeClr val="accent1"/>
+          </a:fillRef>
+          <a:effectRef idx="0">
+            <a:schemeClr val="accent1"/>
+          </a:effectRef>
+          <a:fontRef idx="minor">
+            <a:schemeClr val="lt1"/>
+          </a:fontRef>
+        </p:style>
+      </p:sp>
+      <p:graphicFrame>
+        <p:nvGraphicFramePr>
+          <p:cNvPr id="8" name="Content Placeholder 5">
+            <a:extLst>
+              <a:ext uri="{FF2B5EF4-FFF2-40B4-BE49-F238E27FC236}">
+                <a16:creationId xmlns:a16="http://schemas.microsoft.com/office/drawing/2014/main" id="{57FFD845-ECD7-4963-AAF1-058A125E2439}"/>
+              </a:ext>
+            </a:extLst>
+          </p:cNvPr>
+          <p:cNvGraphicFramePr>
+            <a:graphicFrameLocks noGrp="1"/>
+          </p:cNvGraphicFramePr>
+          <p:nvPr>
+            <p:ph idx="1"/>
+            <p:extLst>
+              <p:ext uri="{D42A27DB-BD31-4B8C-83A1-F6EECF244321}">
+                <p14:modId xmlns:p14="http://schemas.microsoft.com/office/powerpoint/2010/main" val="1318367683"/>
+              </p:ext>
+            </p:extLst>
+          </p:nvPr>
+        </p:nvGraphicFramePr>
+        <p:xfrm>
+          <a:off x="1262063" y="2013055"/>
+          <a:ext cx="9858191" cy="4201478"/>
+        </p:xfrm>
+        <a:graphic>
+          <a:graphicData uri="http://schemas.openxmlformats.org/drawingml/2006/diagram">
+            <dgm:relIds xmlns:dgm="http://schemas.openxmlformats.org/drawingml/2006/diagram" xmlns:r="http://schemas.openxmlformats.org/officeDocument/2006/relationships" r:dm="rId2" r:lo="rId3" r:qs="rId4" r:cs="rId5"/>
+          </a:graphicData>
+        </a:graphic>
+      </p:graphicFrame>
+    </p:spTree>
+    <p:extLst>
+      <p:ext uri="{BB962C8B-B14F-4D97-AF65-F5344CB8AC3E}">
+        <p14:creationId xmlns:p14="http://schemas.microsoft.com/office/powerpoint/2010/main" val="4068475543"/>
+      </p:ext>
+    </p:extLst>
+  </p:cSld>
+  <p:clrMapOvr>
+    <a:masterClrMapping/>
+  </p:clrMapOvr>
+</p:sld>
+</file>
+
+<file path=ppt/slides/slide23.xml><?xml version="1.0" encoding="utf-8"?>
+<p:sld xmlns:a="http://schemas.openxmlformats.org/drawingml/2006/main" xmlns:r="http://schemas.openxmlformats.org/officeDocument/2006/relationships" xmlns:p="http://schemas.openxmlformats.org/presentationml/2006/main">
+  <p:cSld>
+    <p:bg>
+      <p:bgPr>
+        <a:solidFill>
           <a:schemeClr val="bg2">
             <a:lumMod val="75000"/>
           </a:schemeClr>
@@ -33749,7 +37090,7 @@
 </p:sld>
 </file>
 
-<file path=ppt/slides/slide23.xml><?xml version="1.0" encoding="utf-8"?>
+<file path=ppt/slides/slide24.xml><?xml version="1.0" encoding="utf-8"?>
 <p:sld xmlns:a="http://schemas.openxmlformats.org/drawingml/2006/main" xmlns:r="http://schemas.openxmlformats.org/officeDocument/2006/relationships" xmlns:p="http://schemas.openxmlformats.org/presentationml/2006/main">
   <p:cSld>
     <p:spTree>
@@ -35785,7 +39126,7 @@
 </p:sld>
 </file>
 
-<file path=ppt/slides/slide24.xml><?xml version="1.0" encoding="utf-8"?>
+<file path=ppt/slides/slide25.xml><?xml version="1.0" encoding="utf-8"?>
 <p:sld xmlns:a="http://schemas.openxmlformats.org/drawingml/2006/main" xmlns:r="http://schemas.openxmlformats.org/officeDocument/2006/relationships" xmlns:p="http://schemas.openxmlformats.org/presentationml/2006/main">
   <p:cSld>
     <p:spTree>
@@ -36562,7 +39903,7 @@
 </p:sld>
 </file>
 
-<file path=ppt/slides/slide25.xml><?xml version="1.0" encoding="utf-8"?>
+<file path=ppt/slides/slide26.xml><?xml version="1.0" encoding="utf-8"?>
 <p:sld xmlns:a="http://schemas.openxmlformats.org/drawingml/2006/main" xmlns:r="http://schemas.openxmlformats.org/officeDocument/2006/relationships" xmlns:p="http://schemas.openxmlformats.org/presentationml/2006/main">
   <p:cSld>
     <p:bg>
@@ -37008,7 +40349,7 @@
 </p:sld>
 </file>
 
-<file path=ppt/slides/slide26.xml><?xml version="1.0" encoding="utf-8"?>
+<file path=ppt/slides/slide27.xml><?xml version="1.0" encoding="utf-8"?>
 <p:sld xmlns:a="http://schemas.openxmlformats.org/drawingml/2006/main" xmlns:r="http://schemas.openxmlformats.org/officeDocument/2006/relationships" xmlns:p="http://schemas.openxmlformats.org/presentationml/2006/main">
   <p:cSld>
     <p:bg>
@@ -37268,7 +40609,7 @@
 </p:sld>
 </file>
 
-<file path=ppt/slides/slide27.xml><?xml version="1.0" encoding="utf-8"?>
+<file path=ppt/slides/slide28.xml><?xml version="1.0" encoding="utf-8"?>
 <p:sld xmlns:a="http://schemas.openxmlformats.org/drawingml/2006/main" xmlns:r="http://schemas.openxmlformats.org/officeDocument/2006/relationships" xmlns:p="http://schemas.openxmlformats.org/presentationml/2006/main">
   <p:cSld>
     <p:bg>
@@ -37644,7 +40985,7 @@
 </p:sld>
 </file>
 
-<file path=ppt/slides/slide28.xml><?xml version="1.0" encoding="utf-8"?>
+<file path=ppt/slides/slide29.xml><?xml version="1.0" encoding="utf-8"?>
 <p:sld xmlns:a="http://schemas.openxmlformats.org/drawingml/2006/main" xmlns:r="http://schemas.openxmlformats.org/officeDocument/2006/relationships" xmlns:p="http://schemas.openxmlformats.org/presentationml/2006/main">
   <p:cSld>
     <p:bg>
@@ -37988,7 +41329,296 @@
 </p:sld>
 </file>
 
-<file path=ppt/slides/slide29.xml><?xml version="1.0" encoding="utf-8"?>
+<file path=ppt/slides/slide3.xml><?xml version="1.0" encoding="utf-8"?>
+<p:sld xmlns:a="http://schemas.openxmlformats.org/drawingml/2006/main" xmlns:r="http://schemas.openxmlformats.org/officeDocument/2006/relationships" xmlns:p="http://schemas.openxmlformats.org/presentationml/2006/main">
+  <p:cSld>
+    <p:bg>
+      <p:bgPr>
+        <a:solidFill>
+          <a:schemeClr val="bg2">
+            <a:lumMod val="75000"/>
+          </a:schemeClr>
+        </a:solidFill>
+        <a:effectLst/>
+      </p:bgPr>
+    </p:bg>
+    <p:spTree>
+      <p:nvGrpSpPr>
+        <p:cNvPr id="1" name=""/>
+        <p:cNvGrpSpPr/>
+        <p:nvPr/>
+      </p:nvGrpSpPr>
+      <p:grpSpPr>
+        <a:xfrm>
+          <a:off x="0" y="0"/>
+          <a:ext cx="0" cy="0"/>
+          <a:chOff x="0" y="0"/>
+          <a:chExt cx="0" cy="0"/>
+        </a:xfrm>
+      </p:grpSpPr>
+      <p:sp>
+        <p:nvSpPr>
+          <p:cNvPr id="8" name="Rectangle 7">
+            <a:extLst>
+              <a:ext uri="{FF2B5EF4-FFF2-40B4-BE49-F238E27FC236}">
+                <a16:creationId xmlns:a16="http://schemas.microsoft.com/office/drawing/2014/main" id="{A6F05DDE-5F2C-44F5-BACC-DED4737B11B8}"/>
+              </a:ext>
+              <a:ext uri="{C183D7F6-B498-43B3-948B-1728B52AA6E4}">
+                <adec:decorative xmlns:adec="http://schemas.microsoft.com/office/drawing/2017/decorative" val="1"/>
+              </a:ext>
+            </a:extLst>
+          </p:cNvPr>
+          <p:cNvSpPr>
+            <a:spLocks noGrp="1" noRot="1" noChangeAspect="1" noMove="1" noResize="1" noEditPoints="1" noAdjustHandles="1" noChangeArrowheads="1" noChangeShapeType="1" noTextEdit="1"/>
+          </p:cNvSpPr>
+          <p:nvPr>
+            <p:extLst>
+              <p:ext uri="{386F3935-93C4-4BCD-93E2-E3B085C9AB24}">
+                <p16:designElem xmlns:p16="http://schemas.microsoft.com/office/powerpoint/2015/main" val="1"/>
+              </p:ext>
+            </p:extLst>
+          </p:nvPr>
+        </p:nvSpPr>
+        <p:spPr>
+          <a:xfrm>
+            <a:off x="0" y="0"/>
+            <a:ext cx="457200" cy="6858000"/>
+          </a:xfrm>
+          <a:prstGeom prst="rect">
+            <a:avLst/>
+          </a:prstGeom>
+          <a:solidFill>
+            <a:schemeClr val="accent1"/>
+          </a:solidFill>
+          <a:ln>
+            <a:noFill/>
+          </a:ln>
+        </p:spPr>
+        <p:style>
+          <a:lnRef idx="2">
+            <a:schemeClr val="accent1">
+              <a:shade val="50000"/>
+            </a:schemeClr>
+          </a:lnRef>
+          <a:fillRef idx="1">
+            <a:schemeClr val="accent1"/>
+          </a:fillRef>
+          <a:effectRef idx="0">
+            <a:schemeClr val="accent1"/>
+          </a:effectRef>
+          <a:fontRef idx="minor">
+            <a:schemeClr val="lt1"/>
+          </a:fontRef>
+        </p:style>
+      </p:sp>
+      <p:sp>
+        <p:nvSpPr>
+          <p:cNvPr id="2" name="Title 1">
+            <a:extLst>
+              <a:ext uri="{FF2B5EF4-FFF2-40B4-BE49-F238E27FC236}">
+                <a16:creationId xmlns:a16="http://schemas.microsoft.com/office/drawing/2014/main" id="{51009190-5AE6-46E1-A58A-A5FB5522D7AF}"/>
+              </a:ext>
+            </a:extLst>
+          </p:cNvPr>
+          <p:cNvSpPr>
+            <a:spLocks noGrp="1"/>
+          </p:cNvSpPr>
+          <p:nvPr>
+            <p:ph type="title"/>
+          </p:nvPr>
+        </p:nvSpPr>
+        <p:spPr>
+          <a:xfrm>
+            <a:off x="4651947" y="758952"/>
+            <a:ext cx="6323519" cy="4041648"/>
+          </a:xfrm>
+        </p:spPr>
+        <p:txBody>
+          <a:bodyPr vert="horz" lIns="91440" tIns="45720" rIns="91440" bIns="45720" rtlCol="0" anchor="b">
+            <a:normAutofit/>
+          </a:bodyPr>
+          <a:lstStyle/>
+          <a:p>
+            <a:r>
+              <a:rPr lang="en-US" dirty="0"/>
+              <a:t>Introduction</a:t>
+            </a:r>
+          </a:p>
+        </p:txBody>
+      </p:sp>
+      <p:sp>
+        <p:nvSpPr>
+          <p:cNvPr id="3" name="Text Placeholder 2">
+            <a:extLst>
+              <a:ext uri="{FF2B5EF4-FFF2-40B4-BE49-F238E27FC236}">
+                <a16:creationId xmlns:a16="http://schemas.microsoft.com/office/drawing/2014/main" id="{F7F39D0B-53F5-408C-8C70-27D8C52ECE6A}"/>
+              </a:ext>
+            </a:extLst>
+          </p:cNvPr>
+          <p:cNvSpPr>
+            <a:spLocks noGrp="1"/>
+          </p:cNvSpPr>
+          <p:nvPr>
+            <p:ph type="body" idx="1"/>
+          </p:nvPr>
+        </p:nvSpPr>
+        <p:spPr>
+          <a:xfrm>
+            <a:off x="4651947" y="4800600"/>
+            <a:ext cx="6323520" cy="1691640"/>
+          </a:xfrm>
+        </p:spPr>
+        <p:txBody>
+          <a:bodyPr vert="horz" lIns="91440" tIns="45720" rIns="91440" bIns="45720" rtlCol="0">
+            <a:normAutofit/>
+          </a:bodyPr>
+          <a:lstStyle/>
+          <a:p>
+            <a:endParaRPr lang="en-US">
+              <a:solidFill>
+                <a:schemeClr val="tx1">
+                  <a:lumMod val="75000"/>
+                </a:schemeClr>
+              </a:solidFill>
+            </a:endParaRPr>
+          </a:p>
+        </p:txBody>
+      </p:sp>
+      <p:sp>
+        <p:nvSpPr>
+          <p:cNvPr id="10" name="Rectangle 9">
+            <a:extLst>
+              <a:ext uri="{FF2B5EF4-FFF2-40B4-BE49-F238E27FC236}">
+                <a16:creationId xmlns:a16="http://schemas.microsoft.com/office/drawing/2014/main" id="{A0F80B31-D942-4321-A7CC-3FF24C30A9FC}"/>
+              </a:ext>
+              <a:ext uri="{C183D7F6-B498-43B3-948B-1728B52AA6E4}">
+                <adec:decorative xmlns:adec="http://schemas.microsoft.com/office/drawing/2017/decorative" val="1"/>
+              </a:ext>
+            </a:extLst>
+          </p:cNvPr>
+          <p:cNvSpPr>
+            <a:spLocks noGrp="1" noRot="1" noChangeAspect="1" noMove="1" noResize="1" noEditPoints="1" noAdjustHandles="1" noChangeArrowheads="1" noChangeShapeType="1" noTextEdit="1"/>
+          </p:cNvSpPr>
+          <p:nvPr>
+            <p:extLst>
+              <p:ext uri="{386F3935-93C4-4BCD-93E2-E3B085C9AB24}">
+                <p16:designElem xmlns:p16="http://schemas.microsoft.com/office/powerpoint/2015/main" val="1"/>
+              </p:ext>
+            </p:extLst>
+          </p:nvPr>
+        </p:nvSpPr>
+        <p:spPr>
+          <a:xfrm>
+            <a:off x="0" y="0"/>
+            <a:ext cx="3568372" cy="6858000"/>
+          </a:xfrm>
+          <a:prstGeom prst="rect">
+            <a:avLst/>
+          </a:prstGeom>
+          <a:solidFill>
+            <a:schemeClr val="accent1"/>
+          </a:solidFill>
+          <a:ln>
+            <a:noFill/>
+          </a:ln>
+        </p:spPr>
+        <p:style>
+          <a:lnRef idx="2">
+            <a:schemeClr val="accent1">
+              <a:shade val="50000"/>
+            </a:schemeClr>
+          </a:lnRef>
+          <a:fillRef idx="1">
+            <a:schemeClr val="accent1"/>
+          </a:fillRef>
+          <a:effectRef idx="0">
+            <a:schemeClr val="accent1"/>
+          </a:effectRef>
+          <a:fontRef idx="minor">
+            <a:schemeClr val="lt1"/>
+          </a:fontRef>
+        </p:style>
+        <p:txBody>
+          <a:bodyPr rtlCol="0" anchor="ctr"/>
+          <a:lstStyle/>
+          <a:p>
+            <a:pPr algn="ctr"/>
+            <a:endParaRPr lang="en-US"/>
+          </a:p>
+        </p:txBody>
+      </p:sp>
+      <p:sp>
+        <p:nvSpPr>
+          <p:cNvPr id="12" name="Rectangle 11">
+            <a:extLst>
+              <a:ext uri="{FF2B5EF4-FFF2-40B4-BE49-F238E27FC236}">
+                <a16:creationId xmlns:a16="http://schemas.microsoft.com/office/drawing/2014/main" id="{27DE213B-0A4F-4E9E-9153-8B0C2D0469BE}"/>
+              </a:ext>
+              <a:ext uri="{C183D7F6-B498-43B3-948B-1728B52AA6E4}">
+                <adec:decorative xmlns:adec="http://schemas.microsoft.com/office/drawing/2017/decorative" val="1"/>
+              </a:ext>
+            </a:extLst>
+          </p:cNvPr>
+          <p:cNvSpPr>
+            <a:spLocks noGrp="1" noRot="1" noChangeAspect="1" noMove="1" noResize="1" noEditPoints="1" noAdjustHandles="1" noChangeArrowheads="1" noChangeShapeType="1" noTextEdit="1"/>
+          </p:cNvSpPr>
+          <p:nvPr>
+            <p:extLst>
+              <p:ext uri="{386F3935-93C4-4BCD-93E2-E3B085C9AB24}">
+                <p16:designElem xmlns:p16="http://schemas.microsoft.com/office/powerpoint/2015/main" val="1"/>
+              </p:ext>
+            </p:extLst>
+          </p:nvPr>
+        </p:nvSpPr>
+        <p:spPr>
+          <a:xfrm>
+            <a:off x="3569969" y="0"/>
+            <a:ext cx="457200" cy="6858000"/>
+          </a:xfrm>
+          <a:prstGeom prst="rect">
+            <a:avLst/>
+          </a:prstGeom>
+          <a:solidFill>
+            <a:schemeClr val="accent1">
+              <a:lumMod val="75000"/>
+              <a:alpha val="60000"/>
+            </a:schemeClr>
+          </a:solidFill>
+          <a:ln>
+            <a:noFill/>
+          </a:ln>
+        </p:spPr>
+        <p:style>
+          <a:lnRef idx="2">
+            <a:schemeClr val="accent1">
+              <a:shade val="50000"/>
+            </a:schemeClr>
+          </a:lnRef>
+          <a:fillRef idx="1">
+            <a:schemeClr val="accent1"/>
+          </a:fillRef>
+          <a:effectRef idx="0">
+            <a:schemeClr val="accent1"/>
+          </a:effectRef>
+          <a:fontRef idx="minor">
+            <a:schemeClr val="lt1"/>
+          </a:fontRef>
+        </p:style>
+      </p:sp>
+    </p:spTree>
+    <p:extLst>
+      <p:ext uri="{BB962C8B-B14F-4D97-AF65-F5344CB8AC3E}">
+        <p14:creationId xmlns:p14="http://schemas.microsoft.com/office/powerpoint/2010/main" val="1015811613"/>
+      </p:ext>
+    </p:extLst>
+  </p:cSld>
+  <p:clrMapOvr>
+    <a:masterClrMapping/>
+  </p:clrMapOvr>
+</p:sld>
+</file>
+
+<file path=ppt/slides/slide30.xml><?xml version="1.0" encoding="utf-8"?>
 <p:sld xmlns:a="http://schemas.openxmlformats.org/drawingml/2006/main" xmlns:r="http://schemas.openxmlformats.org/officeDocument/2006/relationships" xmlns:p="http://schemas.openxmlformats.org/presentationml/2006/main">
   <p:cSld>
     <p:spTree>
@@ -38315,296 +41945,7 @@
 </p:sld>
 </file>
 
-<file path=ppt/slides/slide3.xml><?xml version="1.0" encoding="utf-8"?>
-<p:sld xmlns:a="http://schemas.openxmlformats.org/drawingml/2006/main" xmlns:r="http://schemas.openxmlformats.org/officeDocument/2006/relationships" xmlns:p="http://schemas.openxmlformats.org/presentationml/2006/main">
-  <p:cSld>
-    <p:bg>
-      <p:bgPr>
-        <a:solidFill>
-          <a:schemeClr val="bg2">
-            <a:lumMod val="75000"/>
-          </a:schemeClr>
-        </a:solidFill>
-        <a:effectLst/>
-      </p:bgPr>
-    </p:bg>
-    <p:spTree>
-      <p:nvGrpSpPr>
-        <p:cNvPr id="1" name=""/>
-        <p:cNvGrpSpPr/>
-        <p:nvPr/>
-      </p:nvGrpSpPr>
-      <p:grpSpPr>
-        <a:xfrm>
-          <a:off x="0" y="0"/>
-          <a:ext cx="0" cy="0"/>
-          <a:chOff x="0" y="0"/>
-          <a:chExt cx="0" cy="0"/>
-        </a:xfrm>
-      </p:grpSpPr>
-      <p:sp>
-        <p:nvSpPr>
-          <p:cNvPr id="8" name="Rectangle 7">
-            <a:extLst>
-              <a:ext uri="{FF2B5EF4-FFF2-40B4-BE49-F238E27FC236}">
-                <a16:creationId xmlns:a16="http://schemas.microsoft.com/office/drawing/2014/main" id="{A6F05DDE-5F2C-44F5-BACC-DED4737B11B8}"/>
-              </a:ext>
-              <a:ext uri="{C183D7F6-B498-43B3-948B-1728B52AA6E4}">
-                <adec:decorative xmlns:adec="http://schemas.microsoft.com/office/drawing/2017/decorative" val="1"/>
-              </a:ext>
-            </a:extLst>
-          </p:cNvPr>
-          <p:cNvSpPr>
-            <a:spLocks noGrp="1" noRot="1" noChangeAspect="1" noMove="1" noResize="1" noEditPoints="1" noAdjustHandles="1" noChangeArrowheads="1" noChangeShapeType="1" noTextEdit="1"/>
-          </p:cNvSpPr>
-          <p:nvPr>
-            <p:extLst>
-              <p:ext uri="{386F3935-93C4-4BCD-93E2-E3B085C9AB24}">
-                <p16:designElem xmlns:p16="http://schemas.microsoft.com/office/powerpoint/2015/main" val="1"/>
-              </p:ext>
-            </p:extLst>
-          </p:nvPr>
-        </p:nvSpPr>
-        <p:spPr>
-          <a:xfrm>
-            <a:off x="0" y="0"/>
-            <a:ext cx="457200" cy="6858000"/>
-          </a:xfrm>
-          <a:prstGeom prst="rect">
-            <a:avLst/>
-          </a:prstGeom>
-          <a:solidFill>
-            <a:schemeClr val="accent1"/>
-          </a:solidFill>
-          <a:ln>
-            <a:noFill/>
-          </a:ln>
-        </p:spPr>
-        <p:style>
-          <a:lnRef idx="2">
-            <a:schemeClr val="accent1">
-              <a:shade val="50000"/>
-            </a:schemeClr>
-          </a:lnRef>
-          <a:fillRef idx="1">
-            <a:schemeClr val="accent1"/>
-          </a:fillRef>
-          <a:effectRef idx="0">
-            <a:schemeClr val="accent1"/>
-          </a:effectRef>
-          <a:fontRef idx="minor">
-            <a:schemeClr val="lt1"/>
-          </a:fontRef>
-        </p:style>
-      </p:sp>
-      <p:sp>
-        <p:nvSpPr>
-          <p:cNvPr id="2" name="Title 1">
-            <a:extLst>
-              <a:ext uri="{FF2B5EF4-FFF2-40B4-BE49-F238E27FC236}">
-                <a16:creationId xmlns:a16="http://schemas.microsoft.com/office/drawing/2014/main" id="{51009190-5AE6-46E1-A58A-A5FB5522D7AF}"/>
-              </a:ext>
-            </a:extLst>
-          </p:cNvPr>
-          <p:cNvSpPr>
-            <a:spLocks noGrp="1"/>
-          </p:cNvSpPr>
-          <p:nvPr>
-            <p:ph type="title"/>
-          </p:nvPr>
-        </p:nvSpPr>
-        <p:spPr>
-          <a:xfrm>
-            <a:off x="4651947" y="758952"/>
-            <a:ext cx="6323519" cy="4041648"/>
-          </a:xfrm>
-        </p:spPr>
-        <p:txBody>
-          <a:bodyPr vert="horz" lIns="91440" tIns="45720" rIns="91440" bIns="45720" rtlCol="0" anchor="b">
-            <a:normAutofit/>
-          </a:bodyPr>
-          <a:lstStyle/>
-          <a:p>
-            <a:r>
-              <a:rPr lang="en-US" dirty="0"/>
-              <a:t>Introduction</a:t>
-            </a:r>
-          </a:p>
-        </p:txBody>
-      </p:sp>
-      <p:sp>
-        <p:nvSpPr>
-          <p:cNvPr id="3" name="Text Placeholder 2">
-            <a:extLst>
-              <a:ext uri="{FF2B5EF4-FFF2-40B4-BE49-F238E27FC236}">
-                <a16:creationId xmlns:a16="http://schemas.microsoft.com/office/drawing/2014/main" id="{F7F39D0B-53F5-408C-8C70-27D8C52ECE6A}"/>
-              </a:ext>
-            </a:extLst>
-          </p:cNvPr>
-          <p:cNvSpPr>
-            <a:spLocks noGrp="1"/>
-          </p:cNvSpPr>
-          <p:nvPr>
-            <p:ph type="body" idx="1"/>
-          </p:nvPr>
-        </p:nvSpPr>
-        <p:spPr>
-          <a:xfrm>
-            <a:off x="4651947" y="4800600"/>
-            <a:ext cx="6323520" cy="1691640"/>
-          </a:xfrm>
-        </p:spPr>
-        <p:txBody>
-          <a:bodyPr vert="horz" lIns="91440" tIns="45720" rIns="91440" bIns="45720" rtlCol="0">
-            <a:normAutofit/>
-          </a:bodyPr>
-          <a:lstStyle/>
-          <a:p>
-            <a:endParaRPr lang="en-US">
-              <a:solidFill>
-                <a:schemeClr val="tx1">
-                  <a:lumMod val="75000"/>
-                </a:schemeClr>
-              </a:solidFill>
-            </a:endParaRPr>
-          </a:p>
-        </p:txBody>
-      </p:sp>
-      <p:sp>
-        <p:nvSpPr>
-          <p:cNvPr id="10" name="Rectangle 9">
-            <a:extLst>
-              <a:ext uri="{FF2B5EF4-FFF2-40B4-BE49-F238E27FC236}">
-                <a16:creationId xmlns:a16="http://schemas.microsoft.com/office/drawing/2014/main" id="{A0F80B31-D942-4321-A7CC-3FF24C30A9FC}"/>
-              </a:ext>
-              <a:ext uri="{C183D7F6-B498-43B3-948B-1728B52AA6E4}">
-                <adec:decorative xmlns:adec="http://schemas.microsoft.com/office/drawing/2017/decorative" val="1"/>
-              </a:ext>
-            </a:extLst>
-          </p:cNvPr>
-          <p:cNvSpPr>
-            <a:spLocks noGrp="1" noRot="1" noChangeAspect="1" noMove="1" noResize="1" noEditPoints="1" noAdjustHandles="1" noChangeArrowheads="1" noChangeShapeType="1" noTextEdit="1"/>
-          </p:cNvSpPr>
-          <p:nvPr>
-            <p:extLst>
-              <p:ext uri="{386F3935-93C4-4BCD-93E2-E3B085C9AB24}">
-                <p16:designElem xmlns:p16="http://schemas.microsoft.com/office/powerpoint/2015/main" val="1"/>
-              </p:ext>
-            </p:extLst>
-          </p:nvPr>
-        </p:nvSpPr>
-        <p:spPr>
-          <a:xfrm>
-            <a:off x="0" y="0"/>
-            <a:ext cx="3568372" cy="6858000"/>
-          </a:xfrm>
-          <a:prstGeom prst="rect">
-            <a:avLst/>
-          </a:prstGeom>
-          <a:solidFill>
-            <a:schemeClr val="accent1"/>
-          </a:solidFill>
-          <a:ln>
-            <a:noFill/>
-          </a:ln>
-        </p:spPr>
-        <p:style>
-          <a:lnRef idx="2">
-            <a:schemeClr val="accent1">
-              <a:shade val="50000"/>
-            </a:schemeClr>
-          </a:lnRef>
-          <a:fillRef idx="1">
-            <a:schemeClr val="accent1"/>
-          </a:fillRef>
-          <a:effectRef idx="0">
-            <a:schemeClr val="accent1"/>
-          </a:effectRef>
-          <a:fontRef idx="minor">
-            <a:schemeClr val="lt1"/>
-          </a:fontRef>
-        </p:style>
-        <p:txBody>
-          <a:bodyPr rtlCol="0" anchor="ctr"/>
-          <a:lstStyle/>
-          <a:p>
-            <a:pPr algn="ctr"/>
-            <a:endParaRPr lang="en-US"/>
-          </a:p>
-        </p:txBody>
-      </p:sp>
-      <p:sp>
-        <p:nvSpPr>
-          <p:cNvPr id="12" name="Rectangle 11">
-            <a:extLst>
-              <a:ext uri="{FF2B5EF4-FFF2-40B4-BE49-F238E27FC236}">
-                <a16:creationId xmlns:a16="http://schemas.microsoft.com/office/drawing/2014/main" id="{27DE213B-0A4F-4E9E-9153-8B0C2D0469BE}"/>
-              </a:ext>
-              <a:ext uri="{C183D7F6-B498-43B3-948B-1728B52AA6E4}">
-                <adec:decorative xmlns:adec="http://schemas.microsoft.com/office/drawing/2017/decorative" val="1"/>
-              </a:ext>
-            </a:extLst>
-          </p:cNvPr>
-          <p:cNvSpPr>
-            <a:spLocks noGrp="1" noRot="1" noChangeAspect="1" noMove="1" noResize="1" noEditPoints="1" noAdjustHandles="1" noChangeArrowheads="1" noChangeShapeType="1" noTextEdit="1"/>
-          </p:cNvSpPr>
-          <p:nvPr>
-            <p:extLst>
-              <p:ext uri="{386F3935-93C4-4BCD-93E2-E3B085C9AB24}">
-                <p16:designElem xmlns:p16="http://schemas.microsoft.com/office/powerpoint/2015/main" val="1"/>
-              </p:ext>
-            </p:extLst>
-          </p:nvPr>
-        </p:nvSpPr>
-        <p:spPr>
-          <a:xfrm>
-            <a:off x="3569969" y="0"/>
-            <a:ext cx="457200" cy="6858000"/>
-          </a:xfrm>
-          <a:prstGeom prst="rect">
-            <a:avLst/>
-          </a:prstGeom>
-          <a:solidFill>
-            <a:schemeClr val="accent1">
-              <a:lumMod val="75000"/>
-              <a:alpha val="60000"/>
-            </a:schemeClr>
-          </a:solidFill>
-          <a:ln>
-            <a:noFill/>
-          </a:ln>
-        </p:spPr>
-        <p:style>
-          <a:lnRef idx="2">
-            <a:schemeClr val="accent1">
-              <a:shade val="50000"/>
-            </a:schemeClr>
-          </a:lnRef>
-          <a:fillRef idx="1">
-            <a:schemeClr val="accent1"/>
-          </a:fillRef>
-          <a:effectRef idx="0">
-            <a:schemeClr val="accent1"/>
-          </a:effectRef>
-          <a:fontRef idx="minor">
-            <a:schemeClr val="lt1"/>
-          </a:fontRef>
-        </p:style>
-      </p:sp>
-    </p:spTree>
-    <p:extLst>
-      <p:ext uri="{BB962C8B-B14F-4D97-AF65-F5344CB8AC3E}">
-        <p14:creationId xmlns:p14="http://schemas.microsoft.com/office/powerpoint/2010/main" val="1015811613"/>
-      </p:ext>
-    </p:extLst>
-  </p:cSld>
-  <p:clrMapOvr>
-    <a:masterClrMapping/>
-  </p:clrMapOvr>
-</p:sld>
-</file>
-
-<file path=ppt/slides/slide30.xml><?xml version="1.0" encoding="utf-8"?>
+<file path=ppt/slides/slide31.xml><?xml version="1.0" encoding="utf-8"?>
 <p:sld xmlns:a="http://schemas.openxmlformats.org/drawingml/2006/main" xmlns:r="http://schemas.openxmlformats.org/officeDocument/2006/relationships" xmlns:p="http://schemas.openxmlformats.org/presentationml/2006/main">
   <p:cSld>
     <p:spTree>
@@ -39040,7 +42381,7 @@
 </p:sld>
 </file>
 
-<file path=ppt/slides/slide31.xml><?xml version="1.0" encoding="utf-8"?>
+<file path=ppt/slides/slide32.xml><?xml version="1.0" encoding="utf-8"?>
 <p:sld xmlns:a="http://schemas.openxmlformats.org/drawingml/2006/main" xmlns:r="http://schemas.openxmlformats.org/officeDocument/2006/relationships" xmlns:p="http://schemas.openxmlformats.org/presentationml/2006/main">
   <p:cSld>
     <p:spTree>
@@ -39513,7 +42854,7 @@
 </p:sld>
 </file>
 
-<file path=ppt/slides/slide32.xml><?xml version="1.0" encoding="utf-8"?>
+<file path=ppt/slides/slide33.xml><?xml version="1.0" encoding="utf-8"?>
 <p:sld xmlns:a="http://schemas.openxmlformats.org/drawingml/2006/main" xmlns:r="http://schemas.openxmlformats.org/officeDocument/2006/relationships" xmlns:p="http://schemas.openxmlformats.org/presentationml/2006/main">
   <p:cSld>
     <p:spTree>
@@ -39656,7 +42997,7 @@
 </p:sld>
 </file>
 
-<file path=ppt/slides/slide33.xml><?xml version="1.0" encoding="utf-8"?>
+<file path=ppt/slides/slide34.xml><?xml version="1.0" encoding="utf-8"?>
 <p:sld xmlns:a="http://schemas.openxmlformats.org/drawingml/2006/main" xmlns:r="http://schemas.openxmlformats.org/officeDocument/2006/relationships" xmlns:p="http://schemas.openxmlformats.org/presentationml/2006/main">
   <p:cSld>
     <p:spTree>
@@ -39800,7 +43141,7 @@
 </p:sld>
 </file>
 
-<file path=ppt/slides/slide34.xml><?xml version="1.0" encoding="utf-8"?>
+<file path=ppt/slides/slide35.xml><?xml version="1.0" encoding="utf-8"?>
 <p:sld xmlns:a="http://schemas.openxmlformats.org/drawingml/2006/main" xmlns:r="http://schemas.openxmlformats.org/officeDocument/2006/relationships" xmlns:p="http://schemas.openxmlformats.org/presentationml/2006/main">
   <p:cSld>
     <p:spTree>
